--- a/RDV/RDV1/EASYTASKS.pptx
+++ b/RDV/RDV1/EASYTASKS.pptx
@@ -5,16 +5,23 @@
     <p:sldMasterId id="2147483648" r:id="rId1"/>
   </p:sldMasterIdLst>
   <p:notesMasterIdLst>
-    <p:notesMasterId r:id="rId9"/>
+    <p:notesMasterId r:id="rId16"/>
   </p:notesMasterIdLst>
   <p:sldIdLst>
     <p:sldId id="256" r:id="rId2"/>
     <p:sldId id="257" r:id="rId3"/>
     <p:sldId id="258" r:id="rId4"/>
-    <p:sldId id="259" r:id="rId5"/>
-    <p:sldId id="260" r:id="rId6"/>
-    <p:sldId id="261" r:id="rId7"/>
-    <p:sldId id="262" r:id="rId8"/>
+    <p:sldId id="264" r:id="rId5"/>
+    <p:sldId id="259" r:id="rId6"/>
+    <p:sldId id="265" r:id="rId7"/>
+    <p:sldId id="266" r:id="rId8"/>
+    <p:sldId id="260" r:id="rId9"/>
+    <p:sldId id="267" r:id="rId10"/>
+    <p:sldId id="268" r:id="rId11"/>
+    <p:sldId id="263" r:id="rId12"/>
+    <p:sldId id="269" r:id="rId13"/>
+    <p:sldId id="261" r:id="rId14"/>
+    <p:sldId id="262" r:id="rId15"/>
   </p:sldIdLst>
   <p:sldSz cx="12192000" cy="6858000"/>
   <p:notesSz cx="6858000" cy="9144000"/>
@@ -116,33 +123,3200 @@
   <p:extLst>
     <p:ext uri="{521415D9-36F7-43E2-AB2F-B90AF26B5E84}">
       <p14:sectionLst xmlns:p14="http://schemas.microsoft.com/office/powerpoint/2010/main">
-        <p14:section name="Section par défaut" id="{3A499639-1930-48D2-8396-5C320B1E5FED}">
+        <p14:section name="Début" id="{3A499639-1930-48D2-8396-5C320B1E5FED}">
           <p14:sldIdLst>
             <p14:sldId id="256"/>
             <p14:sldId id="257"/>
           </p14:sldIdLst>
         </p14:section>
-        <p14:section name="Section sans titre" id="{D3DB0E6D-C169-4990-AABF-65AFDAC2436A}">
+        <p14:section name="Technologie" id="{D3DB0E6D-C169-4990-AABF-65AFDAC2436A}">
           <p14:sldIdLst>
             <p14:sldId id="258"/>
+            <p14:sldId id="264"/>
           </p14:sldIdLst>
         </p14:section>
-        <p14:section name="Section sans titre" id="{DAAD97A4-FAC0-4DDB-9958-1E61A02B934E}">
+        <p14:section name="Applis" id="{DAAD97A4-FAC0-4DDB-9958-1E61A02B934E}">
           <p14:sldIdLst>
             <p14:sldId id="259"/>
+            <p14:sldId id="265"/>
+            <p14:sldId id="266"/>
           </p14:sldIdLst>
         </p14:section>
-        <p14:section name="Section sans titre" id="{F6A34F54-6345-49F5-8AFF-DF2AC0B13BE6}">
+        <p14:section name="Maquettes" id="{F6A34F54-6345-49F5-8AFF-DF2AC0B13BE6}">
           <p14:sldIdLst>
             <p14:sldId id="260"/>
+            <p14:sldId id="267"/>
+            <p14:sldId id="268"/>
+          </p14:sldIdLst>
+        </p14:section>
+        <p14:section name="Répartition" id="{4A750EDE-FD71-4497-A3F3-DCBEE30C521A}">
+          <p14:sldIdLst>
+            <p14:sldId id="263"/>
+            <p14:sldId id="269"/>
+          </p14:sldIdLst>
+        </p14:section>
+        <p14:section name="Conclu" id="{9047D416-6171-49AB-9D8A-19A73D9A0D68}">
+          <p14:sldIdLst>
             <p14:sldId id="261"/>
             <p14:sldId id="262"/>
           </p14:sldIdLst>
         </p14:section>
       </p14:sectionLst>
     </p:ext>
+    <p:ext uri="{EFAFB233-063F-42B5-8137-9DF3F51BA10A}">
+      <p15:sldGuideLst xmlns:p15="http://schemas.microsoft.com/office/powerpoint/2012/main"/>
+    </p:ext>
   </p:extLst>
 </p:presentation>
+</file>
+
+<file path=ppt/diagrams/colors1.xml><?xml version="1.0" encoding="utf-8"?>
+<dgm:colorsDef xmlns:dgm="http://schemas.openxmlformats.org/drawingml/2006/diagram" xmlns:a="http://schemas.openxmlformats.org/drawingml/2006/main" uniqueId="urn:microsoft.com/office/officeart/2005/8/colors/accent3_2">
+  <dgm:title val=""/>
+  <dgm:desc val=""/>
+  <dgm:catLst>
+    <dgm:cat type="accent3" pri="11200"/>
+  </dgm:catLst>
+  <dgm:styleLbl name="node0">
+    <dgm:fillClrLst meth="repeat">
+      <a:schemeClr val="accent3"/>
+    </dgm:fillClrLst>
+    <dgm:linClrLst meth="repeat">
+      <a:schemeClr val="lt1"/>
+    </dgm:linClrLst>
+    <dgm:effectClrLst/>
+    <dgm:txLinClrLst/>
+    <dgm:txFillClrLst/>
+    <dgm:txEffectClrLst/>
+  </dgm:styleLbl>
+  <dgm:styleLbl name="node1">
+    <dgm:fillClrLst meth="repeat">
+      <a:schemeClr val="accent3"/>
+    </dgm:fillClrLst>
+    <dgm:linClrLst meth="repeat">
+      <a:schemeClr val="lt1"/>
+    </dgm:linClrLst>
+    <dgm:effectClrLst/>
+    <dgm:txLinClrLst/>
+    <dgm:txFillClrLst/>
+    <dgm:txEffectClrLst/>
+  </dgm:styleLbl>
+  <dgm:styleLbl name="alignNode1">
+    <dgm:fillClrLst meth="repeat">
+      <a:schemeClr val="accent3"/>
+    </dgm:fillClrLst>
+    <dgm:linClrLst meth="repeat">
+      <a:schemeClr val="accent3"/>
+    </dgm:linClrLst>
+    <dgm:effectClrLst/>
+    <dgm:txLinClrLst/>
+    <dgm:txFillClrLst/>
+    <dgm:txEffectClrLst/>
+  </dgm:styleLbl>
+  <dgm:styleLbl name="lnNode1">
+    <dgm:fillClrLst meth="repeat">
+      <a:schemeClr val="accent3"/>
+    </dgm:fillClrLst>
+    <dgm:linClrLst meth="repeat">
+      <a:schemeClr val="lt1"/>
+    </dgm:linClrLst>
+    <dgm:effectClrLst/>
+    <dgm:txLinClrLst/>
+    <dgm:txFillClrLst/>
+    <dgm:txEffectClrLst/>
+  </dgm:styleLbl>
+  <dgm:styleLbl name="vennNode1">
+    <dgm:fillClrLst meth="repeat">
+      <a:schemeClr val="accent3">
+        <a:alpha val="50000"/>
+      </a:schemeClr>
+    </dgm:fillClrLst>
+    <dgm:linClrLst meth="repeat">
+      <a:schemeClr val="lt1"/>
+    </dgm:linClrLst>
+    <dgm:effectClrLst/>
+    <dgm:txLinClrLst/>
+    <dgm:txFillClrLst/>
+    <dgm:txEffectClrLst/>
+  </dgm:styleLbl>
+  <dgm:styleLbl name="node2">
+    <dgm:fillClrLst meth="repeat">
+      <a:schemeClr val="accent3"/>
+    </dgm:fillClrLst>
+    <dgm:linClrLst meth="repeat">
+      <a:schemeClr val="lt1"/>
+    </dgm:linClrLst>
+    <dgm:effectClrLst/>
+    <dgm:txLinClrLst/>
+    <dgm:txFillClrLst/>
+    <dgm:txEffectClrLst/>
+  </dgm:styleLbl>
+  <dgm:styleLbl name="node3">
+    <dgm:fillClrLst meth="repeat">
+      <a:schemeClr val="accent3"/>
+    </dgm:fillClrLst>
+    <dgm:linClrLst meth="repeat">
+      <a:schemeClr val="lt1"/>
+    </dgm:linClrLst>
+    <dgm:effectClrLst/>
+    <dgm:txLinClrLst/>
+    <dgm:txFillClrLst/>
+    <dgm:txEffectClrLst/>
+  </dgm:styleLbl>
+  <dgm:styleLbl name="node4">
+    <dgm:fillClrLst meth="repeat">
+      <a:schemeClr val="accent3"/>
+    </dgm:fillClrLst>
+    <dgm:linClrLst meth="repeat">
+      <a:schemeClr val="lt1"/>
+    </dgm:linClrLst>
+    <dgm:effectClrLst/>
+    <dgm:txLinClrLst/>
+    <dgm:txFillClrLst/>
+    <dgm:txEffectClrLst/>
+  </dgm:styleLbl>
+  <dgm:styleLbl name="fgImgPlace1">
+    <dgm:fillClrLst meth="repeat">
+      <a:schemeClr val="accent3">
+        <a:tint val="50000"/>
+      </a:schemeClr>
+    </dgm:fillClrLst>
+    <dgm:linClrLst meth="repeat">
+      <a:schemeClr val="lt1"/>
+    </dgm:linClrLst>
+    <dgm:effectClrLst/>
+    <dgm:txLinClrLst/>
+    <dgm:txFillClrLst meth="repeat">
+      <a:schemeClr val="lt1"/>
+    </dgm:txFillClrLst>
+    <dgm:txEffectClrLst/>
+  </dgm:styleLbl>
+  <dgm:styleLbl name="alignImgPlace1">
+    <dgm:fillClrLst meth="repeat">
+      <a:schemeClr val="accent3">
+        <a:tint val="50000"/>
+      </a:schemeClr>
+    </dgm:fillClrLst>
+    <dgm:linClrLst meth="repeat">
+      <a:schemeClr val="lt1"/>
+    </dgm:linClrLst>
+    <dgm:effectClrLst/>
+    <dgm:txLinClrLst/>
+    <dgm:txFillClrLst meth="repeat">
+      <a:schemeClr val="lt1"/>
+    </dgm:txFillClrLst>
+    <dgm:txEffectClrLst/>
+  </dgm:styleLbl>
+  <dgm:styleLbl name="bgImgPlace1">
+    <dgm:fillClrLst meth="repeat">
+      <a:schemeClr val="accent3">
+        <a:tint val="50000"/>
+      </a:schemeClr>
+    </dgm:fillClrLst>
+    <dgm:linClrLst meth="repeat">
+      <a:schemeClr val="lt1"/>
+    </dgm:linClrLst>
+    <dgm:effectClrLst/>
+    <dgm:txLinClrLst/>
+    <dgm:txFillClrLst meth="repeat">
+      <a:schemeClr val="lt1"/>
+    </dgm:txFillClrLst>
+    <dgm:txEffectClrLst/>
+  </dgm:styleLbl>
+  <dgm:styleLbl name="sibTrans2D1">
+    <dgm:fillClrLst meth="repeat">
+      <a:schemeClr val="accent3">
+        <a:tint val="60000"/>
+      </a:schemeClr>
+    </dgm:fillClrLst>
+    <dgm:linClrLst meth="repeat">
+      <a:schemeClr val="accent3">
+        <a:tint val="60000"/>
+      </a:schemeClr>
+    </dgm:linClrLst>
+    <dgm:effectClrLst/>
+    <dgm:txLinClrLst/>
+    <dgm:txFillClrLst/>
+    <dgm:txEffectClrLst/>
+  </dgm:styleLbl>
+  <dgm:styleLbl name="fgSibTrans2D1">
+    <dgm:fillClrLst meth="repeat">
+      <a:schemeClr val="accent3">
+        <a:tint val="60000"/>
+      </a:schemeClr>
+    </dgm:fillClrLst>
+    <dgm:linClrLst meth="repeat">
+      <a:schemeClr val="accent3">
+        <a:tint val="60000"/>
+      </a:schemeClr>
+    </dgm:linClrLst>
+    <dgm:effectClrLst/>
+    <dgm:txLinClrLst/>
+    <dgm:txFillClrLst/>
+    <dgm:txEffectClrLst/>
+  </dgm:styleLbl>
+  <dgm:styleLbl name="bgSibTrans2D1">
+    <dgm:fillClrLst meth="repeat">
+      <a:schemeClr val="accent3">
+        <a:tint val="60000"/>
+      </a:schemeClr>
+    </dgm:fillClrLst>
+    <dgm:linClrLst meth="repeat">
+      <a:schemeClr val="accent3">
+        <a:tint val="60000"/>
+      </a:schemeClr>
+    </dgm:linClrLst>
+    <dgm:effectClrLst/>
+    <dgm:txLinClrLst/>
+    <dgm:txFillClrLst/>
+    <dgm:txEffectClrLst/>
+  </dgm:styleLbl>
+  <dgm:styleLbl name="sibTrans1D1">
+    <dgm:fillClrLst meth="repeat">
+      <a:schemeClr val="accent3"/>
+    </dgm:fillClrLst>
+    <dgm:linClrLst meth="repeat">
+      <a:schemeClr val="accent3"/>
+    </dgm:linClrLst>
+    <dgm:effectClrLst/>
+    <dgm:txLinClrLst/>
+    <dgm:txFillClrLst meth="repeat">
+      <a:schemeClr val="tx1"/>
+    </dgm:txFillClrLst>
+    <dgm:txEffectClrLst/>
+  </dgm:styleLbl>
+  <dgm:styleLbl name="callout">
+    <dgm:fillClrLst meth="repeat">
+      <a:schemeClr val="accent3"/>
+    </dgm:fillClrLst>
+    <dgm:linClrLst meth="repeat">
+      <a:schemeClr val="accent3">
+        <a:tint val="50000"/>
+      </a:schemeClr>
+    </dgm:linClrLst>
+    <dgm:effectClrLst/>
+    <dgm:txLinClrLst/>
+    <dgm:txFillClrLst meth="repeat">
+      <a:schemeClr val="tx1"/>
+    </dgm:txFillClrLst>
+    <dgm:txEffectClrLst/>
+  </dgm:styleLbl>
+  <dgm:styleLbl name="asst0">
+    <dgm:fillClrLst meth="repeat">
+      <a:schemeClr val="accent3"/>
+    </dgm:fillClrLst>
+    <dgm:linClrLst meth="repeat">
+      <a:schemeClr val="lt1"/>
+    </dgm:linClrLst>
+    <dgm:effectClrLst/>
+    <dgm:txLinClrLst/>
+    <dgm:txFillClrLst/>
+    <dgm:txEffectClrLst/>
+  </dgm:styleLbl>
+  <dgm:styleLbl name="asst1">
+    <dgm:fillClrLst meth="repeat">
+      <a:schemeClr val="accent3"/>
+    </dgm:fillClrLst>
+    <dgm:linClrLst meth="repeat">
+      <a:schemeClr val="lt1"/>
+    </dgm:linClrLst>
+    <dgm:effectClrLst/>
+    <dgm:txLinClrLst/>
+    <dgm:txFillClrLst/>
+    <dgm:txEffectClrLst/>
+  </dgm:styleLbl>
+  <dgm:styleLbl name="asst2">
+    <dgm:fillClrLst meth="repeat">
+      <a:schemeClr val="accent3"/>
+    </dgm:fillClrLst>
+    <dgm:linClrLst meth="repeat">
+      <a:schemeClr val="lt1"/>
+    </dgm:linClrLst>
+    <dgm:effectClrLst/>
+    <dgm:txLinClrLst/>
+    <dgm:txFillClrLst/>
+    <dgm:txEffectClrLst/>
+  </dgm:styleLbl>
+  <dgm:styleLbl name="asst3">
+    <dgm:fillClrLst meth="repeat">
+      <a:schemeClr val="accent3"/>
+    </dgm:fillClrLst>
+    <dgm:linClrLst meth="repeat">
+      <a:schemeClr val="lt1"/>
+    </dgm:linClrLst>
+    <dgm:effectClrLst/>
+    <dgm:txLinClrLst/>
+    <dgm:txFillClrLst/>
+    <dgm:txEffectClrLst/>
+  </dgm:styleLbl>
+  <dgm:styleLbl name="asst4">
+    <dgm:fillClrLst meth="repeat">
+      <a:schemeClr val="accent3"/>
+    </dgm:fillClrLst>
+    <dgm:linClrLst meth="repeat">
+      <a:schemeClr val="lt1"/>
+    </dgm:linClrLst>
+    <dgm:effectClrLst/>
+    <dgm:txLinClrLst/>
+    <dgm:txFillClrLst/>
+    <dgm:txEffectClrLst/>
+  </dgm:styleLbl>
+  <dgm:styleLbl name="parChTrans2D1">
+    <dgm:fillClrLst meth="repeat">
+      <a:schemeClr val="accent3">
+        <a:tint val="60000"/>
+      </a:schemeClr>
+    </dgm:fillClrLst>
+    <dgm:linClrLst meth="repeat">
+      <a:schemeClr val="accent3">
+        <a:tint val="60000"/>
+      </a:schemeClr>
+    </dgm:linClrLst>
+    <dgm:effectClrLst/>
+    <dgm:txLinClrLst/>
+    <dgm:txFillClrLst meth="repeat">
+      <a:schemeClr val="lt1"/>
+    </dgm:txFillClrLst>
+    <dgm:txEffectClrLst/>
+  </dgm:styleLbl>
+  <dgm:styleLbl name="parChTrans2D2">
+    <dgm:fillClrLst meth="repeat">
+      <a:schemeClr val="accent3"/>
+    </dgm:fillClrLst>
+    <dgm:linClrLst meth="repeat">
+      <a:schemeClr val="accent3"/>
+    </dgm:linClrLst>
+    <dgm:effectClrLst/>
+    <dgm:txLinClrLst/>
+    <dgm:txFillClrLst meth="repeat">
+      <a:schemeClr val="lt1"/>
+    </dgm:txFillClrLst>
+    <dgm:txEffectClrLst/>
+  </dgm:styleLbl>
+  <dgm:styleLbl name="parChTrans2D3">
+    <dgm:fillClrLst meth="repeat">
+      <a:schemeClr val="accent3"/>
+    </dgm:fillClrLst>
+    <dgm:linClrLst meth="repeat">
+      <a:schemeClr val="accent3"/>
+    </dgm:linClrLst>
+    <dgm:effectClrLst/>
+    <dgm:txLinClrLst/>
+    <dgm:txFillClrLst meth="repeat">
+      <a:schemeClr val="lt1"/>
+    </dgm:txFillClrLst>
+    <dgm:txEffectClrLst/>
+  </dgm:styleLbl>
+  <dgm:styleLbl name="parChTrans2D4">
+    <dgm:fillClrLst meth="repeat">
+      <a:schemeClr val="accent3"/>
+    </dgm:fillClrLst>
+    <dgm:linClrLst meth="repeat">
+      <a:schemeClr val="accent3"/>
+    </dgm:linClrLst>
+    <dgm:effectClrLst/>
+    <dgm:txLinClrLst/>
+    <dgm:txFillClrLst meth="repeat">
+      <a:schemeClr val="lt1"/>
+    </dgm:txFillClrLst>
+    <dgm:txEffectClrLst/>
+  </dgm:styleLbl>
+  <dgm:styleLbl name="parChTrans1D1">
+    <dgm:fillClrLst meth="repeat">
+      <a:schemeClr val="accent3"/>
+    </dgm:fillClrLst>
+    <dgm:linClrLst meth="repeat">
+      <a:schemeClr val="accent3">
+        <a:shade val="60000"/>
+      </a:schemeClr>
+    </dgm:linClrLst>
+    <dgm:effectClrLst/>
+    <dgm:txLinClrLst/>
+    <dgm:txFillClrLst meth="repeat">
+      <a:schemeClr val="tx1"/>
+    </dgm:txFillClrLst>
+    <dgm:txEffectClrLst/>
+  </dgm:styleLbl>
+  <dgm:styleLbl name="parChTrans1D2">
+    <dgm:fillClrLst meth="repeat">
+      <a:schemeClr val="accent3"/>
+    </dgm:fillClrLst>
+    <dgm:linClrLst meth="repeat">
+      <a:schemeClr val="accent3">
+        <a:shade val="60000"/>
+      </a:schemeClr>
+    </dgm:linClrLst>
+    <dgm:effectClrLst/>
+    <dgm:txLinClrLst/>
+    <dgm:txFillClrLst meth="repeat">
+      <a:schemeClr val="tx1"/>
+    </dgm:txFillClrLst>
+    <dgm:txEffectClrLst/>
+  </dgm:styleLbl>
+  <dgm:styleLbl name="parChTrans1D3">
+    <dgm:fillClrLst meth="repeat">
+      <a:schemeClr val="accent3"/>
+    </dgm:fillClrLst>
+    <dgm:linClrLst meth="repeat">
+      <a:schemeClr val="accent3">
+        <a:shade val="80000"/>
+      </a:schemeClr>
+    </dgm:linClrLst>
+    <dgm:effectClrLst/>
+    <dgm:txLinClrLst/>
+    <dgm:txFillClrLst meth="repeat">
+      <a:schemeClr val="tx1"/>
+    </dgm:txFillClrLst>
+    <dgm:txEffectClrLst/>
+  </dgm:styleLbl>
+  <dgm:styleLbl name="parChTrans1D4">
+    <dgm:fillClrLst meth="repeat">
+      <a:schemeClr val="accent3"/>
+    </dgm:fillClrLst>
+    <dgm:linClrLst meth="repeat">
+      <a:schemeClr val="accent3">
+        <a:shade val="80000"/>
+      </a:schemeClr>
+    </dgm:linClrLst>
+    <dgm:effectClrLst/>
+    <dgm:txLinClrLst/>
+    <dgm:txFillClrLst meth="repeat">
+      <a:schemeClr val="tx1"/>
+    </dgm:txFillClrLst>
+    <dgm:txEffectClrLst/>
+  </dgm:styleLbl>
+  <dgm:styleLbl name="fgAcc1">
+    <dgm:fillClrLst meth="repeat">
+      <a:schemeClr val="lt1">
+        <a:alpha val="90000"/>
+      </a:schemeClr>
+    </dgm:fillClrLst>
+    <dgm:linClrLst meth="repeat">
+      <a:schemeClr val="accent3"/>
+    </dgm:linClrLst>
+    <dgm:effectClrLst/>
+    <dgm:txLinClrLst/>
+    <dgm:txFillClrLst meth="repeat">
+      <a:schemeClr val="dk1"/>
+    </dgm:txFillClrLst>
+    <dgm:txEffectClrLst/>
+  </dgm:styleLbl>
+  <dgm:styleLbl name="conFgAcc1">
+    <dgm:fillClrLst meth="repeat">
+      <a:schemeClr val="lt1">
+        <a:alpha val="90000"/>
+      </a:schemeClr>
+    </dgm:fillClrLst>
+    <dgm:linClrLst meth="repeat">
+      <a:schemeClr val="accent3"/>
+    </dgm:linClrLst>
+    <dgm:effectClrLst/>
+    <dgm:txLinClrLst/>
+    <dgm:txFillClrLst meth="repeat">
+      <a:schemeClr val="dk1"/>
+    </dgm:txFillClrLst>
+    <dgm:txEffectClrLst/>
+  </dgm:styleLbl>
+  <dgm:styleLbl name="alignAcc1">
+    <dgm:fillClrLst meth="repeat">
+      <a:schemeClr val="lt1">
+        <a:alpha val="90000"/>
+      </a:schemeClr>
+    </dgm:fillClrLst>
+    <dgm:linClrLst meth="repeat">
+      <a:schemeClr val="accent3"/>
+    </dgm:linClrLst>
+    <dgm:effectClrLst/>
+    <dgm:txLinClrLst/>
+    <dgm:txFillClrLst meth="repeat">
+      <a:schemeClr val="dk1"/>
+    </dgm:txFillClrLst>
+    <dgm:txEffectClrLst/>
+  </dgm:styleLbl>
+  <dgm:styleLbl name="trAlignAcc1">
+    <dgm:fillClrLst meth="repeat">
+      <a:schemeClr val="lt1">
+        <a:alpha val="40000"/>
+      </a:schemeClr>
+    </dgm:fillClrLst>
+    <dgm:linClrLst meth="repeat">
+      <a:schemeClr val="accent3"/>
+    </dgm:linClrLst>
+    <dgm:effectClrLst/>
+    <dgm:txLinClrLst/>
+    <dgm:txFillClrLst meth="repeat">
+      <a:schemeClr val="dk1"/>
+    </dgm:txFillClrLst>
+    <dgm:txEffectClrLst/>
+  </dgm:styleLbl>
+  <dgm:styleLbl name="bgAcc1">
+    <dgm:fillClrLst meth="repeat">
+      <a:schemeClr val="lt1">
+        <a:alpha val="90000"/>
+      </a:schemeClr>
+    </dgm:fillClrLst>
+    <dgm:linClrLst meth="repeat">
+      <a:schemeClr val="accent3"/>
+    </dgm:linClrLst>
+    <dgm:effectClrLst/>
+    <dgm:txLinClrLst/>
+    <dgm:txFillClrLst meth="repeat">
+      <a:schemeClr val="dk1"/>
+    </dgm:txFillClrLst>
+    <dgm:txEffectClrLst/>
+  </dgm:styleLbl>
+  <dgm:styleLbl name="solidFgAcc1">
+    <dgm:fillClrLst meth="repeat">
+      <a:schemeClr val="lt1"/>
+    </dgm:fillClrLst>
+    <dgm:linClrLst meth="repeat">
+      <a:schemeClr val="accent3"/>
+    </dgm:linClrLst>
+    <dgm:effectClrLst/>
+    <dgm:txLinClrLst/>
+    <dgm:txFillClrLst meth="repeat">
+      <a:schemeClr val="dk1"/>
+    </dgm:txFillClrLst>
+    <dgm:txEffectClrLst/>
+  </dgm:styleLbl>
+  <dgm:styleLbl name="solidAlignAcc1">
+    <dgm:fillClrLst meth="repeat">
+      <a:schemeClr val="lt1"/>
+    </dgm:fillClrLst>
+    <dgm:linClrLst meth="repeat">
+      <a:schemeClr val="accent3"/>
+    </dgm:linClrLst>
+    <dgm:effectClrLst/>
+    <dgm:txLinClrLst/>
+    <dgm:txFillClrLst meth="repeat">
+      <a:schemeClr val="dk1"/>
+    </dgm:txFillClrLst>
+    <dgm:txEffectClrLst/>
+  </dgm:styleLbl>
+  <dgm:styleLbl name="solidBgAcc1">
+    <dgm:fillClrLst meth="repeat">
+      <a:schemeClr val="lt1"/>
+    </dgm:fillClrLst>
+    <dgm:linClrLst meth="repeat">
+      <a:schemeClr val="accent3"/>
+    </dgm:linClrLst>
+    <dgm:effectClrLst/>
+    <dgm:txLinClrLst/>
+    <dgm:txFillClrLst meth="repeat">
+      <a:schemeClr val="dk1"/>
+    </dgm:txFillClrLst>
+    <dgm:txEffectClrLst/>
+  </dgm:styleLbl>
+  <dgm:styleLbl name="fgAccFollowNode1">
+    <dgm:fillClrLst meth="repeat">
+      <a:schemeClr val="accent3">
+        <a:alpha val="90000"/>
+        <a:tint val="40000"/>
+      </a:schemeClr>
+    </dgm:fillClrLst>
+    <dgm:linClrLst meth="repeat">
+      <a:schemeClr val="accent3">
+        <a:alpha val="90000"/>
+        <a:tint val="40000"/>
+      </a:schemeClr>
+    </dgm:linClrLst>
+    <dgm:effectClrLst/>
+    <dgm:txLinClrLst/>
+    <dgm:txFillClrLst meth="repeat">
+      <a:schemeClr val="dk1"/>
+    </dgm:txFillClrLst>
+    <dgm:txEffectClrLst/>
+  </dgm:styleLbl>
+  <dgm:styleLbl name="alignAccFollowNode1">
+    <dgm:fillClrLst meth="repeat">
+      <a:schemeClr val="accent3">
+        <a:alpha val="90000"/>
+        <a:tint val="40000"/>
+      </a:schemeClr>
+    </dgm:fillClrLst>
+    <dgm:linClrLst meth="repeat">
+      <a:schemeClr val="accent3">
+        <a:alpha val="90000"/>
+        <a:tint val="40000"/>
+      </a:schemeClr>
+    </dgm:linClrLst>
+    <dgm:effectClrLst/>
+    <dgm:txLinClrLst/>
+    <dgm:txFillClrLst meth="repeat">
+      <a:schemeClr val="dk1"/>
+    </dgm:txFillClrLst>
+    <dgm:txEffectClrLst/>
+  </dgm:styleLbl>
+  <dgm:styleLbl name="bgAccFollowNode1">
+    <dgm:fillClrLst meth="repeat">
+      <a:schemeClr val="accent3">
+        <a:alpha val="90000"/>
+        <a:tint val="40000"/>
+      </a:schemeClr>
+    </dgm:fillClrLst>
+    <dgm:linClrLst meth="repeat">
+      <a:schemeClr val="accent3">
+        <a:alpha val="90000"/>
+        <a:tint val="40000"/>
+      </a:schemeClr>
+    </dgm:linClrLst>
+    <dgm:effectClrLst/>
+    <dgm:txLinClrLst/>
+    <dgm:txFillClrLst meth="repeat">
+      <a:schemeClr val="dk1"/>
+    </dgm:txFillClrLst>
+    <dgm:txEffectClrLst/>
+  </dgm:styleLbl>
+  <dgm:styleLbl name="fgAcc0">
+    <dgm:fillClrLst meth="repeat">
+      <a:schemeClr val="lt1">
+        <a:alpha val="90000"/>
+      </a:schemeClr>
+    </dgm:fillClrLst>
+    <dgm:linClrLst meth="repeat">
+      <a:schemeClr val="accent3"/>
+    </dgm:linClrLst>
+    <dgm:effectClrLst/>
+    <dgm:txLinClrLst/>
+    <dgm:txFillClrLst meth="repeat">
+      <a:schemeClr val="dk1"/>
+    </dgm:txFillClrLst>
+    <dgm:txEffectClrLst/>
+  </dgm:styleLbl>
+  <dgm:styleLbl name="fgAcc2">
+    <dgm:fillClrLst meth="repeat">
+      <a:schemeClr val="lt1">
+        <a:alpha val="90000"/>
+      </a:schemeClr>
+    </dgm:fillClrLst>
+    <dgm:linClrLst meth="repeat">
+      <a:schemeClr val="accent3"/>
+    </dgm:linClrLst>
+    <dgm:effectClrLst/>
+    <dgm:txLinClrLst/>
+    <dgm:txFillClrLst meth="repeat">
+      <a:schemeClr val="dk1"/>
+    </dgm:txFillClrLst>
+    <dgm:txEffectClrLst/>
+  </dgm:styleLbl>
+  <dgm:styleLbl name="fgAcc3">
+    <dgm:fillClrLst meth="repeat">
+      <a:schemeClr val="lt1">
+        <a:alpha val="90000"/>
+      </a:schemeClr>
+    </dgm:fillClrLst>
+    <dgm:linClrLst meth="repeat">
+      <a:schemeClr val="accent3"/>
+    </dgm:linClrLst>
+    <dgm:effectClrLst/>
+    <dgm:txLinClrLst/>
+    <dgm:txFillClrLst meth="repeat">
+      <a:schemeClr val="dk1"/>
+    </dgm:txFillClrLst>
+    <dgm:txEffectClrLst/>
+  </dgm:styleLbl>
+  <dgm:styleLbl name="fgAcc4">
+    <dgm:fillClrLst meth="repeat">
+      <a:schemeClr val="lt1">
+        <a:alpha val="90000"/>
+      </a:schemeClr>
+    </dgm:fillClrLst>
+    <dgm:linClrLst meth="repeat">
+      <a:schemeClr val="accent3"/>
+    </dgm:linClrLst>
+    <dgm:effectClrLst/>
+    <dgm:txLinClrLst/>
+    <dgm:txFillClrLst meth="repeat">
+      <a:schemeClr val="dk1"/>
+    </dgm:txFillClrLst>
+    <dgm:txEffectClrLst/>
+  </dgm:styleLbl>
+  <dgm:styleLbl name="bgShp">
+    <dgm:fillClrLst meth="repeat">
+      <a:schemeClr val="accent3">
+        <a:tint val="40000"/>
+      </a:schemeClr>
+    </dgm:fillClrLst>
+    <dgm:linClrLst meth="repeat">
+      <a:schemeClr val="accent3"/>
+    </dgm:linClrLst>
+    <dgm:effectClrLst/>
+    <dgm:txLinClrLst/>
+    <dgm:txFillClrLst meth="repeat">
+      <a:schemeClr val="dk1"/>
+    </dgm:txFillClrLst>
+    <dgm:txEffectClrLst/>
+  </dgm:styleLbl>
+  <dgm:styleLbl name="dkBgShp">
+    <dgm:fillClrLst meth="repeat">
+      <a:schemeClr val="accent3">
+        <a:shade val="80000"/>
+      </a:schemeClr>
+    </dgm:fillClrLst>
+    <dgm:linClrLst meth="repeat">
+      <a:schemeClr val="accent3"/>
+    </dgm:linClrLst>
+    <dgm:effectClrLst/>
+    <dgm:txLinClrLst/>
+    <dgm:txFillClrLst meth="repeat">
+      <a:schemeClr val="lt1"/>
+    </dgm:txFillClrLst>
+    <dgm:txEffectClrLst/>
+  </dgm:styleLbl>
+  <dgm:styleLbl name="trBgShp">
+    <dgm:fillClrLst meth="repeat">
+      <a:schemeClr val="accent3">
+        <a:tint val="50000"/>
+        <a:alpha val="40000"/>
+      </a:schemeClr>
+    </dgm:fillClrLst>
+    <dgm:linClrLst meth="repeat">
+      <a:schemeClr val="accent3"/>
+    </dgm:linClrLst>
+    <dgm:effectClrLst/>
+    <dgm:txLinClrLst/>
+    <dgm:txFillClrLst meth="repeat">
+      <a:schemeClr val="lt1"/>
+    </dgm:txFillClrLst>
+    <dgm:txEffectClrLst/>
+  </dgm:styleLbl>
+  <dgm:styleLbl name="fgShp">
+    <dgm:fillClrLst meth="repeat">
+      <a:schemeClr val="accent3">
+        <a:tint val="60000"/>
+      </a:schemeClr>
+    </dgm:fillClrLst>
+    <dgm:linClrLst meth="repeat">
+      <a:schemeClr val="lt1"/>
+    </dgm:linClrLst>
+    <dgm:effectClrLst/>
+    <dgm:txLinClrLst/>
+    <dgm:txFillClrLst meth="repeat">
+      <a:schemeClr val="dk1"/>
+    </dgm:txFillClrLst>
+    <dgm:txEffectClrLst/>
+  </dgm:styleLbl>
+  <dgm:styleLbl name="revTx">
+    <dgm:fillClrLst meth="repeat">
+      <a:schemeClr val="lt1">
+        <a:alpha val="0"/>
+      </a:schemeClr>
+    </dgm:fillClrLst>
+    <dgm:linClrLst meth="repeat">
+      <a:schemeClr val="dk1">
+        <a:alpha val="0"/>
+      </a:schemeClr>
+    </dgm:linClrLst>
+    <dgm:effectClrLst/>
+    <dgm:txLinClrLst/>
+    <dgm:txFillClrLst meth="repeat">
+      <a:schemeClr val="tx1"/>
+    </dgm:txFillClrLst>
+    <dgm:txEffectClrLst/>
+  </dgm:styleLbl>
+</dgm:colorsDef>
+</file>
+
+<file path=ppt/diagrams/data1.xml><?xml version="1.0" encoding="utf-8"?>
+<dgm:dataModel xmlns:dgm="http://schemas.openxmlformats.org/drawingml/2006/diagram" xmlns:a="http://schemas.openxmlformats.org/drawingml/2006/main">
+  <dgm:ptLst>
+    <dgm:pt modelId="{0E46920A-8DE4-458E-BEA2-0A343A4B59A0}" type="doc">
+      <dgm:prSet loTypeId="urn:microsoft.com/office/officeart/2008/layout/LinedList" loCatId="list" qsTypeId="urn:microsoft.com/office/officeart/2005/8/quickstyle/simple1" qsCatId="simple" csTypeId="urn:microsoft.com/office/officeart/2005/8/colors/accent3_2" csCatId="accent3" phldr="1"/>
+      <dgm:spPr/>
+      <dgm:t>
+        <a:bodyPr/>
+        <a:lstStyle/>
+        <a:p>
+          <a:endParaRPr lang="fr-FR"/>
+        </a:p>
+      </dgm:t>
+    </dgm:pt>
+    <dgm:pt modelId="{DDFF5814-9C44-4E89-828C-A4380DDAB36B}">
+      <dgm:prSet phldrT="[Texte]" custT="1"/>
+      <dgm:spPr/>
+      <dgm:t>
+        <a:bodyPr/>
+        <a:lstStyle/>
+        <a:p>
+          <a:pPr algn="ctr">
+            <a:lnSpc>
+              <a:spcPct val="150000"/>
+            </a:lnSpc>
+          </a:pPr>
+          <a:r>
+            <a:rPr lang="fr-FR" sz="4000" dirty="0">
+              <a:solidFill>
+                <a:schemeClr val="tx2">
+                  <a:lumMod val="75000"/>
+                </a:schemeClr>
+              </a:solidFill>
+              <a:latin typeface="Bahnschrift" panose="020B0502040204020203" pitchFamily="34" charset="0"/>
+            </a:rPr>
+            <a:t>I -</a:t>
+          </a:r>
+          <a:r>
+            <a:rPr lang="fr-FR" sz="4000" dirty="0">
+              <a:latin typeface="Bahnschrift" panose="020B0502040204020203" pitchFamily="34" charset="0"/>
+            </a:rPr>
+            <a:t> Choix de la technologie</a:t>
+          </a:r>
+        </a:p>
+      </dgm:t>
+    </dgm:pt>
+    <dgm:pt modelId="{1512DD70-3BE6-45A4-861A-F4F5D77A12F3}" type="parTrans" cxnId="{9B069FA6-4CB7-4649-A068-4B70D0BA5564}">
+      <dgm:prSet/>
+      <dgm:spPr/>
+      <dgm:t>
+        <a:bodyPr/>
+        <a:lstStyle/>
+        <a:p>
+          <a:pPr algn="ctr">
+            <a:lnSpc>
+              <a:spcPct val="150000"/>
+            </a:lnSpc>
+          </a:pPr>
+          <a:endParaRPr lang="fr-FR" sz="1200">
+            <a:latin typeface="Bahnschrift" panose="020B0502040204020203" pitchFamily="34" charset="0"/>
+          </a:endParaRPr>
+        </a:p>
+      </dgm:t>
+    </dgm:pt>
+    <dgm:pt modelId="{AA2EADE8-29F9-461A-A8BB-7DF4C5ADC50C}" type="sibTrans" cxnId="{9B069FA6-4CB7-4649-A068-4B70D0BA5564}">
+      <dgm:prSet/>
+      <dgm:spPr/>
+      <dgm:t>
+        <a:bodyPr/>
+        <a:lstStyle/>
+        <a:p>
+          <a:pPr algn="ctr">
+            <a:lnSpc>
+              <a:spcPct val="150000"/>
+            </a:lnSpc>
+          </a:pPr>
+          <a:endParaRPr lang="fr-FR" sz="1200">
+            <a:latin typeface="Bahnschrift" panose="020B0502040204020203" pitchFamily="34" charset="0"/>
+          </a:endParaRPr>
+        </a:p>
+      </dgm:t>
+    </dgm:pt>
+    <dgm:pt modelId="{C3225BE9-BA27-4E23-BDCA-16AD74388041}">
+      <dgm:prSet phldrT="[Texte]" custT="1"/>
+      <dgm:spPr/>
+      <dgm:t>
+        <a:bodyPr/>
+        <a:lstStyle/>
+        <a:p>
+          <a:pPr algn="ctr">
+            <a:lnSpc>
+              <a:spcPct val="150000"/>
+            </a:lnSpc>
+          </a:pPr>
+          <a:r>
+            <a:rPr lang="fr-FR" sz="4000" dirty="0">
+              <a:solidFill>
+                <a:schemeClr val="tx2">
+                  <a:lumMod val="75000"/>
+                </a:schemeClr>
+              </a:solidFill>
+              <a:latin typeface="Bahnschrift" panose="020B0502040204020203" pitchFamily="34" charset="0"/>
+            </a:rPr>
+            <a:t>II -</a:t>
+          </a:r>
+          <a:r>
+            <a:rPr lang="fr-FR" sz="4000" dirty="0">
+              <a:latin typeface="Bahnschrift" panose="020B0502040204020203" pitchFamily="34" charset="0"/>
+            </a:rPr>
+            <a:t> Les premières applications</a:t>
+          </a:r>
+        </a:p>
+      </dgm:t>
+    </dgm:pt>
+    <dgm:pt modelId="{4C54FD4D-6427-4B66-B2ED-38C701F8CE5E}" type="parTrans" cxnId="{E3725E96-CE51-4EBF-A427-FC828C28DEDA}">
+      <dgm:prSet/>
+      <dgm:spPr/>
+      <dgm:t>
+        <a:bodyPr/>
+        <a:lstStyle/>
+        <a:p>
+          <a:pPr algn="ctr">
+            <a:lnSpc>
+              <a:spcPct val="150000"/>
+            </a:lnSpc>
+          </a:pPr>
+          <a:endParaRPr lang="fr-FR" sz="1200">
+            <a:latin typeface="Bahnschrift" panose="020B0502040204020203" pitchFamily="34" charset="0"/>
+          </a:endParaRPr>
+        </a:p>
+      </dgm:t>
+    </dgm:pt>
+    <dgm:pt modelId="{F232E702-1F67-44B5-A1B0-2F3EE4CA5389}" type="sibTrans" cxnId="{E3725E96-CE51-4EBF-A427-FC828C28DEDA}">
+      <dgm:prSet/>
+      <dgm:spPr/>
+      <dgm:t>
+        <a:bodyPr/>
+        <a:lstStyle/>
+        <a:p>
+          <a:pPr algn="ctr">
+            <a:lnSpc>
+              <a:spcPct val="150000"/>
+            </a:lnSpc>
+          </a:pPr>
+          <a:endParaRPr lang="fr-FR" sz="1200">
+            <a:latin typeface="Bahnschrift" panose="020B0502040204020203" pitchFamily="34" charset="0"/>
+          </a:endParaRPr>
+        </a:p>
+      </dgm:t>
+    </dgm:pt>
+    <dgm:pt modelId="{6E8A8E3F-02B8-4CC0-B6C1-FAAA1E92ED78}">
+      <dgm:prSet phldrT="[Texte]" custT="1"/>
+      <dgm:spPr/>
+      <dgm:t>
+        <a:bodyPr/>
+        <a:lstStyle/>
+        <a:p>
+          <a:pPr algn="ctr">
+            <a:lnSpc>
+              <a:spcPct val="150000"/>
+            </a:lnSpc>
+          </a:pPr>
+          <a:r>
+            <a:rPr lang="fr-FR" sz="4000" dirty="0">
+              <a:solidFill>
+                <a:schemeClr val="tx2">
+                  <a:lumMod val="75000"/>
+                </a:schemeClr>
+              </a:solidFill>
+              <a:latin typeface="Bahnschrift" panose="020B0502040204020203" pitchFamily="34" charset="0"/>
+            </a:rPr>
+            <a:t>IV -</a:t>
+          </a:r>
+          <a:r>
+            <a:rPr lang="fr-FR" sz="4000" dirty="0">
+              <a:latin typeface="Bahnschrift" panose="020B0502040204020203" pitchFamily="34" charset="0"/>
+            </a:rPr>
+            <a:t> Répartition des tâches</a:t>
+          </a:r>
+        </a:p>
+      </dgm:t>
+    </dgm:pt>
+    <dgm:pt modelId="{61ACBD3A-355A-4BE3-B7A9-7ABCC656C92D}" type="parTrans" cxnId="{697D1D14-D219-4C8D-9266-83CE6D858C7D}">
+      <dgm:prSet/>
+      <dgm:spPr/>
+      <dgm:t>
+        <a:bodyPr/>
+        <a:lstStyle/>
+        <a:p>
+          <a:pPr algn="ctr">
+            <a:lnSpc>
+              <a:spcPct val="150000"/>
+            </a:lnSpc>
+          </a:pPr>
+          <a:endParaRPr lang="fr-FR" sz="1200">
+            <a:latin typeface="Bahnschrift" panose="020B0502040204020203" pitchFamily="34" charset="0"/>
+          </a:endParaRPr>
+        </a:p>
+      </dgm:t>
+    </dgm:pt>
+    <dgm:pt modelId="{1CB4D0B6-F581-4761-AA20-191507E45D53}" type="sibTrans" cxnId="{697D1D14-D219-4C8D-9266-83CE6D858C7D}">
+      <dgm:prSet/>
+      <dgm:spPr/>
+      <dgm:t>
+        <a:bodyPr/>
+        <a:lstStyle/>
+        <a:p>
+          <a:pPr algn="ctr">
+            <a:lnSpc>
+              <a:spcPct val="150000"/>
+            </a:lnSpc>
+          </a:pPr>
+          <a:endParaRPr lang="fr-FR" sz="1200">
+            <a:latin typeface="Bahnschrift" panose="020B0502040204020203" pitchFamily="34" charset="0"/>
+          </a:endParaRPr>
+        </a:p>
+      </dgm:t>
+    </dgm:pt>
+    <dgm:pt modelId="{BBA9AEE7-6934-4241-AC8B-E8EFCC24A82E}">
+      <dgm:prSet phldrT="[Texte]" custT="1"/>
+      <dgm:spPr/>
+      <dgm:t>
+        <a:bodyPr/>
+        <a:lstStyle/>
+        <a:p>
+          <a:pPr algn="ctr">
+            <a:lnSpc>
+              <a:spcPct val="150000"/>
+            </a:lnSpc>
+          </a:pPr>
+          <a:r>
+            <a:rPr lang="fr-FR" sz="4000" dirty="0">
+              <a:solidFill>
+                <a:schemeClr val="tx2">
+                  <a:lumMod val="75000"/>
+                </a:schemeClr>
+              </a:solidFill>
+              <a:latin typeface="Bahnschrift" panose="020B0502040204020203" pitchFamily="34" charset="0"/>
+            </a:rPr>
+            <a:t>III -</a:t>
+          </a:r>
+          <a:r>
+            <a:rPr lang="fr-FR" sz="4000" dirty="0">
+              <a:latin typeface="Bahnschrift" panose="020B0502040204020203" pitchFamily="34" charset="0"/>
+            </a:rPr>
+            <a:t> Choix graphiques</a:t>
+          </a:r>
+        </a:p>
+      </dgm:t>
+    </dgm:pt>
+    <dgm:pt modelId="{823DFDFF-50CF-4E08-9E73-F6C28871249A}" type="parTrans" cxnId="{43B760DC-4F56-4000-9BD4-F49D820368C0}">
+      <dgm:prSet/>
+      <dgm:spPr/>
+      <dgm:t>
+        <a:bodyPr/>
+        <a:lstStyle/>
+        <a:p>
+          <a:pPr algn="ctr">
+            <a:lnSpc>
+              <a:spcPct val="150000"/>
+            </a:lnSpc>
+          </a:pPr>
+          <a:endParaRPr lang="fr-FR" sz="1200">
+            <a:latin typeface="Bahnschrift" panose="020B0502040204020203" pitchFamily="34" charset="0"/>
+          </a:endParaRPr>
+        </a:p>
+      </dgm:t>
+    </dgm:pt>
+    <dgm:pt modelId="{3776A02A-27B6-4FC1-94E6-28036214D697}" type="sibTrans" cxnId="{43B760DC-4F56-4000-9BD4-F49D820368C0}">
+      <dgm:prSet/>
+      <dgm:spPr/>
+      <dgm:t>
+        <a:bodyPr/>
+        <a:lstStyle/>
+        <a:p>
+          <a:pPr algn="ctr">
+            <a:lnSpc>
+              <a:spcPct val="150000"/>
+            </a:lnSpc>
+          </a:pPr>
+          <a:endParaRPr lang="fr-FR" sz="1200">
+            <a:latin typeface="Bahnschrift" panose="020B0502040204020203" pitchFamily="34" charset="0"/>
+          </a:endParaRPr>
+        </a:p>
+      </dgm:t>
+    </dgm:pt>
+    <dgm:pt modelId="{2EBE972F-E1BC-45AE-AA51-963A9DAC4F92}" type="pres">
+      <dgm:prSet presAssocID="{0E46920A-8DE4-458E-BEA2-0A343A4B59A0}" presName="vert0" presStyleCnt="0">
+        <dgm:presLayoutVars>
+          <dgm:dir/>
+          <dgm:animOne val="branch"/>
+          <dgm:animLvl val="lvl"/>
+        </dgm:presLayoutVars>
+      </dgm:prSet>
+      <dgm:spPr/>
+    </dgm:pt>
+    <dgm:pt modelId="{A657B0FF-A600-4E4E-A3AE-769F28313719}" type="pres">
+      <dgm:prSet presAssocID="{DDFF5814-9C44-4E89-828C-A4380DDAB36B}" presName="thickLine" presStyleLbl="alignNode1" presStyleIdx="0" presStyleCnt="4"/>
+      <dgm:spPr/>
+    </dgm:pt>
+    <dgm:pt modelId="{566EF41F-2838-4E65-AA94-351C5ED72D3C}" type="pres">
+      <dgm:prSet presAssocID="{DDFF5814-9C44-4E89-828C-A4380DDAB36B}" presName="horz1" presStyleCnt="0"/>
+      <dgm:spPr/>
+    </dgm:pt>
+    <dgm:pt modelId="{CD841158-7C95-4D2D-A07D-65677B7EDAD6}" type="pres">
+      <dgm:prSet presAssocID="{DDFF5814-9C44-4E89-828C-A4380DDAB36B}" presName="tx1" presStyleLbl="revTx" presStyleIdx="0" presStyleCnt="4"/>
+      <dgm:spPr/>
+    </dgm:pt>
+    <dgm:pt modelId="{A5F3172C-8433-4462-9C03-47DED17167DB}" type="pres">
+      <dgm:prSet presAssocID="{DDFF5814-9C44-4E89-828C-A4380DDAB36B}" presName="vert1" presStyleCnt="0"/>
+      <dgm:spPr/>
+    </dgm:pt>
+    <dgm:pt modelId="{72156711-EE93-4F52-9A3E-AC1A54A05150}" type="pres">
+      <dgm:prSet presAssocID="{C3225BE9-BA27-4E23-BDCA-16AD74388041}" presName="thickLine" presStyleLbl="alignNode1" presStyleIdx="1" presStyleCnt="4"/>
+      <dgm:spPr/>
+    </dgm:pt>
+    <dgm:pt modelId="{600979CB-9AFA-4C9B-94F4-C23ABB57D1EB}" type="pres">
+      <dgm:prSet presAssocID="{C3225BE9-BA27-4E23-BDCA-16AD74388041}" presName="horz1" presStyleCnt="0"/>
+      <dgm:spPr/>
+    </dgm:pt>
+    <dgm:pt modelId="{49A66F39-1165-4EFE-A466-20110728119E}" type="pres">
+      <dgm:prSet presAssocID="{C3225BE9-BA27-4E23-BDCA-16AD74388041}" presName="tx1" presStyleLbl="revTx" presStyleIdx="1" presStyleCnt="4"/>
+      <dgm:spPr/>
+    </dgm:pt>
+    <dgm:pt modelId="{78B8C3A3-9B3A-49D4-A739-3450F6BEBE1C}" type="pres">
+      <dgm:prSet presAssocID="{C3225BE9-BA27-4E23-BDCA-16AD74388041}" presName="vert1" presStyleCnt="0"/>
+      <dgm:spPr/>
+    </dgm:pt>
+    <dgm:pt modelId="{4D7D773F-3C49-4F65-BAA0-836DF1754DF2}" type="pres">
+      <dgm:prSet presAssocID="{BBA9AEE7-6934-4241-AC8B-E8EFCC24A82E}" presName="thickLine" presStyleLbl="alignNode1" presStyleIdx="2" presStyleCnt="4"/>
+      <dgm:spPr/>
+    </dgm:pt>
+    <dgm:pt modelId="{6FF54721-E404-40C9-A8FE-39B1D9F6B506}" type="pres">
+      <dgm:prSet presAssocID="{BBA9AEE7-6934-4241-AC8B-E8EFCC24A82E}" presName="horz1" presStyleCnt="0"/>
+      <dgm:spPr/>
+    </dgm:pt>
+    <dgm:pt modelId="{2452CCDD-2368-450C-96D5-EB191FFE2412}" type="pres">
+      <dgm:prSet presAssocID="{BBA9AEE7-6934-4241-AC8B-E8EFCC24A82E}" presName="tx1" presStyleLbl="revTx" presStyleIdx="2" presStyleCnt="4"/>
+      <dgm:spPr/>
+    </dgm:pt>
+    <dgm:pt modelId="{A5F1BD23-42C8-4FBB-A7CF-D02262285E3B}" type="pres">
+      <dgm:prSet presAssocID="{BBA9AEE7-6934-4241-AC8B-E8EFCC24A82E}" presName="vert1" presStyleCnt="0"/>
+      <dgm:spPr/>
+    </dgm:pt>
+    <dgm:pt modelId="{A4AF25A6-211C-4F40-B14B-1989AA609E42}" type="pres">
+      <dgm:prSet presAssocID="{6E8A8E3F-02B8-4CC0-B6C1-FAAA1E92ED78}" presName="thickLine" presStyleLbl="alignNode1" presStyleIdx="3" presStyleCnt="4"/>
+      <dgm:spPr/>
+    </dgm:pt>
+    <dgm:pt modelId="{81CB9FD6-BE4F-41BB-880D-454B11802687}" type="pres">
+      <dgm:prSet presAssocID="{6E8A8E3F-02B8-4CC0-B6C1-FAAA1E92ED78}" presName="horz1" presStyleCnt="0"/>
+      <dgm:spPr/>
+    </dgm:pt>
+    <dgm:pt modelId="{594F23AA-63AF-4EDF-B0A9-2811CBCFDADF}" type="pres">
+      <dgm:prSet presAssocID="{6E8A8E3F-02B8-4CC0-B6C1-FAAA1E92ED78}" presName="tx1" presStyleLbl="revTx" presStyleIdx="3" presStyleCnt="4"/>
+      <dgm:spPr/>
+    </dgm:pt>
+    <dgm:pt modelId="{98BB24B7-DBF6-4964-94D5-5CD0D32AE07D}" type="pres">
+      <dgm:prSet presAssocID="{6E8A8E3F-02B8-4CC0-B6C1-FAAA1E92ED78}" presName="vert1" presStyleCnt="0"/>
+      <dgm:spPr/>
+    </dgm:pt>
+  </dgm:ptLst>
+  <dgm:cxnLst>
+    <dgm:cxn modelId="{697D1D14-D219-4C8D-9266-83CE6D858C7D}" srcId="{0E46920A-8DE4-458E-BEA2-0A343A4B59A0}" destId="{6E8A8E3F-02B8-4CC0-B6C1-FAAA1E92ED78}" srcOrd="3" destOrd="0" parTransId="{61ACBD3A-355A-4BE3-B7A9-7ABCC656C92D}" sibTransId="{1CB4D0B6-F581-4761-AA20-191507E45D53}"/>
+    <dgm:cxn modelId="{EC6EF825-332A-4504-8A17-082B8ECCEBA3}" type="presOf" srcId="{C3225BE9-BA27-4E23-BDCA-16AD74388041}" destId="{49A66F39-1165-4EFE-A466-20110728119E}" srcOrd="0" destOrd="0" presId="urn:microsoft.com/office/officeart/2008/layout/LinedList"/>
+    <dgm:cxn modelId="{1395FD66-AB82-4AD9-99D2-34CD3CA54F24}" type="presOf" srcId="{BBA9AEE7-6934-4241-AC8B-E8EFCC24A82E}" destId="{2452CCDD-2368-450C-96D5-EB191FFE2412}" srcOrd="0" destOrd="0" presId="urn:microsoft.com/office/officeart/2008/layout/LinedList"/>
+    <dgm:cxn modelId="{0D854155-1986-4C04-B8B4-1ED8E0A3FDF0}" type="presOf" srcId="{DDFF5814-9C44-4E89-828C-A4380DDAB36B}" destId="{CD841158-7C95-4D2D-A07D-65677B7EDAD6}" srcOrd="0" destOrd="0" presId="urn:microsoft.com/office/officeart/2008/layout/LinedList"/>
+    <dgm:cxn modelId="{E3725E96-CE51-4EBF-A427-FC828C28DEDA}" srcId="{0E46920A-8DE4-458E-BEA2-0A343A4B59A0}" destId="{C3225BE9-BA27-4E23-BDCA-16AD74388041}" srcOrd="1" destOrd="0" parTransId="{4C54FD4D-6427-4B66-B2ED-38C701F8CE5E}" sibTransId="{F232E702-1F67-44B5-A1B0-2F3EE4CA5389}"/>
+    <dgm:cxn modelId="{9B069FA6-4CB7-4649-A068-4B70D0BA5564}" srcId="{0E46920A-8DE4-458E-BEA2-0A343A4B59A0}" destId="{DDFF5814-9C44-4E89-828C-A4380DDAB36B}" srcOrd="0" destOrd="0" parTransId="{1512DD70-3BE6-45A4-861A-F4F5D77A12F3}" sibTransId="{AA2EADE8-29F9-461A-A8BB-7DF4C5ADC50C}"/>
+    <dgm:cxn modelId="{30CBD6D9-8456-4488-8B5C-5400255A56E9}" type="presOf" srcId="{6E8A8E3F-02B8-4CC0-B6C1-FAAA1E92ED78}" destId="{594F23AA-63AF-4EDF-B0A9-2811CBCFDADF}" srcOrd="0" destOrd="0" presId="urn:microsoft.com/office/officeart/2008/layout/LinedList"/>
+    <dgm:cxn modelId="{43B760DC-4F56-4000-9BD4-F49D820368C0}" srcId="{0E46920A-8DE4-458E-BEA2-0A343A4B59A0}" destId="{BBA9AEE7-6934-4241-AC8B-E8EFCC24A82E}" srcOrd="2" destOrd="0" parTransId="{823DFDFF-50CF-4E08-9E73-F6C28871249A}" sibTransId="{3776A02A-27B6-4FC1-94E6-28036214D697}"/>
+    <dgm:cxn modelId="{0D178BF6-2D7F-4D22-8A61-7D92469F0522}" type="presOf" srcId="{0E46920A-8DE4-458E-BEA2-0A343A4B59A0}" destId="{2EBE972F-E1BC-45AE-AA51-963A9DAC4F92}" srcOrd="0" destOrd="0" presId="urn:microsoft.com/office/officeart/2008/layout/LinedList"/>
+    <dgm:cxn modelId="{0A920364-701B-4F9F-A3AC-E8FF31CD68E8}" type="presParOf" srcId="{2EBE972F-E1BC-45AE-AA51-963A9DAC4F92}" destId="{A657B0FF-A600-4E4E-A3AE-769F28313719}" srcOrd="0" destOrd="0" presId="urn:microsoft.com/office/officeart/2008/layout/LinedList"/>
+    <dgm:cxn modelId="{4D25A46E-FA55-4F07-8DFB-8A4FC4CAE42B}" type="presParOf" srcId="{2EBE972F-E1BC-45AE-AA51-963A9DAC4F92}" destId="{566EF41F-2838-4E65-AA94-351C5ED72D3C}" srcOrd="1" destOrd="0" presId="urn:microsoft.com/office/officeart/2008/layout/LinedList"/>
+    <dgm:cxn modelId="{A039A9E5-84EE-4935-8D1B-A4F3B0247351}" type="presParOf" srcId="{566EF41F-2838-4E65-AA94-351C5ED72D3C}" destId="{CD841158-7C95-4D2D-A07D-65677B7EDAD6}" srcOrd="0" destOrd="0" presId="urn:microsoft.com/office/officeart/2008/layout/LinedList"/>
+    <dgm:cxn modelId="{97B8419C-1190-4DC6-95AB-84A30EB8EE65}" type="presParOf" srcId="{566EF41F-2838-4E65-AA94-351C5ED72D3C}" destId="{A5F3172C-8433-4462-9C03-47DED17167DB}" srcOrd="1" destOrd="0" presId="urn:microsoft.com/office/officeart/2008/layout/LinedList"/>
+    <dgm:cxn modelId="{57F20D87-7DC5-45BB-BEDF-0F346409E772}" type="presParOf" srcId="{2EBE972F-E1BC-45AE-AA51-963A9DAC4F92}" destId="{72156711-EE93-4F52-9A3E-AC1A54A05150}" srcOrd="2" destOrd="0" presId="urn:microsoft.com/office/officeart/2008/layout/LinedList"/>
+    <dgm:cxn modelId="{C95CADF1-68DC-4178-838E-50B32E865B39}" type="presParOf" srcId="{2EBE972F-E1BC-45AE-AA51-963A9DAC4F92}" destId="{600979CB-9AFA-4C9B-94F4-C23ABB57D1EB}" srcOrd="3" destOrd="0" presId="urn:microsoft.com/office/officeart/2008/layout/LinedList"/>
+    <dgm:cxn modelId="{D1C52B73-CDC8-436A-9B8D-6094D5345A20}" type="presParOf" srcId="{600979CB-9AFA-4C9B-94F4-C23ABB57D1EB}" destId="{49A66F39-1165-4EFE-A466-20110728119E}" srcOrd="0" destOrd="0" presId="urn:microsoft.com/office/officeart/2008/layout/LinedList"/>
+    <dgm:cxn modelId="{E21DA24C-D93A-4C7A-BCE9-CD1653941C96}" type="presParOf" srcId="{600979CB-9AFA-4C9B-94F4-C23ABB57D1EB}" destId="{78B8C3A3-9B3A-49D4-A739-3450F6BEBE1C}" srcOrd="1" destOrd="0" presId="urn:microsoft.com/office/officeart/2008/layout/LinedList"/>
+    <dgm:cxn modelId="{B42AF995-76CF-493E-9F19-8991D8EAEA3F}" type="presParOf" srcId="{2EBE972F-E1BC-45AE-AA51-963A9DAC4F92}" destId="{4D7D773F-3C49-4F65-BAA0-836DF1754DF2}" srcOrd="4" destOrd="0" presId="urn:microsoft.com/office/officeart/2008/layout/LinedList"/>
+    <dgm:cxn modelId="{1060FF39-73EA-4FB0-9105-E17A799D6250}" type="presParOf" srcId="{2EBE972F-E1BC-45AE-AA51-963A9DAC4F92}" destId="{6FF54721-E404-40C9-A8FE-39B1D9F6B506}" srcOrd="5" destOrd="0" presId="urn:microsoft.com/office/officeart/2008/layout/LinedList"/>
+    <dgm:cxn modelId="{4E8E9AB6-E660-4980-BCC3-B283C2CF9AAD}" type="presParOf" srcId="{6FF54721-E404-40C9-A8FE-39B1D9F6B506}" destId="{2452CCDD-2368-450C-96D5-EB191FFE2412}" srcOrd="0" destOrd="0" presId="urn:microsoft.com/office/officeart/2008/layout/LinedList"/>
+    <dgm:cxn modelId="{2FFA8F66-3D6A-4E67-A796-DA01C87C2E01}" type="presParOf" srcId="{6FF54721-E404-40C9-A8FE-39B1D9F6B506}" destId="{A5F1BD23-42C8-4FBB-A7CF-D02262285E3B}" srcOrd="1" destOrd="0" presId="urn:microsoft.com/office/officeart/2008/layout/LinedList"/>
+    <dgm:cxn modelId="{6835BE0B-AC2A-4F35-BF1B-C625EF1E987E}" type="presParOf" srcId="{2EBE972F-E1BC-45AE-AA51-963A9DAC4F92}" destId="{A4AF25A6-211C-4F40-B14B-1989AA609E42}" srcOrd="6" destOrd="0" presId="urn:microsoft.com/office/officeart/2008/layout/LinedList"/>
+    <dgm:cxn modelId="{E4337314-F945-4B06-ADE9-24410F108334}" type="presParOf" srcId="{2EBE972F-E1BC-45AE-AA51-963A9DAC4F92}" destId="{81CB9FD6-BE4F-41BB-880D-454B11802687}" srcOrd="7" destOrd="0" presId="urn:microsoft.com/office/officeart/2008/layout/LinedList"/>
+    <dgm:cxn modelId="{B215AB69-D652-4597-B4F2-2B9291703D59}" type="presParOf" srcId="{81CB9FD6-BE4F-41BB-880D-454B11802687}" destId="{594F23AA-63AF-4EDF-B0A9-2811CBCFDADF}" srcOrd="0" destOrd="0" presId="urn:microsoft.com/office/officeart/2008/layout/LinedList"/>
+    <dgm:cxn modelId="{D3C9CB81-2A95-4D70-88EA-D240AFC708E4}" type="presParOf" srcId="{81CB9FD6-BE4F-41BB-880D-454B11802687}" destId="{98BB24B7-DBF6-4964-94D5-5CD0D32AE07D}" srcOrd="1" destOrd="0" presId="urn:microsoft.com/office/officeart/2008/layout/LinedList"/>
+  </dgm:cxnLst>
+  <dgm:bg/>
+  <dgm:whole/>
+  <dgm:extLst>
+    <a:ext uri="http://schemas.microsoft.com/office/drawing/2008/diagram">
+      <dsp:dataModelExt xmlns:dsp="http://schemas.microsoft.com/office/drawing/2008/diagram" relId="rId6" minVer="http://schemas.openxmlformats.org/drawingml/2006/diagram"/>
+    </a:ext>
+  </dgm:extLst>
+</dgm:dataModel>
+</file>
+
+<file path=ppt/diagrams/drawing1.xml><?xml version="1.0" encoding="utf-8"?>
+<dsp:drawing xmlns:dgm="http://schemas.openxmlformats.org/drawingml/2006/diagram" xmlns:dsp="http://schemas.microsoft.com/office/drawing/2008/diagram" xmlns:a="http://schemas.openxmlformats.org/drawingml/2006/main">
+  <dsp:spTree>
+    <dsp:nvGrpSpPr>
+      <dsp:cNvPr id="0" name=""/>
+      <dsp:cNvGrpSpPr/>
+    </dsp:nvGrpSpPr>
+    <dsp:grpSpPr/>
+    <dsp:sp modelId="{A657B0FF-A600-4E4E-A3AE-769F28313719}">
+      <dsp:nvSpPr>
+        <dsp:cNvPr id="0" name=""/>
+        <dsp:cNvSpPr/>
+      </dsp:nvSpPr>
+      <dsp:spPr>
+        <a:xfrm>
+          <a:off x="0" y="0"/>
+          <a:ext cx="10515600" cy="0"/>
+        </a:xfrm>
+        <a:prstGeom prst="line">
+          <a:avLst/>
+        </a:prstGeom>
+        <a:solidFill>
+          <a:schemeClr val="accent3">
+            <a:hueOff val="0"/>
+            <a:satOff val="0"/>
+            <a:lumOff val="0"/>
+            <a:alphaOff val="0"/>
+          </a:schemeClr>
+        </a:solidFill>
+        <a:ln w="12700" cap="flat" cmpd="sng" algn="ctr">
+          <a:solidFill>
+            <a:schemeClr val="accent3">
+              <a:hueOff val="0"/>
+              <a:satOff val="0"/>
+              <a:lumOff val="0"/>
+              <a:alphaOff val="0"/>
+            </a:schemeClr>
+          </a:solidFill>
+          <a:prstDash val="solid"/>
+          <a:miter lim="800000"/>
+        </a:ln>
+        <a:effectLst/>
+      </dsp:spPr>
+      <dsp:style>
+        <a:lnRef idx="2">
+          <a:scrgbClr r="0" g="0" b="0"/>
+        </a:lnRef>
+        <a:fillRef idx="1">
+          <a:scrgbClr r="0" g="0" b="0"/>
+        </a:fillRef>
+        <a:effectRef idx="0">
+          <a:scrgbClr r="0" g="0" b="0"/>
+        </a:effectRef>
+        <a:fontRef idx="minor">
+          <a:schemeClr val="lt1"/>
+        </a:fontRef>
+      </dsp:style>
+    </dsp:sp>
+    <dsp:sp modelId="{CD841158-7C95-4D2D-A07D-65677B7EDAD6}">
+      <dsp:nvSpPr>
+        <dsp:cNvPr id="0" name=""/>
+        <dsp:cNvSpPr/>
+      </dsp:nvSpPr>
+      <dsp:spPr>
+        <a:xfrm>
+          <a:off x="0" y="0"/>
+          <a:ext cx="10515600" cy="1087834"/>
+        </a:xfrm>
+        <a:prstGeom prst="rect">
+          <a:avLst/>
+        </a:prstGeom>
+        <a:noFill/>
+        <a:ln>
+          <a:noFill/>
+        </a:ln>
+        <a:effectLst/>
+      </dsp:spPr>
+      <dsp:style>
+        <a:lnRef idx="0">
+          <a:scrgbClr r="0" g="0" b="0"/>
+        </a:lnRef>
+        <a:fillRef idx="0">
+          <a:scrgbClr r="0" g="0" b="0"/>
+        </a:fillRef>
+        <a:effectRef idx="0">
+          <a:scrgbClr r="0" g="0" b="0"/>
+        </a:effectRef>
+        <a:fontRef idx="minor"/>
+      </dsp:style>
+      <dsp:txBody>
+        <a:bodyPr spcFirstLastPara="0" vert="horz" wrap="square" lIns="152400" tIns="152400" rIns="152400" bIns="152400" numCol="1" spcCol="1270" anchor="t" anchorCtr="0">
+          <a:noAutofit/>
+        </a:bodyPr>
+        <a:lstStyle/>
+        <a:p>
+          <a:pPr marL="0" lvl="0" indent="0" algn="ctr" defTabSz="1778000">
+            <a:lnSpc>
+              <a:spcPct val="150000"/>
+            </a:lnSpc>
+            <a:spcBef>
+              <a:spcPct val="0"/>
+            </a:spcBef>
+            <a:spcAft>
+              <a:spcPct val="35000"/>
+            </a:spcAft>
+            <a:buNone/>
+          </a:pPr>
+          <a:r>
+            <a:rPr lang="fr-FR" sz="4000" kern="1200" dirty="0">
+              <a:solidFill>
+                <a:schemeClr val="tx2">
+                  <a:lumMod val="75000"/>
+                </a:schemeClr>
+              </a:solidFill>
+              <a:latin typeface="Bahnschrift" panose="020B0502040204020203" pitchFamily="34" charset="0"/>
+            </a:rPr>
+            <a:t>I -</a:t>
+          </a:r>
+          <a:r>
+            <a:rPr lang="fr-FR" sz="4000" kern="1200" dirty="0">
+              <a:latin typeface="Bahnschrift" panose="020B0502040204020203" pitchFamily="34" charset="0"/>
+            </a:rPr>
+            <a:t> Choix de la technologie</a:t>
+          </a:r>
+        </a:p>
+      </dsp:txBody>
+      <dsp:txXfrm>
+        <a:off x="0" y="0"/>
+        <a:ext cx="10515600" cy="1087834"/>
+      </dsp:txXfrm>
+    </dsp:sp>
+    <dsp:sp modelId="{72156711-EE93-4F52-9A3E-AC1A54A05150}">
+      <dsp:nvSpPr>
+        <dsp:cNvPr id="0" name=""/>
+        <dsp:cNvSpPr/>
+      </dsp:nvSpPr>
+      <dsp:spPr>
+        <a:xfrm>
+          <a:off x="0" y="1087834"/>
+          <a:ext cx="10515600" cy="0"/>
+        </a:xfrm>
+        <a:prstGeom prst="line">
+          <a:avLst/>
+        </a:prstGeom>
+        <a:solidFill>
+          <a:schemeClr val="accent3">
+            <a:hueOff val="0"/>
+            <a:satOff val="0"/>
+            <a:lumOff val="0"/>
+            <a:alphaOff val="0"/>
+          </a:schemeClr>
+        </a:solidFill>
+        <a:ln w="12700" cap="flat" cmpd="sng" algn="ctr">
+          <a:solidFill>
+            <a:schemeClr val="accent3">
+              <a:hueOff val="0"/>
+              <a:satOff val="0"/>
+              <a:lumOff val="0"/>
+              <a:alphaOff val="0"/>
+            </a:schemeClr>
+          </a:solidFill>
+          <a:prstDash val="solid"/>
+          <a:miter lim="800000"/>
+        </a:ln>
+        <a:effectLst/>
+      </dsp:spPr>
+      <dsp:style>
+        <a:lnRef idx="2">
+          <a:scrgbClr r="0" g="0" b="0"/>
+        </a:lnRef>
+        <a:fillRef idx="1">
+          <a:scrgbClr r="0" g="0" b="0"/>
+        </a:fillRef>
+        <a:effectRef idx="0">
+          <a:scrgbClr r="0" g="0" b="0"/>
+        </a:effectRef>
+        <a:fontRef idx="minor">
+          <a:schemeClr val="lt1"/>
+        </a:fontRef>
+      </dsp:style>
+    </dsp:sp>
+    <dsp:sp modelId="{49A66F39-1165-4EFE-A466-20110728119E}">
+      <dsp:nvSpPr>
+        <dsp:cNvPr id="0" name=""/>
+        <dsp:cNvSpPr/>
+      </dsp:nvSpPr>
+      <dsp:spPr>
+        <a:xfrm>
+          <a:off x="0" y="1087834"/>
+          <a:ext cx="10515600" cy="1087834"/>
+        </a:xfrm>
+        <a:prstGeom prst="rect">
+          <a:avLst/>
+        </a:prstGeom>
+        <a:noFill/>
+        <a:ln>
+          <a:noFill/>
+        </a:ln>
+        <a:effectLst/>
+      </dsp:spPr>
+      <dsp:style>
+        <a:lnRef idx="0">
+          <a:scrgbClr r="0" g="0" b="0"/>
+        </a:lnRef>
+        <a:fillRef idx="0">
+          <a:scrgbClr r="0" g="0" b="0"/>
+        </a:fillRef>
+        <a:effectRef idx="0">
+          <a:scrgbClr r="0" g="0" b="0"/>
+        </a:effectRef>
+        <a:fontRef idx="minor"/>
+      </dsp:style>
+      <dsp:txBody>
+        <a:bodyPr spcFirstLastPara="0" vert="horz" wrap="square" lIns="152400" tIns="152400" rIns="152400" bIns="152400" numCol="1" spcCol="1270" anchor="t" anchorCtr="0">
+          <a:noAutofit/>
+        </a:bodyPr>
+        <a:lstStyle/>
+        <a:p>
+          <a:pPr marL="0" lvl="0" indent="0" algn="ctr" defTabSz="1778000">
+            <a:lnSpc>
+              <a:spcPct val="150000"/>
+            </a:lnSpc>
+            <a:spcBef>
+              <a:spcPct val="0"/>
+            </a:spcBef>
+            <a:spcAft>
+              <a:spcPct val="35000"/>
+            </a:spcAft>
+            <a:buNone/>
+          </a:pPr>
+          <a:r>
+            <a:rPr lang="fr-FR" sz="4000" kern="1200" dirty="0">
+              <a:solidFill>
+                <a:schemeClr val="tx2">
+                  <a:lumMod val="75000"/>
+                </a:schemeClr>
+              </a:solidFill>
+              <a:latin typeface="Bahnschrift" panose="020B0502040204020203" pitchFamily="34" charset="0"/>
+            </a:rPr>
+            <a:t>II -</a:t>
+          </a:r>
+          <a:r>
+            <a:rPr lang="fr-FR" sz="4000" kern="1200" dirty="0">
+              <a:latin typeface="Bahnschrift" panose="020B0502040204020203" pitchFamily="34" charset="0"/>
+            </a:rPr>
+            <a:t> Les premières applications</a:t>
+          </a:r>
+        </a:p>
+      </dsp:txBody>
+      <dsp:txXfrm>
+        <a:off x="0" y="1087834"/>
+        <a:ext cx="10515600" cy="1087834"/>
+      </dsp:txXfrm>
+    </dsp:sp>
+    <dsp:sp modelId="{4D7D773F-3C49-4F65-BAA0-836DF1754DF2}">
+      <dsp:nvSpPr>
+        <dsp:cNvPr id="0" name=""/>
+        <dsp:cNvSpPr/>
+      </dsp:nvSpPr>
+      <dsp:spPr>
+        <a:xfrm>
+          <a:off x="0" y="2175669"/>
+          <a:ext cx="10515600" cy="0"/>
+        </a:xfrm>
+        <a:prstGeom prst="line">
+          <a:avLst/>
+        </a:prstGeom>
+        <a:solidFill>
+          <a:schemeClr val="accent3">
+            <a:hueOff val="0"/>
+            <a:satOff val="0"/>
+            <a:lumOff val="0"/>
+            <a:alphaOff val="0"/>
+          </a:schemeClr>
+        </a:solidFill>
+        <a:ln w="12700" cap="flat" cmpd="sng" algn="ctr">
+          <a:solidFill>
+            <a:schemeClr val="accent3">
+              <a:hueOff val="0"/>
+              <a:satOff val="0"/>
+              <a:lumOff val="0"/>
+              <a:alphaOff val="0"/>
+            </a:schemeClr>
+          </a:solidFill>
+          <a:prstDash val="solid"/>
+          <a:miter lim="800000"/>
+        </a:ln>
+        <a:effectLst/>
+      </dsp:spPr>
+      <dsp:style>
+        <a:lnRef idx="2">
+          <a:scrgbClr r="0" g="0" b="0"/>
+        </a:lnRef>
+        <a:fillRef idx="1">
+          <a:scrgbClr r="0" g="0" b="0"/>
+        </a:fillRef>
+        <a:effectRef idx="0">
+          <a:scrgbClr r="0" g="0" b="0"/>
+        </a:effectRef>
+        <a:fontRef idx="minor">
+          <a:schemeClr val="lt1"/>
+        </a:fontRef>
+      </dsp:style>
+    </dsp:sp>
+    <dsp:sp modelId="{2452CCDD-2368-450C-96D5-EB191FFE2412}">
+      <dsp:nvSpPr>
+        <dsp:cNvPr id="0" name=""/>
+        <dsp:cNvSpPr/>
+      </dsp:nvSpPr>
+      <dsp:spPr>
+        <a:xfrm>
+          <a:off x="0" y="2175669"/>
+          <a:ext cx="10515600" cy="1087834"/>
+        </a:xfrm>
+        <a:prstGeom prst="rect">
+          <a:avLst/>
+        </a:prstGeom>
+        <a:noFill/>
+        <a:ln>
+          <a:noFill/>
+        </a:ln>
+        <a:effectLst/>
+      </dsp:spPr>
+      <dsp:style>
+        <a:lnRef idx="0">
+          <a:scrgbClr r="0" g="0" b="0"/>
+        </a:lnRef>
+        <a:fillRef idx="0">
+          <a:scrgbClr r="0" g="0" b="0"/>
+        </a:fillRef>
+        <a:effectRef idx="0">
+          <a:scrgbClr r="0" g="0" b="0"/>
+        </a:effectRef>
+        <a:fontRef idx="minor"/>
+      </dsp:style>
+      <dsp:txBody>
+        <a:bodyPr spcFirstLastPara="0" vert="horz" wrap="square" lIns="152400" tIns="152400" rIns="152400" bIns="152400" numCol="1" spcCol="1270" anchor="t" anchorCtr="0">
+          <a:noAutofit/>
+        </a:bodyPr>
+        <a:lstStyle/>
+        <a:p>
+          <a:pPr marL="0" lvl="0" indent="0" algn="ctr" defTabSz="1778000">
+            <a:lnSpc>
+              <a:spcPct val="150000"/>
+            </a:lnSpc>
+            <a:spcBef>
+              <a:spcPct val="0"/>
+            </a:spcBef>
+            <a:spcAft>
+              <a:spcPct val="35000"/>
+            </a:spcAft>
+            <a:buNone/>
+          </a:pPr>
+          <a:r>
+            <a:rPr lang="fr-FR" sz="4000" kern="1200" dirty="0">
+              <a:solidFill>
+                <a:schemeClr val="tx2">
+                  <a:lumMod val="75000"/>
+                </a:schemeClr>
+              </a:solidFill>
+              <a:latin typeface="Bahnschrift" panose="020B0502040204020203" pitchFamily="34" charset="0"/>
+            </a:rPr>
+            <a:t>III -</a:t>
+          </a:r>
+          <a:r>
+            <a:rPr lang="fr-FR" sz="4000" kern="1200" dirty="0">
+              <a:latin typeface="Bahnschrift" panose="020B0502040204020203" pitchFamily="34" charset="0"/>
+            </a:rPr>
+            <a:t> Choix graphiques</a:t>
+          </a:r>
+        </a:p>
+      </dsp:txBody>
+      <dsp:txXfrm>
+        <a:off x="0" y="2175669"/>
+        <a:ext cx="10515600" cy="1087834"/>
+      </dsp:txXfrm>
+    </dsp:sp>
+    <dsp:sp modelId="{A4AF25A6-211C-4F40-B14B-1989AA609E42}">
+      <dsp:nvSpPr>
+        <dsp:cNvPr id="0" name=""/>
+        <dsp:cNvSpPr/>
+      </dsp:nvSpPr>
+      <dsp:spPr>
+        <a:xfrm>
+          <a:off x="0" y="3263503"/>
+          <a:ext cx="10515600" cy="0"/>
+        </a:xfrm>
+        <a:prstGeom prst="line">
+          <a:avLst/>
+        </a:prstGeom>
+        <a:solidFill>
+          <a:schemeClr val="accent3">
+            <a:hueOff val="0"/>
+            <a:satOff val="0"/>
+            <a:lumOff val="0"/>
+            <a:alphaOff val="0"/>
+          </a:schemeClr>
+        </a:solidFill>
+        <a:ln w="12700" cap="flat" cmpd="sng" algn="ctr">
+          <a:solidFill>
+            <a:schemeClr val="accent3">
+              <a:hueOff val="0"/>
+              <a:satOff val="0"/>
+              <a:lumOff val="0"/>
+              <a:alphaOff val="0"/>
+            </a:schemeClr>
+          </a:solidFill>
+          <a:prstDash val="solid"/>
+          <a:miter lim="800000"/>
+        </a:ln>
+        <a:effectLst/>
+      </dsp:spPr>
+      <dsp:style>
+        <a:lnRef idx="2">
+          <a:scrgbClr r="0" g="0" b="0"/>
+        </a:lnRef>
+        <a:fillRef idx="1">
+          <a:scrgbClr r="0" g="0" b="0"/>
+        </a:fillRef>
+        <a:effectRef idx="0">
+          <a:scrgbClr r="0" g="0" b="0"/>
+        </a:effectRef>
+        <a:fontRef idx="minor">
+          <a:schemeClr val="lt1"/>
+        </a:fontRef>
+      </dsp:style>
+    </dsp:sp>
+    <dsp:sp modelId="{594F23AA-63AF-4EDF-B0A9-2811CBCFDADF}">
+      <dsp:nvSpPr>
+        <dsp:cNvPr id="0" name=""/>
+        <dsp:cNvSpPr/>
+      </dsp:nvSpPr>
+      <dsp:spPr>
+        <a:xfrm>
+          <a:off x="0" y="3263503"/>
+          <a:ext cx="10515600" cy="1087834"/>
+        </a:xfrm>
+        <a:prstGeom prst="rect">
+          <a:avLst/>
+        </a:prstGeom>
+        <a:noFill/>
+        <a:ln>
+          <a:noFill/>
+        </a:ln>
+        <a:effectLst/>
+      </dsp:spPr>
+      <dsp:style>
+        <a:lnRef idx="0">
+          <a:scrgbClr r="0" g="0" b="0"/>
+        </a:lnRef>
+        <a:fillRef idx="0">
+          <a:scrgbClr r="0" g="0" b="0"/>
+        </a:fillRef>
+        <a:effectRef idx="0">
+          <a:scrgbClr r="0" g="0" b="0"/>
+        </a:effectRef>
+        <a:fontRef idx="minor"/>
+      </dsp:style>
+      <dsp:txBody>
+        <a:bodyPr spcFirstLastPara="0" vert="horz" wrap="square" lIns="152400" tIns="152400" rIns="152400" bIns="152400" numCol="1" spcCol="1270" anchor="t" anchorCtr="0">
+          <a:noAutofit/>
+        </a:bodyPr>
+        <a:lstStyle/>
+        <a:p>
+          <a:pPr marL="0" lvl="0" indent="0" algn="ctr" defTabSz="1778000">
+            <a:lnSpc>
+              <a:spcPct val="150000"/>
+            </a:lnSpc>
+            <a:spcBef>
+              <a:spcPct val="0"/>
+            </a:spcBef>
+            <a:spcAft>
+              <a:spcPct val="35000"/>
+            </a:spcAft>
+            <a:buNone/>
+          </a:pPr>
+          <a:r>
+            <a:rPr lang="fr-FR" sz="4000" kern="1200" dirty="0">
+              <a:solidFill>
+                <a:schemeClr val="tx2">
+                  <a:lumMod val="75000"/>
+                </a:schemeClr>
+              </a:solidFill>
+              <a:latin typeface="Bahnschrift" panose="020B0502040204020203" pitchFamily="34" charset="0"/>
+            </a:rPr>
+            <a:t>IV -</a:t>
+          </a:r>
+          <a:r>
+            <a:rPr lang="fr-FR" sz="4000" kern="1200" dirty="0">
+              <a:latin typeface="Bahnschrift" panose="020B0502040204020203" pitchFamily="34" charset="0"/>
+            </a:rPr>
+            <a:t> Répartition des tâches</a:t>
+          </a:r>
+        </a:p>
+      </dsp:txBody>
+      <dsp:txXfrm>
+        <a:off x="0" y="3263503"/>
+        <a:ext cx="10515600" cy="1087834"/>
+      </dsp:txXfrm>
+    </dsp:sp>
+  </dsp:spTree>
+</dsp:drawing>
+</file>
+
+<file path=ppt/diagrams/layout1.xml><?xml version="1.0" encoding="utf-8"?>
+<dgm:layoutDef xmlns:dgm="http://schemas.openxmlformats.org/drawingml/2006/diagram" xmlns:a="http://schemas.openxmlformats.org/drawingml/2006/main" uniqueId="urn:microsoft.com/office/officeart/2008/layout/LinedList">
+  <dgm:title val=""/>
+  <dgm:desc val=""/>
+  <dgm:catLst>
+    <dgm:cat type="hierarchy" pri="8000"/>
+    <dgm:cat type="list" pri="2500"/>
+  </dgm:catLst>
+  <dgm:sampData>
+    <dgm:dataModel>
+      <dgm:ptLst>
+        <dgm:pt modelId="0" type="doc"/>
+        <dgm:pt modelId="1">
+          <dgm:prSet phldr="1"/>
+        </dgm:pt>
+        <dgm:pt modelId="11">
+          <dgm:prSet phldr="1"/>
+        </dgm:pt>
+        <dgm:pt modelId="12">
+          <dgm:prSet phldr="1"/>
+        </dgm:pt>
+        <dgm:pt modelId="13">
+          <dgm:prSet phldr="1"/>
+        </dgm:pt>
+      </dgm:ptLst>
+      <dgm:cxnLst>
+        <dgm:cxn modelId="2" srcId="0" destId="1" srcOrd="0" destOrd="0"/>
+        <dgm:cxn modelId="3" srcId="1" destId="11" srcOrd="0" destOrd="0"/>
+        <dgm:cxn modelId="4" srcId="1" destId="12" srcOrd="1" destOrd="0"/>
+        <dgm:cxn modelId="5" srcId="1" destId="13" srcOrd="2" destOrd="0"/>
+      </dgm:cxnLst>
+      <dgm:bg/>
+      <dgm:whole/>
+    </dgm:dataModel>
+  </dgm:sampData>
+  <dgm:styleData>
+    <dgm:dataModel>
+      <dgm:ptLst>
+        <dgm:pt modelId="0" type="doc"/>
+        <dgm:pt modelId="1">
+          <dgm:prSet phldr="1"/>
+        </dgm:pt>
+        <dgm:pt modelId="11">
+          <dgm:prSet phldr="1"/>
+        </dgm:pt>
+        <dgm:pt modelId="12">
+          <dgm:prSet phldr="1"/>
+        </dgm:pt>
+      </dgm:ptLst>
+      <dgm:cxnLst>
+        <dgm:cxn modelId="2" srcId="0" destId="1" srcOrd="0" destOrd="0"/>
+        <dgm:cxn modelId="3" srcId="1" destId="11" srcOrd="0" destOrd="0"/>
+        <dgm:cxn modelId="4" srcId="1" destId="12" srcOrd="1" destOrd="0"/>
+      </dgm:cxnLst>
+      <dgm:bg/>
+      <dgm:whole/>
+    </dgm:dataModel>
+  </dgm:styleData>
+  <dgm:clrData>
+    <dgm:dataModel>
+      <dgm:ptLst>
+        <dgm:pt modelId="0" type="doc"/>
+        <dgm:pt modelId="1">
+          <dgm:prSet phldr="1"/>
+        </dgm:pt>
+        <dgm:pt modelId="11">
+          <dgm:prSet phldr="1"/>
+        </dgm:pt>
+        <dgm:pt modelId="12">
+          <dgm:prSet phldr="1"/>
+        </dgm:pt>
+      </dgm:ptLst>
+      <dgm:cxnLst>
+        <dgm:cxn modelId="2" srcId="0" destId="1" srcOrd="0" destOrd="0"/>
+        <dgm:cxn modelId="3" srcId="1" destId="11" srcOrd="0" destOrd="0"/>
+        <dgm:cxn modelId="4" srcId="1" destId="12" srcOrd="1" destOrd="0"/>
+      </dgm:cxnLst>
+      <dgm:bg/>
+      <dgm:whole/>
+    </dgm:dataModel>
+  </dgm:clrData>
+  <dgm:layoutNode name="vert0">
+    <dgm:varLst>
+      <dgm:dir/>
+      <dgm:animOne val="branch"/>
+      <dgm:animLvl val="lvl"/>
+    </dgm:varLst>
+    <dgm:choose name="Name0">
+      <dgm:if name="Name1" func="var" arg="dir" op="equ" val="norm">
+        <dgm:alg type="lin">
+          <dgm:param type="linDir" val="fromT"/>
+          <dgm:param type="nodeHorzAlign" val="l"/>
+        </dgm:alg>
+      </dgm:if>
+      <dgm:else name="Name2">
+        <dgm:alg type="lin">
+          <dgm:param type="linDir" val="fromT"/>
+          <dgm:param type="nodeHorzAlign" val="r"/>
+        </dgm:alg>
+      </dgm:else>
+    </dgm:choose>
+    <dgm:shape xmlns:r="http://schemas.openxmlformats.org/officeDocument/2006/relationships" r:blip="">
+      <dgm:adjLst/>
+    </dgm:shape>
+    <dgm:presOf/>
+    <dgm:constrLst>
+      <dgm:constr type="w" for="ch" forName="horz1" refType="w"/>
+      <dgm:constr type="h" for="ch" forName="horz1" refType="h"/>
+      <dgm:constr type="h" for="des" forName="vert1" refType="h"/>
+      <dgm:constr type="h" for="des" forName="tx1" refType="h"/>
+      <dgm:constr type="h" for="des" forName="horz2" refType="h"/>
+      <dgm:constr type="h" for="des" forName="vert2" refType="h"/>
+      <dgm:constr type="h" for="des" forName="horz3" refType="h"/>
+      <dgm:constr type="h" for="des" forName="vert3" refType="h"/>
+      <dgm:constr type="h" for="des" forName="horz4" refType="h"/>
+      <dgm:constr type="h" for="des" ptType="node" refType="h"/>
+      <dgm:constr type="primFontSz" for="des" forName="tx1" op="equ" val="65"/>
+      <dgm:constr type="primFontSz" for="des" forName="tx2" op="equ" val="65"/>
+      <dgm:constr type="primFontSz" for="des" forName="tx3" op="equ" val="65"/>
+      <dgm:constr type="primFontSz" for="des" forName="tx4" op="equ" val="65"/>
+      <dgm:constr type="w" for="des" forName="thickLine" refType="w"/>
+      <dgm:constr type="h" for="des" forName="thickLine"/>
+      <dgm:constr type="h" for="des" forName="thinLine1"/>
+      <dgm:constr type="h" for="des" forName="thinLine2b"/>
+      <dgm:constr type="h" for="des" forName="thinLine3"/>
+      <dgm:constr type="h" for="des" forName="vertSpace2a" refType="h" fact="0.05"/>
+      <dgm:constr type="h" for="des" forName="vertSpace2b" refType="h" refFor="des" refForName="vertSpace2a"/>
+    </dgm:constrLst>
+    <dgm:forEach name="Name3" axis="ch" ptType="node">
+      <dgm:layoutNode name="thickLine" styleLbl="alignNode1">
+        <dgm:alg type="sp"/>
+        <dgm:shape xmlns:r="http://schemas.openxmlformats.org/officeDocument/2006/relationships" type="line" r:blip="">
+          <dgm:adjLst/>
+        </dgm:shape>
+        <dgm:presOf/>
+      </dgm:layoutNode>
+      <dgm:layoutNode name="horz1">
+        <dgm:choose name="Name4">
+          <dgm:if name="Name5" func="var" arg="dir" op="equ" val="norm">
+            <dgm:alg type="lin">
+              <dgm:param type="linDir" val="fromL"/>
+              <dgm:param type="nodeVertAlign" val="t"/>
+            </dgm:alg>
+          </dgm:if>
+          <dgm:else name="Name6">
+            <dgm:alg type="lin">
+              <dgm:param type="linDir" val="fromR"/>
+              <dgm:param type="nodeVertAlign" val="t"/>
+            </dgm:alg>
+          </dgm:else>
+        </dgm:choose>
+        <dgm:shape xmlns:r="http://schemas.openxmlformats.org/officeDocument/2006/relationships" r:blip="">
+          <dgm:adjLst/>
+        </dgm:shape>
+        <dgm:presOf/>
+        <dgm:choose name="Name7">
+          <dgm:if name="Name8" axis="root des" func="maxDepth" op="equ" val="1">
+            <dgm:constrLst>
+              <dgm:constr type="w" for="ch" forName="tx1" refType="w"/>
+            </dgm:constrLst>
+          </dgm:if>
+          <dgm:if name="Name9" axis="root des" func="maxDepth" op="equ" val="2">
+            <dgm:constrLst>
+              <dgm:constr type="w" for="ch" forName="tx1" refType="w" fact="0.2"/>
+              <dgm:constr type="w" for="des" forName="tx2" refType="w" fact="0.785"/>
+              <dgm:constr type="w" for="des" forName="horzSpace2" refType="w" fact="0.015"/>
+              <dgm:constr type="w" for="des" forName="thinLine2b" refType="w" fact="0.8"/>
+            </dgm:constrLst>
+          </dgm:if>
+          <dgm:if name="Name10" axis="root des" func="maxDepth" op="equ" val="3">
+            <dgm:constrLst>
+              <dgm:constr type="w" for="ch" forName="tx1" refType="w" fact="0.2"/>
+              <dgm:constr type="w" for="des" forName="tx2" refType="w" fact="0.385"/>
+              <dgm:constr type="w" for="des" forName="tx3" refType="w" fact="0.385"/>
+              <dgm:constr type="w" for="des" forName="horzSpace2" refType="w" fact="0.015"/>
+              <dgm:constr type="w" for="des" forName="horzSpace3" refType="w" fact="0.015"/>
+              <dgm:constr type="w" for="des" forName="thinLine2b" refType="w" fact="0.8"/>
+              <dgm:constr type="w" for="des" forName="thinLine3" refType="w" fact="0.385"/>
+            </dgm:constrLst>
+          </dgm:if>
+          <dgm:if name="Name11" axis="root des" func="maxDepth" op="gte" val="4">
+            <dgm:constrLst>
+              <dgm:constr type="w" for="ch" forName="tx1" refType="w" fact="0.2"/>
+              <dgm:constr type="w" for="des" forName="tx2" refType="w" fact="0.2516"/>
+              <dgm:constr type="w" for="des" forName="tx3" refType="w" fact="0.2516"/>
+              <dgm:constr type="w" for="des" forName="tx4" refType="w" fact="0.2516"/>
+              <dgm:constr type="w" for="des" forName="horzSpace2" refType="w" fact="0.015"/>
+              <dgm:constr type="w" for="des" forName="horzSpace3" refType="w" fact="0.015"/>
+              <dgm:constr type="w" for="des" forName="horzSpace4" refType="w" fact="0.015"/>
+              <dgm:constr type="w" for="des" forName="thinLine2b" refType="w" fact="0.8"/>
+              <dgm:constr type="w" for="des" forName="thinLine3" refType="w" fact="0.5332"/>
+            </dgm:constrLst>
+          </dgm:if>
+          <dgm:else name="Name12"/>
+        </dgm:choose>
+        <dgm:layoutNode name="tx1" styleLbl="revTx">
+          <dgm:alg type="tx">
+            <dgm:param type="parTxLTRAlign" val="l"/>
+            <dgm:param type="parTxRTLAlign" val="r"/>
+            <dgm:param type="txAnchorVert" val="t"/>
+          </dgm:alg>
+          <dgm:shape xmlns:r="http://schemas.openxmlformats.org/officeDocument/2006/relationships" type="rect" r:blip="">
+            <dgm:adjLst/>
+          </dgm:shape>
+          <dgm:presOf axis="self"/>
+          <dgm:constrLst>
+            <dgm:constr type="tMarg" refType="primFontSz" fact="0.3"/>
+            <dgm:constr type="bMarg" refType="primFontSz" fact="0.3"/>
+            <dgm:constr type="lMarg" refType="primFontSz" fact="0.3"/>
+            <dgm:constr type="rMarg" refType="primFontSz" fact="0.3"/>
+          </dgm:constrLst>
+          <dgm:ruleLst>
+            <dgm:rule type="primFontSz" val="5" fact="NaN" max="NaN"/>
+          </dgm:ruleLst>
+        </dgm:layoutNode>
+        <dgm:layoutNode name="vert1">
+          <dgm:choose name="Name13">
+            <dgm:if name="Name14" func="var" arg="dir" op="equ" val="norm">
+              <dgm:alg type="lin">
+                <dgm:param type="linDir" val="fromT"/>
+                <dgm:param type="nodeHorzAlign" val="l"/>
+              </dgm:alg>
+            </dgm:if>
+            <dgm:else name="Name15">
+              <dgm:alg type="lin">
+                <dgm:param type="linDir" val="fromT"/>
+                <dgm:param type="nodeHorzAlign" val="r"/>
+              </dgm:alg>
+            </dgm:else>
+          </dgm:choose>
+          <dgm:shape xmlns:r="http://schemas.openxmlformats.org/officeDocument/2006/relationships" r:blip="">
+            <dgm:adjLst/>
+          </dgm:shape>
+          <dgm:presOf/>
+          <dgm:forEach name="Name16" axis="ch" ptType="node">
+            <dgm:choose name="Name17">
+              <dgm:if name="Name18" axis="self" ptType="node" func="pos" op="equ" val="1">
+                <dgm:layoutNode name="vertSpace2a">
+                  <dgm:alg type="sp"/>
+                  <dgm:shape xmlns:r="http://schemas.openxmlformats.org/officeDocument/2006/relationships" r:blip="">
+                    <dgm:adjLst/>
+                  </dgm:shape>
+                  <dgm:presOf/>
+                </dgm:layoutNode>
+              </dgm:if>
+              <dgm:else name="Name19"/>
+            </dgm:choose>
+            <dgm:layoutNode name="horz2">
+              <dgm:choose name="Name20">
+                <dgm:if name="Name21" func="var" arg="dir" op="equ" val="norm">
+                  <dgm:alg type="lin">
+                    <dgm:param type="linDir" val="fromL"/>
+                    <dgm:param type="nodeVertAlign" val="t"/>
+                  </dgm:alg>
+                </dgm:if>
+                <dgm:else name="Name22">
+                  <dgm:alg type="lin">
+                    <dgm:param type="linDir" val="fromR"/>
+                    <dgm:param type="nodeVertAlign" val="t"/>
+                  </dgm:alg>
+                </dgm:else>
+              </dgm:choose>
+              <dgm:shape xmlns:r="http://schemas.openxmlformats.org/officeDocument/2006/relationships" r:blip="">
+                <dgm:adjLst/>
+              </dgm:shape>
+              <dgm:presOf/>
+              <dgm:layoutNode name="horzSpace2">
+                <dgm:alg type="sp"/>
+                <dgm:shape xmlns:r="http://schemas.openxmlformats.org/officeDocument/2006/relationships" r:blip="">
+                  <dgm:adjLst/>
+                </dgm:shape>
+                <dgm:presOf/>
+              </dgm:layoutNode>
+              <dgm:layoutNode name="tx2" styleLbl="revTx">
+                <dgm:alg type="tx">
+                  <dgm:param type="parTxLTRAlign" val="l"/>
+                  <dgm:param type="parTxRTLAlign" val="r"/>
+                  <dgm:param type="txAnchorVert" val="t"/>
+                </dgm:alg>
+                <dgm:shape xmlns:r="http://schemas.openxmlformats.org/officeDocument/2006/relationships" type="rect" r:blip="">
+                  <dgm:adjLst/>
+                </dgm:shape>
+                <dgm:presOf axis="self"/>
+                <dgm:constrLst>
+                  <dgm:constr type="tMarg" refType="primFontSz" fact="0.3"/>
+                  <dgm:constr type="bMarg" refType="primFontSz" fact="0.3"/>
+                  <dgm:constr type="lMarg" refType="primFontSz" fact="0.3"/>
+                  <dgm:constr type="rMarg" refType="primFontSz" fact="0.3"/>
+                </dgm:constrLst>
+                <dgm:ruleLst>
+                  <dgm:rule type="primFontSz" val="5" fact="NaN" max="NaN"/>
+                </dgm:ruleLst>
+              </dgm:layoutNode>
+              <dgm:layoutNode name="vert2">
+                <dgm:choose name="Name23">
+                  <dgm:if name="Name24" func="var" arg="dir" op="equ" val="norm">
+                    <dgm:alg type="lin">
+                      <dgm:param type="linDir" val="fromT"/>
+                      <dgm:param type="nodeHorzAlign" val="l"/>
+                    </dgm:alg>
+                  </dgm:if>
+                  <dgm:else name="Name25">
+                    <dgm:alg type="lin">
+                      <dgm:param type="linDir" val="fromT"/>
+                      <dgm:param type="nodeHorzAlign" val="r"/>
+                    </dgm:alg>
+                  </dgm:else>
+                </dgm:choose>
+                <dgm:shape xmlns:r="http://schemas.openxmlformats.org/officeDocument/2006/relationships" r:blip="">
+                  <dgm:adjLst/>
+                </dgm:shape>
+                <dgm:presOf/>
+                <dgm:forEach name="Name26" axis="ch" ptType="node">
+                  <dgm:layoutNode name="horz3">
+                    <dgm:choose name="Name27">
+                      <dgm:if name="Name28" func="var" arg="dir" op="equ" val="norm">
+                        <dgm:alg type="lin">
+                          <dgm:param type="linDir" val="fromL"/>
+                          <dgm:param type="nodeVertAlign" val="t"/>
+                        </dgm:alg>
+                      </dgm:if>
+                      <dgm:else name="Name29">
+                        <dgm:alg type="lin">
+                          <dgm:param type="linDir" val="fromR"/>
+                          <dgm:param type="nodeVertAlign" val="t"/>
+                        </dgm:alg>
+                      </dgm:else>
+                    </dgm:choose>
+                    <dgm:shape xmlns:r="http://schemas.openxmlformats.org/officeDocument/2006/relationships" r:blip="">
+                      <dgm:adjLst/>
+                    </dgm:shape>
+                    <dgm:presOf/>
+                    <dgm:layoutNode name="horzSpace3">
+                      <dgm:alg type="sp"/>
+                      <dgm:shape xmlns:r="http://schemas.openxmlformats.org/officeDocument/2006/relationships" r:blip="">
+                        <dgm:adjLst/>
+                      </dgm:shape>
+                      <dgm:presOf/>
+                    </dgm:layoutNode>
+                    <dgm:layoutNode name="tx3" styleLbl="revTx">
+                      <dgm:alg type="tx">
+                        <dgm:param type="parTxLTRAlign" val="l"/>
+                        <dgm:param type="parTxRTLAlign" val="r"/>
+                        <dgm:param type="txAnchorVert" val="t"/>
+                      </dgm:alg>
+                      <dgm:shape xmlns:r="http://schemas.openxmlformats.org/officeDocument/2006/relationships" type="rect" r:blip="">
+                        <dgm:adjLst/>
+                      </dgm:shape>
+                      <dgm:presOf axis="self"/>
+                      <dgm:constrLst>
+                        <dgm:constr type="tMarg" refType="primFontSz" fact="0.3"/>
+                        <dgm:constr type="bMarg" refType="primFontSz" fact="0.3"/>
+                        <dgm:constr type="lMarg" refType="primFontSz" fact="0.3"/>
+                        <dgm:constr type="rMarg" refType="primFontSz" fact="0.3"/>
+                      </dgm:constrLst>
+                      <dgm:ruleLst>
+                        <dgm:rule type="primFontSz" val="5" fact="NaN" max="NaN"/>
+                      </dgm:ruleLst>
+                    </dgm:layoutNode>
+                    <dgm:layoutNode name="vert3">
+                      <dgm:choose name="Name30">
+                        <dgm:if name="Name31" func="var" arg="dir" op="equ" val="norm">
+                          <dgm:alg type="lin">
+                            <dgm:param type="linDir" val="fromT"/>
+                            <dgm:param type="nodeHorzAlign" val="l"/>
+                          </dgm:alg>
+                        </dgm:if>
+                        <dgm:else name="Name32">
+                          <dgm:alg type="lin">
+                            <dgm:param type="linDir" val="fromT"/>
+                            <dgm:param type="nodeHorzAlign" val="r"/>
+                          </dgm:alg>
+                        </dgm:else>
+                      </dgm:choose>
+                      <dgm:shape xmlns:r="http://schemas.openxmlformats.org/officeDocument/2006/relationships" r:blip="">
+                        <dgm:adjLst/>
+                      </dgm:shape>
+                      <dgm:presOf/>
+                      <dgm:forEach name="Name33" axis="ch" ptType="node">
+                        <dgm:layoutNode name="horz4">
+                          <dgm:choose name="Name34">
+                            <dgm:if name="Name35" func="var" arg="dir" op="equ" val="norm">
+                              <dgm:alg type="lin">
+                                <dgm:param type="linDir" val="fromL"/>
+                                <dgm:param type="nodeVertAlign" val="t"/>
+                              </dgm:alg>
+                            </dgm:if>
+                            <dgm:else name="Name36">
+                              <dgm:alg type="lin">
+                                <dgm:param type="linDir" val="fromR"/>
+                                <dgm:param type="nodeVertAlign" val="t"/>
+                              </dgm:alg>
+                            </dgm:else>
+                          </dgm:choose>
+                          <dgm:shape xmlns:r="http://schemas.openxmlformats.org/officeDocument/2006/relationships" r:blip="">
+                            <dgm:adjLst/>
+                          </dgm:shape>
+                          <dgm:presOf/>
+                          <dgm:layoutNode name="horzSpace4">
+                            <dgm:alg type="sp"/>
+                            <dgm:shape xmlns:r="http://schemas.openxmlformats.org/officeDocument/2006/relationships" r:blip="">
+                              <dgm:adjLst/>
+                            </dgm:shape>
+                            <dgm:presOf/>
+                          </dgm:layoutNode>
+                          <dgm:layoutNode name="tx4" styleLbl="revTx">
+                            <dgm:varLst>
+                              <dgm:bulletEnabled val="1"/>
+                            </dgm:varLst>
+                            <dgm:alg type="tx">
+                              <dgm:param type="parTxLTRAlign" val="l"/>
+                              <dgm:param type="parTxRTLAlign" val="r"/>
+                              <dgm:param type="txAnchorVert" val="t"/>
+                            </dgm:alg>
+                            <dgm:shape xmlns:r="http://schemas.openxmlformats.org/officeDocument/2006/relationships" type="rect" r:blip="">
+                              <dgm:adjLst/>
+                            </dgm:shape>
+                            <dgm:presOf axis="desOrSelf" ptType="node"/>
+                            <dgm:constrLst>
+                              <dgm:constr type="tMarg" refType="primFontSz" fact="0.3"/>
+                              <dgm:constr type="bMarg" refType="primFontSz" fact="0.3"/>
+                              <dgm:constr type="lMarg" refType="primFontSz" fact="0.3"/>
+                              <dgm:constr type="rMarg" refType="primFontSz" fact="0.3"/>
+                            </dgm:constrLst>
+                            <dgm:ruleLst>
+                              <dgm:rule type="primFontSz" val="5" fact="NaN" max="NaN"/>
+                            </dgm:ruleLst>
+                          </dgm:layoutNode>
+                        </dgm:layoutNode>
+                      </dgm:forEach>
+                    </dgm:layoutNode>
+                  </dgm:layoutNode>
+                  <dgm:forEach name="Name37" axis="followSib" ptType="sibTrans" cnt="1">
+                    <dgm:layoutNode name="thinLine3" styleLbl="callout">
+                      <dgm:alg type="sp"/>
+                      <dgm:shape xmlns:r="http://schemas.openxmlformats.org/officeDocument/2006/relationships" type="line" r:blip="">
+                        <dgm:adjLst/>
+                      </dgm:shape>
+                      <dgm:presOf/>
+                    </dgm:layoutNode>
+                  </dgm:forEach>
+                </dgm:forEach>
+              </dgm:layoutNode>
+            </dgm:layoutNode>
+            <dgm:layoutNode name="thinLine2b" styleLbl="callout">
+              <dgm:alg type="sp"/>
+              <dgm:shape xmlns:r="http://schemas.openxmlformats.org/officeDocument/2006/relationships" type="line" r:blip="">
+                <dgm:adjLst/>
+              </dgm:shape>
+              <dgm:presOf/>
+            </dgm:layoutNode>
+            <dgm:layoutNode name="vertSpace2b">
+              <dgm:alg type="sp"/>
+              <dgm:shape xmlns:r="http://schemas.openxmlformats.org/officeDocument/2006/relationships" r:blip="">
+                <dgm:adjLst/>
+              </dgm:shape>
+              <dgm:presOf/>
+            </dgm:layoutNode>
+          </dgm:forEach>
+        </dgm:layoutNode>
+      </dgm:layoutNode>
+    </dgm:forEach>
+  </dgm:layoutNode>
+</dgm:layoutDef>
+</file>
+
+<file path=ppt/diagrams/quickStyle1.xml><?xml version="1.0" encoding="utf-8"?>
+<dgm:styleDef xmlns:dgm="http://schemas.openxmlformats.org/drawingml/2006/diagram" xmlns:a="http://schemas.openxmlformats.org/drawingml/2006/main" uniqueId="urn:microsoft.com/office/officeart/2005/8/quickstyle/simple1">
+  <dgm:title val=""/>
+  <dgm:desc val=""/>
+  <dgm:catLst>
+    <dgm:cat type="simple" pri="10100"/>
+  </dgm:catLst>
+  <dgm:scene3d>
+    <a:camera prst="orthographicFront"/>
+    <a:lightRig rig="threePt" dir="t"/>
+  </dgm:scene3d>
+  <dgm:styleLbl name="node0">
+    <dgm:scene3d>
+      <a:camera prst="orthographicFront"/>
+      <a:lightRig rig="threePt" dir="t"/>
+    </dgm:scene3d>
+    <dgm:sp3d/>
+    <dgm:txPr/>
+    <dgm:style>
+      <a:lnRef idx="2">
+        <a:scrgbClr r="0" g="0" b="0"/>
+      </a:lnRef>
+      <a:fillRef idx="1">
+        <a:scrgbClr r="0" g="0" b="0"/>
+      </a:fillRef>
+      <a:effectRef idx="0">
+        <a:scrgbClr r="0" g="0" b="0"/>
+      </a:effectRef>
+      <a:fontRef idx="minor">
+        <a:schemeClr val="lt1"/>
+      </a:fontRef>
+    </dgm:style>
+  </dgm:styleLbl>
+  <dgm:styleLbl name="lnNode1">
+    <dgm:scene3d>
+      <a:camera prst="orthographicFront"/>
+      <a:lightRig rig="threePt" dir="t"/>
+    </dgm:scene3d>
+    <dgm:sp3d/>
+    <dgm:txPr/>
+    <dgm:style>
+      <a:lnRef idx="2">
+        <a:scrgbClr r="0" g="0" b="0"/>
+      </a:lnRef>
+      <a:fillRef idx="1">
+        <a:scrgbClr r="0" g="0" b="0"/>
+      </a:fillRef>
+      <a:effectRef idx="0">
+        <a:scrgbClr r="0" g="0" b="0"/>
+      </a:effectRef>
+      <a:fontRef idx="minor">
+        <a:schemeClr val="lt1"/>
+      </a:fontRef>
+    </dgm:style>
+  </dgm:styleLbl>
+  <dgm:styleLbl name="vennNode1">
+    <dgm:scene3d>
+      <a:camera prst="orthographicFront"/>
+      <a:lightRig rig="threePt" dir="t"/>
+    </dgm:scene3d>
+    <dgm:sp3d/>
+    <dgm:txPr/>
+    <dgm:style>
+      <a:lnRef idx="2">
+        <a:scrgbClr r="0" g="0" b="0"/>
+      </a:lnRef>
+      <a:fillRef idx="1">
+        <a:scrgbClr r="0" g="0" b="0"/>
+      </a:fillRef>
+      <a:effectRef idx="0">
+        <a:scrgbClr r="0" g="0" b="0"/>
+      </a:effectRef>
+      <a:fontRef idx="minor">
+        <a:schemeClr val="tx1"/>
+      </a:fontRef>
+    </dgm:style>
+  </dgm:styleLbl>
+  <dgm:styleLbl name="alignNode1">
+    <dgm:scene3d>
+      <a:camera prst="orthographicFront"/>
+      <a:lightRig rig="threePt" dir="t"/>
+    </dgm:scene3d>
+    <dgm:sp3d/>
+    <dgm:txPr/>
+    <dgm:style>
+      <a:lnRef idx="2">
+        <a:scrgbClr r="0" g="0" b="0"/>
+      </a:lnRef>
+      <a:fillRef idx="1">
+        <a:scrgbClr r="0" g="0" b="0"/>
+      </a:fillRef>
+      <a:effectRef idx="0">
+        <a:scrgbClr r="0" g="0" b="0"/>
+      </a:effectRef>
+      <a:fontRef idx="minor">
+        <a:schemeClr val="lt1"/>
+      </a:fontRef>
+    </dgm:style>
+  </dgm:styleLbl>
+  <dgm:styleLbl name="node1">
+    <dgm:scene3d>
+      <a:camera prst="orthographicFront"/>
+      <a:lightRig rig="threePt" dir="t"/>
+    </dgm:scene3d>
+    <dgm:sp3d/>
+    <dgm:txPr/>
+    <dgm:style>
+      <a:lnRef idx="2">
+        <a:scrgbClr r="0" g="0" b="0"/>
+      </a:lnRef>
+      <a:fillRef idx="1">
+        <a:scrgbClr r="0" g="0" b="0"/>
+      </a:fillRef>
+      <a:effectRef idx="0">
+        <a:scrgbClr r="0" g="0" b="0"/>
+      </a:effectRef>
+      <a:fontRef idx="minor">
+        <a:schemeClr val="lt1"/>
+      </a:fontRef>
+    </dgm:style>
+  </dgm:styleLbl>
+  <dgm:styleLbl name="node2">
+    <dgm:scene3d>
+      <a:camera prst="orthographicFront"/>
+      <a:lightRig rig="threePt" dir="t"/>
+    </dgm:scene3d>
+    <dgm:sp3d/>
+    <dgm:txPr/>
+    <dgm:style>
+      <a:lnRef idx="2">
+        <a:scrgbClr r="0" g="0" b="0"/>
+      </a:lnRef>
+      <a:fillRef idx="1">
+        <a:scrgbClr r="0" g="0" b="0"/>
+      </a:fillRef>
+      <a:effectRef idx="0">
+        <a:scrgbClr r="0" g="0" b="0"/>
+      </a:effectRef>
+      <a:fontRef idx="minor">
+        <a:schemeClr val="lt1"/>
+      </a:fontRef>
+    </dgm:style>
+  </dgm:styleLbl>
+  <dgm:styleLbl name="node3">
+    <dgm:scene3d>
+      <a:camera prst="orthographicFront"/>
+      <a:lightRig rig="threePt" dir="t"/>
+    </dgm:scene3d>
+    <dgm:sp3d/>
+    <dgm:txPr/>
+    <dgm:style>
+      <a:lnRef idx="2">
+        <a:scrgbClr r="0" g="0" b="0"/>
+      </a:lnRef>
+      <a:fillRef idx="1">
+        <a:scrgbClr r="0" g="0" b="0"/>
+      </a:fillRef>
+      <a:effectRef idx="0">
+        <a:scrgbClr r="0" g="0" b="0"/>
+      </a:effectRef>
+      <a:fontRef idx="minor">
+        <a:schemeClr val="lt1"/>
+      </a:fontRef>
+    </dgm:style>
+  </dgm:styleLbl>
+  <dgm:styleLbl name="node4">
+    <dgm:scene3d>
+      <a:camera prst="orthographicFront"/>
+      <a:lightRig rig="threePt" dir="t"/>
+    </dgm:scene3d>
+    <dgm:sp3d/>
+    <dgm:txPr/>
+    <dgm:style>
+      <a:lnRef idx="2">
+        <a:scrgbClr r="0" g="0" b="0"/>
+      </a:lnRef>
+      <a:fillRef idx="1">
+        <a:scrgbClr r="0" g="0" b="0"/>
+      </a:fillRef>
+      <a:effectRef idx="0">
+        <a:scrgbClr r="0" g="0" b="0"/>
+      </a:effectRef>
+      <a:fontRef idx="minor">
+        <a:schemeClr val="lt1"/>
+      </a:fontRef>
+    </dgm:style>
+  </dgm:styleLbl>
+  <dgm:styleLbl name="fgImgPlace1">
+    <dgm:scene3d>
+      <a:camera prst="orthographicFront"/>
+      <a:lightRig rig="threePt" dir="t"/>
+    </dgm:scene3d>
+    <dgm:sp3d/>
+    <dgm:txPr/>
+    <dgm:style>
+      <a:lnRef idx="2">
+        <a:scrgbClr r="0" g="0" b="0"/>
+      </a:lnRef>
+      <a:fillRef idx="1">
+        <a:scrgbClr r="0" g="0" b="0"/>
+      </a:fillRef>
+      <a:effectRef idx="0">
+        <a:scrgbClr r="0" g="0" b="0"/>
+      </a:effectRef>
+      <a:fontRef idx="minor"/>
+    </dgm:style>
+  </dgm:styleLbl>
+  <dgm:styleLbl name="alignImgPlace1">
+    <dgm:scene3d>
+      <a:camera prst="orthographicFront"/>
+      <a:lightRig rig="threePt" dir="t"/>
+    </dgm:scene3d>
+    <dgm:sp3d/>
+    <dgm:txPr/>
+    <dgm:style>
+      <a:lnRef idx="2">
+        <a:scrgbClr r="0" g="0" b="0"/>
+      </a:lnRef>
+      <a:fillRef idx="1">
+        <a:scrgbClr r="0" g="0" b="0"/>
+      </a:fillRef>
+      <a:effectRef idx="0">
+        <a:scrgbClr r="0" g="0" b="0"/>
+      </a:effectRef>
+      <a:fontRef idx="minor"/>
+    </dgm:style>
+  </dgm:styleLbl>
+  <dgm:styleLbl name="bgImgPlace1">
+    <dgm:scene3d>
+      <a:camera prst="orthographicFront"/>
+      <a:lightRig rig="threePt" dir="t"/>
+    </dgm:scene3d>
+    <dgm:sp3d/>
+    <dgm:txPr/>
+    <dgm:style>
+      <a:lnRef idx="2">
+        <a:scrgbClr r="0" g="0" b="0"/>
+      </a:lnRef>
+      <a:fillRef idx="1">
+        <a:scrgbClr r="0" g="0" b="0"/>
+      </a:fillRef>
+      <a:effectRef idx="0">
+        <a:scrgbClr r="0" g="0" b="0"/>
+      </a:effectRef>
+      <a:fontRef idx="minor"/>
+    </dgm:style>
+  </dgm:styleLbl>
+  <dgm:styleLbl name="sibTrans2D1">
+    <dgm:scene3d>
+      <a:camera prst="orthographicFront"/>
+      <a:lightRig rig="threePt" dir="t"/>
+    </dgm:scene3d>
+    <dgm:sp3d/>
+    <dgm:txPr/>
+    <dgm:style>
+      <a:lnRef idx="0">
+        <a:scrgbClr r="0" g="0" b="0"/>
+      </a:lnRef>
+      <a:fillRef idx="1">
+        <a:scrgbClr r="0" g="0" b="0"/>
+      </a:fillRef>
+      <a:effectRef idx="0">
+        <a:scrgbClr r="0" g="0" b="0"/>
+      </a:effectRef>
+      <a:fontRef idx="minor">
+        <a:schemeClr val="lt1"/>
+      </a:fontRef>
+    </dgm:style>
+  </dgm:styleLbl>
+  <dgm:styleLbl name="fgSibTrans2D1">
+    <dgm:scene3d>
+      <a:camera prst="orthographicFront"/>
+      <a:lightRig rig="threePt" dir="t"/>
+    </dgm:scene3d>
+    <dgm:sp3d/>
+    <dgm:txPr/>
+    <dgm:style>
+      <a:lnRef idx="0">
+        <a:scrgbClr r="0" g="0" b="0"/>
+      </a:lnRef>
+      <a:fillRef idx="1">
+        <a:scrgbClr r="0" g="0" b="0"/>
+      </a:fillRef>
+      <a:effectRef idx="0">
+        <a:scrgbClr r="0" g="0" b="0"/>
+      </a:effectRef>
+      <a:fontRef idx="minor">
+        <a:schemeClr val="lt1"/>
+      </a:fontRef>
+    </dgm:style>
+  </dgm:styleLbl>
+  <dgm:styleLbl name="bgSibTrans2D1">
+    <dgm:scene3d>
+      <a:camera prst="orthographicFront"/>
+      <a:lightRig rig="threePt" dir="t"/>
+    </dgm:scene3d>
+    <dgm:sp3d/>
+    <dgm:txPr/>
+    <dgm:style>
+      <a:lnRef idx="0">
+        <a:scrgbClr r="0" g="0" b="0"/>
+      </a:lnRef>
+      <a:fillRef idx="1">
+        <a:scrgbClr r="0" g="0" b="0"/>
+      </a:fillRef>
+      <a:effectRef idx="0">
+        <a:scrgbClr r="0" g="0" b="0"/>
+      </a:effectRef>
+      <a:fontRef idx="minor">
+        <a:schemeClr val="lt1"/>
+      </a:fontRef>
+    </dgm:style>
+  </dgm:styleLbl>
+  <dgm:styleLbl name="sibTrans1D1">
+    <dgm:scene3d>
+      <a:camera prst="orthographicFront"/>
+      <a:lightRig rig="threePt" dir="t"/>
+    </dgm:scene3d>
+    <dgm:sp3d/>
+    <dgm:txPr/>
+    <dgm:style>
+      <a:lnRef idx="1">
+        <a:scrgbClr r="0" g="0" b="0"/>
+      </a:lnRef>
+      <a:fillRef idx="0">
+        <a:scrgbClr r="0" g="0" b="0"/>
+      </a:fillRef>
+      <a:effectRef idx="0">
+        <a:scrgbClr r="0" g="0" b="0"/>
+      </a:effectRef>
+      <a:fontRef idx="minor"/>
+    </dgm:style>
+  </dgm:styleLbl>
+  <dgm:styleLbl name="callout">
+    <dgm:scene3d>
+      <a:camera prst="orthographicFront"/>
+      <a:lightRig rig="threePt" dir="t"/>
+    </dgm:scene3d>
+    <dgm:sp3d/>
+    <dgm:txPr/>
+    <dgm:style>
+      <a:lnRef idx="2">
+        <a:scrgbClr r="0" g="0" b="0"/>
+      </a:lnRef>
+      <a:fillRef idx="1">
+        <a:scrgbClr r="0" g="0" b="0"/>
+      </a:fillRef>
+      <a:effectRef idx="0">
+        <a:scrgbClr r="0" g="0" b="0"/>
+      </a:effectRef>
+      <a:fontRef idx="minor"/>
+    </dgm:style>
+  </dgm:styleLbl>
+  <dgm:styleLbl name="asst0">
+    <dgm:scene3d>
+      <a:camera prst="orthographicFront"/>
+      <a:lightRig rig="threePt" dir="t"/>
+    </dgm:scene3d>
+    <dgm:sp3d/>
+    <dgm:txPr/>
+    <dgm:style>
+      <a:lnRef idx="2">
+        <a:scrgbClr r="0" g="0" b="0"/>
+      </a:lnRef>
+      <a:fillRef idx="1">
+        <a:scrgbClr r="0" g="0" b="0"/>
+      </a:fillRef>
+      <a:effectRef idx="0">
+        <a:scrgbClr r="0" g="0" b="0"/>
+      </a:effectRef>
+      <a:fontRef idx="minor">
+        <a:schemeClr val="lt1"/>
+      </a:fontRef>
+    </dgm:style>
+  </dgm:styleLbl>
+  <dgm:styleLbl name="asst1">
+    <dgm:scene3d>
+      <a:camera prst="orthographicFront"/>
+      <a:lightRig rig="threePt" dir="t"/>
+    </dgm:scene3d>
+    <dgm:sp3d/>
+    <dgm:txPr/>
+    <dgm:style>
+      <a:lnRef idx="2">
+        <a:scrgbClr r="0" g="0" b="0"/>
+      </a:lnRef>
+      <a:fillRef idx="1">
+        <a:scrgbClr r="0" g="0" b="0"/>
+      </a:fillRef>
+      <a:effectRef idx="0">
+        <a:scrgbClr r="0" g="0" b="0"/>
+      </a:effectRef>
+      <a:fontRef idx="minor">
+        <a:schemeClr val="lt1"/>
+      </a:fontRef>
+    </dgm:style>
+  </dgm:styleLbl>
+  <dgm:styleLbl name="asst2">
+    <dgm:scene3d>
+      <a:camera prst="orthographicFront"/>
+      <a:lightRig rig="threePt" dir="t"/>
+    </dgm:scene3d>
+    <dgm:sp3d/>
+    <dgm:txPr/>
+    <dgm:style>
+      <a:lnRef idx="2">
+        <a:scrgbClr r="0" g="0" b="0"/>
+      </a:lnRef>
+      <a:fillRef idx="1">
+        <a:scrgbClr r="0" g="0" b="0"/>
+      </a:fillRef>
+      <a:effectRef idx="0">
+        <a:scrgbClr r="0" g="0" b="0"/>
+      </a:effectRef>
+      <a:fontRef idx="minor">
+        <a:schemeClr val="lt1"/>
+      </a:fontRef>
+    </dgm:style>
+  </dgm:styleLbl>
+  <dgm:styleLbl name="asst3">
+    <dgm:scene3d>
+      <a:camera prst="orthographicFront"/>
+      <a:lightRig rig="threePt" dir="t"/>
+    </dgm:scene3d>
+    <dgm:sp3d/>
+    <dgm:txPr/>
+    <dgm:style>
+      <a:lnRef idx="2">
+        <a:scrgbClr r="0" g="0" b="0"/>
+      </a:lnRef>
+      <a:fillRef idx="1">
+        <a:scrgbClr r="0" g="0" b="0"/>
+      </a:fillRef>
+      <a:effectRef idx="0">
+        <a:scrgbClr r="0" g="0" b="0"/>
+      </a:effectRef>
+      <a:fontRef idx="minor">
+        <a:schemeClr val="lt1"/>
+      </a:fontRef>
+    </dgm:style>
+  </dgm:styleLbl>
+  <dgm:styleLbl name="asst4">
+    <dgm:scene3d>
+      <a:camera prst="orthographicFront"/>
+      <a:lightRig rig="threePt" dir="t"/>
+    </dgm:scene3d>
+    <dgm:sp3d/>
+    <dgm:txPr/>
+    <dgm:style>
+      <a:lnRef idx="2">
+        <a:scrgbClr r="0" g="0" b="0"/>
+      </a:lnRef>
+      <a:fillRef idx="1">
+        <a:scrgbClr r="0" g="0" b="0"/>
+      </a:fillRef>
+      <a:effectRef idx="0">
+        <a:scrgbClr r="0" g="0" b="0"/>
+      </a:effectRef>
+      <a:fontRef idx="minor">
+        <a:schemeClr val="lt1"/>
+      </a:fontRef>
+    </dgm:style>
+  </dgm:styleLbl>
+  <dgm:styleLbl name="parChTrans2D1">
+    <dgm:scene3d>
+      <a:camera prst="orthographicFront"/>
+      <a:lightRig rig="threePt" dir="t"/>
+    </dgm:scene3d>
+    <dgm:sp3d/>
+    <dgm:txPr/>
+    <dgm:style>
+      <a:lnRef idx="2">
+        <a:scrgbClr r="0" g="0" b="0"/>
+      </a:lnRef>
+      <a:fillRef idx="1">
+        <a:scrgbClr r="0" g="0" b="0"/>
+      </a:fillRef>
+      <a:effectRef idx="0">
+        <a:scrgbClr r="0" g="0" b="0"/>
+      </a:effectRef>
+      <a:fontRef idx="minor">
+        <a:schemeClr val="lt1"/>
+      </a:fontRef>
+    </dgm:style>
+  </dgm:styleLbl>
+  <dgm:styleLbl name="parChTrans2D2">
+    <dgm:scene3d>
+      <a:camera prst="orthographicFront"/>
+      <a:lightRig rig="threePt" dir="t"/>
+    </dgm:scene3d>
+    <dgm:sp3d/>
+    <dgm:txPr/>
+    <dgm:style>
+      <a:lnRef idx="2">
+        <a:scrgbClr r="0" g="0" b="0"/>
+      </a:lnRef>
+      <a:fillRef idx="1">
+        <a:scrgbClr r="0" g="0" b="0"/>
+      </a:fillRef>
+      <a:effectRef idx="0">
+        <a:scrgbClr r="0" g="0" b="0"/>
+      </a:effectRef>
+      <a:fontRef idx="minor">
+        <a:schemeClr val="lt1"/>
+      </a:fontRef>
+    </dgm:style>
+  </dgm:styleLbl>
+  <dgm:styleLbl name="parChTrans2D3">
+    <dgm:scene3d>
+      <a:camera prst="orthographicFront"/>
+      <a:lightRig rig="threePt" dir="t"/>
+    </dgm:scene3d>
+    <dgm:sp3d/>
+    <dgm:txPr/>
+    <dgm:style>
+      <a:lnRef idx="2">
+        <a:scrgbClr r="0" g="0" b="0"/>
+      </a:lnRef>
+      <a:fillRef idx="1">
+        <a:scrgbClr r="0" g="0" b="0"/>
+      </a:fillRef>
+      <a:effectRef idx="0">
+        <a:scrgbClr r="0" g="0" b="0"/>
+      </a:effectRef>
+      <a:fontRef idx="minor">
+        <a:schemeClr val="lt1"/>
+      </a:fontRef>
+    </dgm:style>
+  </dgm:styleLbl>
+  <dgm:styleLbl name="parChTrans2D4">
+    <dgm:scene3d>
+      <a:camera prst="orthographicFront"/>
+      <a:lightRig rig="threePt" dir="t"/>
+    </dgm:scene3d>
+    <dgm:sp3d/>
+    <dgm:txPr/>
+    <dgm:style>
+      <a:lnRef idx="2">
+        <a:scrgbClr r="0" g="0" b="0"/>
+      </a:lnRef>
+      <a:fillRef idx="1">
+        <a:scrgbClr r="0" g="0" b="0"/>
+      </a:fillRef>
+      <a:effectRef idx="0">
+        <a:scrgbClr r="0" g="0" b="0"/>
+      </a:effectRef>
+      <a:fontRef idx="minor">
+        <a:schemeClr val="lt1"/>
+      </a:fontRef>
+    </dgm:style>
+  </dgm:styleLbl>
+  <dgm:styleLbl name="parChTrans1D1">
+    <dgm:scene3d>
+      <a:camera prst="orthographicFront"/>
+      <a:lightRig rig="threePt" dir="t"/>
+    </dgm:scene3d>
+    <dgm:sp3d/>
+    <dgm:txPr/>
+    <dgm:style>
+      <a:lnRef idx="2">
+        <a:scrgbClr r="0" g="0" b="0"/>
+      </a:lnRef>
+      <a:fillRef idx="0">
+        <a:scrgbClr r="0" g="0" b="0"/>
+      </a:fillRef>
+      <a:effectRef idx="0">
+        <a:scrgbClr r="0" g="0" b="0"/>
+      </a:effectRef>
+      <a:fontRef idx="minor"/>
+    </dgm:style>
+  </dgm:styleLbl>
+  <dgm:styleLbl name="parChTrans1D2">
+    <dgm:scene3d>
+      <a:camera prst="orthographicFront"/>
+      <a:lightRig rig="threePt" dir="t"/>
+    </dgm:scene3d>
+    <dgm:sp3d/>
+    <dgm:txPr/>
+    <dgm:style>
+      <a:lnRef idx="2">
+        <a:scrgbClr r="0" g="0" b="0"/>
+      </a:lnRef>
+      <a:fillRef idx="0">
+        <a:scrgbClr r="0" g="0" b="0"/>
+      </a:fillRef>
+      <a:effectRef idx="0">
+        <a:scrgbClr r="0" g="0" b="0"/>
+      </a:effectRef>
+      <a:fontRef idx="minor"/>
+    </dgm:style>
+  </dgm:styleLbl>
+  <dgm:styleLbl name="parChTrans1D3">
+    <dgm:scene3d>
+      <a:camera prst="orthographicFront"/>
+      <a:lightRig rig="threePt" dir="t"/>
+    </dgm:scene3d>
+    <dgm:sp3d/>
+    <dgm:txPr/>
+    <dgm:style>
+      <a:lnRef idx="2">
+        <a:scrgbClr r="0" g="0" b="0"/>
+      </a:lnRef>
+      <a:fillRef idx="0">
+        <a:scrgbClr r="0" g="0" b="0"/>
+      </a:fillRef>
+      <a:effectRef idx="0">
+        <a:scrgbClr r="0" g="0" b="0"/>
+      </a:effectRef>
+      <a:fontRef idx="minor"/>
+    </dgm:style>
+  </dgm:styleLbl>
+  <dgm:styleLbl name="parChTrans1D4">
+    <dgm:scene3d>
+      <a:camera prst="orthographicFront"/>
+      <a:lightRig rig="threePt" dir="t"/>
+    </dgm:scene3d>
+    <dgm:sp3d/>
+    <dgm:txPr/>
+    <dgm:style>
+      <a:lnRef idx="2">
+        <a:scrgbClr r="0" g="0" b="0"/>
+      </a:lnRef>
+      <a:fillRef idx="0">
+        <a:scrgbClr r="0" g="0" b="0"/>
+      </a:fillRef>
+      <a:effectRef idx="0">
+        <a:scrgbClr r="0" g="0" b="0"/>
+      </a:effectRef>
+      <a:fontRef idx="minor"/>
+    </dgm:style>
+  </dgm:styleLbl>
+  <dgm:styleLbl name="fgAcc1">
+    <dgm:scene3d>
+      <a:camera prst="orthographicFront"/>
+      <a:lightRig rig="threePt" dir="t"/>
+    </dgm:scene3d>
+    <dgm:sp3d/>
+    <dgm:txPr/>
+    <dgm:style>
+      <a:lnRef idx="2">
+        <a:scrgbClr r="0" g="0" b="0"/>
+      </a:lnRef>
+      <a:fillRef idx="1">
+        <a:scrgbClr r="0" g="0" b="0"/>
+      </a:fillRef>
+      <a:effectRef idx="0">
+        <a:scrgbClr r="0" g="0" b="0"/>
+      </a:effectRef>
+      <a:fontRef idx="minor"/>
+    </dgm:style>
+  </dgm:styleLbl>
+  <dgm:styleLbl name="conFgAcc1">
+    <dgm:scene3d>
+      <a:camera prst="orthographicFront"/>
+      <a:lightRig rig="threePt" dir="t"/>
+    </dgm:scene3d>
+    <dgm:sp3d/>
+    <dgm:txPr/>
+    <dgm:style>
+      <a:lnRef idx="2">
+        <a:scrgbClr r="0" g="0" b="0"/>
+      </a:lnRef>
+      <a:fillRef idx="1">
+        <a:scrgbClr r="0" g="0" b="0"/>
+      </a:fillRef>
+      <a:effectRef idx="0">
+        <a:scrgbClr r="0" g="0" b="0"/>
+      </a:effectRef>
+      <a:fontRef idx="minor"/>
+    </dgm:style>
+  </dgm:styleLbl>
+  <dgm:styleLbl name="alignAcc1">
+    <dgm:scene3d>
+      <a:camera prst="orthographicFront"/>
+      <a:lightRig rig="threePt" dir="t"/>
+    </dgm:scene3d>
+    <dgm:sp3d/>
+    <dgm:txPr/>
+    <dgm:style>
+      <a:lnRef idx="2">
+        <a:scrgbClr r="0" g="0" b="0"/>
+      </a:lnRef>
+      <a:fillRef idx="1">
+        <a:scrgbClr r="0" g="0" b="0"/>
+      </a:fillRef>
+      <a:effectRef idx="0">
+        <a:scrgbClr r="0" g="0" b="0"/>
+      </a:effectRef>
+      <a:fontRef idx="minor"/>
+    </dgm:style>
+  </dgm:styleLbl>
+  <dgm:styleLbl name="trAlignAcc1">
+    <dgm:scene3d>
+      <a:camera prst="orthographicFront"/>
+      <a:lightRig rig="threePt" dir="t"/>
+    </dgm:scene3d>
+    <dgm:sp3d/>
+    <dgm:txPr/>
+    <dgm:style>
+      <a:lnRef idx="1">
+        <a:scrgbClr r="0" g="0" b="0"/>
+      </a:lnRef>
+      <a:fillRef idx="1">
+        <a:scrgbClr r="0" g="0" b="0"/>
+      </a:fillRef>
+      <a:effectRef idx="0">
+        <a:scrgbClr r="0" g="0" b="0"/>
+      </a:effectRef>
+      <a:fontRef idx="minor"/>
+    </dgm:style>
+  </dgm:styleLbl>
+  <dgm:styleLbl name="bgAcc1">
+    <dgm:scene3d>
+      <a:camera prst="orthographicFront"/>
+      <a:lightRig rig="threePt" dir="t"/>
+    </dgm:scene3d>
+    <dgm:sp3d/>
+    <dgm:txPr/>
+    <dgm:style>
+      <a:lnRef idx="2">
+        <a:scrgbClr r="0" g="0" b="0"/>
+      </a:lnRef>
+      <a:fillRef idx="1">
+        <a:scrgbClr r="0" g="0" b="0"/>
+      </a:fillRef>
+      <a:effectRef idx="0">
+        <a:scrgbClr r="0" g="0" b="0"/>
+      </a:effectRef>
+      <a:fontRef idx="minor"/>
+    </dgm:style>
+  </dgm:styleLbl>
+  <dgm:styleLbl name="solidFgAcc1">
+    <dgm:scene3d>
+      <a:camera prst="orthographicFront"/>
+      <a:lightRig rig="threePt" dir="t"/>
+    </dgm:scene3d>
+    <dgm:sp3d/>
+    <dgm:txPr/>
+    <dgm:style>
+      <a:lnRef idx="2">
+        <a:scrgbClr r="0" g="0" b="0"/>
+      </a:lnRef>
+      <a:fillRef idx="1">
+        <a:scrgbClr r="0" g="0" b="0"/>
+      </a:fillRef>
+      <a:effectRef idx="0">
+        <a:scrgbClr r="0" g="0" b="0"/>
+      </a:effectRef>
+      <a:fontRef idx="minor"/>
+    </dgm:style>
+  </dgm:styleLbl>
+  <dgm:styleLbl name="solidAlignAcc1">
+    <dgm:scene3d>
+      <a:camera prst="orthographicFront"/>
+      <a:lightRig rig="threePt" dir="t"/>
+    </dgm:scene3d>
+    <dgm:sp3d/>
+    <dgm:txPr/>
+    <dgm:style>
+      <a:lnRef idx="2">
+        <a:scrgbClr r="0" g="0" b="0"/>
+      </a:lnRef>
+      <a:fillRef idx="1">
+        <a:scrgbClr r="0" g="0" b="0"/>
+      </a:fillRef>
+      <a:effectRef idx="0">
+        <a:scrgbClr r="0" g="0" b="0"/>
+      </a:effectRef>
+      <a:fontRef idx="minor"/>
+    </dgm:style>
+  </dgm:styleLbl>
+  <dgm:styleLbl name="solidBgAcc1">
+    <dgm:scene3d>
+      <a:camera prst="orthographicFront"/>
+      <a:lightRig rig="threePt" dir="t"/>
+    </dgm:scene3d>
+    <dgm:sp3d/>
+    <dgm:txPr/>
+    <dgm:style>
+      <a:lnRef idx="2">
+        <a:scrgbClr r="0" g="0" b="0"/>
+      </a:lnRef>
+      <a:fillRef idx="1">
+        <a:scrgbClr r="0" g="0" b="0"/>
+      </a:fillRef>
+      <a:effectRef idx="0">
+        <a:scrgbClr r="0" g="0" b="0"/>
+      </a:effectRef>
+      <a:fontRef idx="minor"/>
+    </dgm:style>
+  </dgm:styleLbl>
+  <dgm:styleLbl name="fgAccFollowNode1">
+    <dgm:scene3d>
+      <a:camera prst="orthographicFront"/>
+      <a:lightRig rig="threePt" dir="t"/>
+    </dgm:scene3d>
+    <dgm:sp3d/>
+    <dgm:txPr/>
+    <dgm:style>
+      <a:lnRef idx="2">
+        <a:scrgbClr r="0" g="0" b="0"/>
+      </a:lnRef>
+      <a:fillRef idx="1">
+        <a:scrgbClr r="0" g="0" b="0"/>
+      </a:fillRef>
+      <a:effectRef idx="0">
+        <a:scrgbClr r="0" g="0" b="0"/>
+      </a:effectRef>
+      <a:fontRef idx="minor"/>
+    </dgm:style>
+  </dgm:styleLbl>
+  <dgm:styleLbl name="alignAccFollowNode1">
+    <dgm:scene3d>
+      <a:camera prst="orthographicFront"/>
+      <a:lightRig rig="threePt" dir="t"/>
+    </dgm:scene3d>
+    <dgm:sp3d/>
+    <dgm:txPr/>
+    <dgm:style>
+      <a:lnRef idx="2">
+        <a:scrgbClr r="0" g="0" b="0"/>
+      </a:lnRef>
+      <a:fillRef idx="1">
+        <a:scrgbClr r="0" g="0" b="0"/>
+      </a:fillRef>
+      <a:effectRef idx="0">
+        <a:scrgbClr r="0" g="0" b="0"/>
+      </a:effectRef>
+      <a:fontRef idx="minor"/>
+    </dgm:style>
+  </dgm:styleLbl>
+  <dgm:styleLbl name="bgAccFollowNode1">
+    <dgm:scene3d>
+      <a:camera prst="orthographicFront"/>
+      <a:lightRig rig="threePt" dir="t"/>
+    </dgm:scene3d>
+    <dgm:sp3d/>
+    <dgm:txPr/>
+    <dgm:style>
+      <a:lnRef idx="2">
+        <a:scrgbClr r="0" g="0" b="0"/>
+      </a:lnRef>
+      <a:fillRef idx="1">
+        <a:scrgbClr r="0" g="0" b="0"/>
+      </a:fillRef>
+      <a:effectRef idx="0">
+        <a:scrgbClr r="0" g="0" b="0"/>
+      </a:effectRef>
+      <a:fontRef idx="minor"/>
+    </dgm:style>
+  </dgm:styleLbl>
+  <dgm:styleLbl name="fgAcc0">
+    <dgm:scene3d>
+      <a:camera prst="orthographicFront"/>
+      <a:lightRig rig="threePt" dir="t"/>
+    </dgm:scene3d>
+    <dgm:sp3d/>
+    <dgm:txPr/>
+    <dgm:style>
+      <a:lnRef idx="2">
+        <a:scrgbClr r="0" g="0" b="0"/>
+      </a:lnRef>
+      <a:fillRef idx="1">
+        <a:scrgbClr r="0" g="0" b="0"/>
+      </a:fillRef>
+      <a:effectRef idx="0">
+        <a:scrgbClr r="0" g="0" b="0"/>
+      </a:effectRef>
+      <a:fontRef idx="minor"/>
+    </dgm:style>
+  </dgm:styleLbl>
+  <dgm:styleLbl name="fgAcc2">
+    <dgm:scene3d>
+      <a:camera prst="orthographicFront"/>
+      <a:lightRig rig="threePt" dir="t"/>
+    </dgm:scene3d>
+    <dgm:sp3d/>
+    <dgm:txPr/>
+    <dgm:style>
+      <a:lnRef idx="2">
+        <a:scrgbClr r="0" g="0" b="0"/>
+      </a:lnRef>
+      <a:fillRef idx="1">
+        <a:scrgbClr r="0" g="0" b="0"/>
+      </a:fillRef>
+      <a:effectRef idx="0">
+        <a:scrgbClr r="0" g="0" b="0"/>
+      </a:effectRef>
+      <a:fontRef idx="minor"/>
+    </dgm:style>
+  </dgm:styleLbl>
+  <dgm:styleLbl name="fgAcc3">
+    <dgm:scene3d>
+      <a:camera prst="orthographicFront"/>
+      <a:lightRig rig="threePt" dir="t"/>
+    </dgm:scene3d>
+    <dgm:sp3d/>
+    <dgm:txPr/>
+    <dgm:style>
+      <a:lnRef idx="2">
+        <a:scrgbClr r="0" g="0" b="0"/>
+      </a:lnRef>
+      <a:fillRef idx="1">
+        <a:scrgbClr r="0" g="0" b="0"/>
+      </a:fillRef>
+      <a:effectRef idx="0">
+        <a:scrgbClr r="0" g="0" b="0"/>
+      </a:effectRef>
+      <a:fontRef idx="minor"/>
+    </dgm:style>
+  </dgm:styleLbl>
+  <dgm:styleLbl name="fgAcc4">
+    <dgm:scene3d>
+      <a:camera prst="orthographicFront"/>
+      <a:lightRig rig="threePt" dir="t"/>
+    </dgm:scene3d>
+    <dgm:sp3d/>
+    <dgm:txPr/>
+    <dgm:style>
+      <a:lnRef idx="2">
+        <a:scrgbClr r="0" g="0" b="0"/>
+      </a:lnRef>
+      <a:fillRef idx="1">
+        <a:scrgbClr r="0" g="0" b="0"/>
+      </a:fillRef>
+      <a:effectRef idx="0">
+        <a:scrgbClr r="0" g="0" b="0"/>
+      </a:effectRef>
+      <a:fontRef idx="minor"/>
+    </dgm:style>
+  </dgm:styleLbl>
+  <dgm:styleLbl name="bgShp">
+    <dgm:scene3d>
+      <a:camera prst="orthographicFront"/>
+      <a:lightRig rig="threePt" dir="t"/>
+    </dgm:scene3d>
+    <dgm:sp3d/>
+    <dgm:txPr/>
+    <dgm:style>
+      <a:lnRef idx="0">
+        <a:scrgbClr r="0" g="0" b="0"/>
+      </a:lnRef>
+      <a:fillRef idx="1">
+        <a:scrgbClr r="0" g="0" b="0"/>
+      </a:fillRef>
+      <a:effectRef idx="0">
+        <a:scrgbClr r="0" g="0" b="0"/>
+      </a:effectRef>
+      <a:fontRef idx="minor"/>
+    </dgm:style>
+  </dgm:styleLbl>
+  <dgm:styleLbl name="dkBgShp">
+    <dgm:scene3d>
+      <a:camera prst="orthographicFront"/>
+      <a:lightRig rig="threePt" dir="t"/>
+    </dgm:scene3d>
+    <dgm:sp3d/>
+    <dgm:txPr/>
+    <dgm:style>
+      <a:lnRef idx="0">
+        <a:scrgbClr r="0" g="0" b="0"/>
+      </a:lnRef>
+      <a:fillRef idx="1">
+        <a:scrgbClr r="0" g="0" b="0"/>
+      </a:fillRef>
+      <a:effectRef idx="0">
+        <a:scrgbClr r="0" g="0" b="0"/>
+      </a:effectRef>
+      <a:fontRef idx="minor"/>
+    </dgm:style>
+  </dgm:styleLbl>
+  <dgm:styleLbl name="trBgShp">
+    <dgm:scene3d>
+      <a:camera prst="orthographicFront"/>
+      <a:lightRig rig="threePt" dir="t"/>
+    </dgm:scene3d>
+    <dgm:sp3d/>
+    <dgm:txPr/>
+    <dgm:style>
+      <a:lnRef idx="0">
+        <a:scrgbClr r="0" g="0" b="0"/>
+      </a:lnRef>
+      <a:fillRef idx="1">
+        <a:scrgbClr r="0" g="0" b="0"/>
+      </a:fillRef>
+      <a:effectRef idx="0">
+        <a:scrgbClr r="0" g="0" b="0"/>
+      </a:effectRef>
+      <a:fontRef idx="minor"/>
+    </dgm:style>
+  </dgm:styleLbl>
+  <dgm:styleLbl name="fgShp">
+    <dgm:scene3d>
+      <a:camera prst="orthographicFront"/>
+      <a:lightRig rig="threePt" dir="t"/>
+    </dgm:scene3d>
+    <dgm:sp3d/>
+    <dgm:txPr/>
+    <dgm:style>
+      <a:lnRef idx="2">
+        <a:scrgbClr r="0" g="0" b="0"/>
+      </a:lnRef>
+      <a:fillRef idx="1">
+        <a:scrgbClr r="0" g="0" b="0"/>
+      </a:fillRef>
+      <a:effectRef idx="0">
+        <a:scrgbClr r="0" g="0" b="0"/>
+      </a:effectRef>
+      <a:fontRef idx="minor"/>
+    </dgm:style>
+  </dgm:styleLbl>
+  <dgm:styleLbl name="revTx">
+    <dgm:scene3d>
+      <a:camera prst="orthographicFront"/>
+      <a:lightRig rig="threePt" dir="t"/>
+    </dgm:scene3d>
+    <dgm:sp3d/>
+    <dgm:txPr/>
+    <dgm:style>
+      <a:lnRef idx="0">
+        <a:scrgbClr r="0" g="0" b="0"/>
+      </a:lnRef>
+      <a:fillRef idx="0">
+        <a:scrgbClr r="0" g="0" b="0"/>
+      </a:fillRef>
+      <a:effectRef idx="0">
+        <a:scrgbClr r="0" g="0" b="0"/>
+      </a:effectRef>
+      <a:fontRef idx="minor"/>
+    </dgm:style>
+  </dgm:styleLbl>
+</dgm:styleDef>
 </file>
 
 <file path=ppt/notesMasters/notesMaster1.xml><?xml version="1.0" encoding="utf-8"?>
@@ -227,7 +3401,7 @@
           <a:p>
             <a:fld id="{6CCEAF19-C289-49A9-AE28-039FAE88DAB0}" type="datetimeFigureOut">
               <a:rPr lang="fr-FR" smtClean="0"/>
-              <a:t>06/03/2020</a:t>
+              <a:t>08/03/2020</a:t>
             </a:fld>
             <a:endParaRPr lang="fr-FR"/>
           </a:p>
@@ -649,7 +3823,7 @@
           <a:p>
             <a:fld id="{BAE9156C-F553-41F1-BD31-99D6DEC88182}" type="datetime1">
               <a:rPr lang="fr-FR" smtClean="0"/>
-              <a:t>06/03/2020</a:t>
+              <a:t>08/03/2020</a:t>
             </a:fld>
             <a:endParaRPr lang="fr-FR" dirty="0"/>
           </a:p>
@@ -858,7 +4032,7 @@
           <a:p>
             <a:fld id="{9DE9F97E-D9D7-4ED4-981D-5BB0E021D1E3}" type="datetime1">
               <a:rPr lang="fr-FR" smtClean="0"/>
-              <a:t>06/03/2020</a:t>
+              <a:t>08/03/2020</a:t>
             </a:fld>
             <a:endParaRPr lang="fr-FR"/>
           </a:p>
@@ -1077,7 +4251,7 @@
           <a:p>
             <a:fld id="{2E59099B-870D-4337-A683-A815E78FFECD}" type="datetime1">
               <a:rPr lang="fr-FR" smtClean="0"/>
-              <a:t>06/03/2020</a:t>
+              <a:t>08/03/2020</a:t>
             </a:fld>
             <a:endParaRPr lang="fr-FR"/>
           </a:p>
@@ -1286,7 +4460,7 @@
           <a:p>
             <a:fld id="{C92B0687-3B2B-4F31-98D2-2FC49092FD42}" type="datetime1">
               <a:rPr lang="fr-FR" smtClean="0"/>
-              <a:t>06/03/2020</a:t>
+              <a:t>08/03/2020</a:t>
             </a:fld>
             <a:endParaRPr lang="fr-FR"/>
           </a:p>
@@ -1572,7 +4746,7 @@
           <a:p>
             <a:fld id="{D7F9D2F2-5976-4FF5-9548-0A2A8BF692C7}" type="datetime1">
               <a:rPr lang="fr-FR" smtClean="0"/>
-              <a:t>06/03/2020</a:t>
+              <a:t>08/03/2020</a:t>
             </a:fld>
             <a:endParaRPr lang="fr-FR"/>
           </a:p>
@@ -1848,7 +5022,7 @@
           <a:p>
             <a:fld id="{6827929E-FB81-4D6D-AC37-21CBADBF2A78}" type="datetime1">
               <a:rPr lang="fr-FR" smtClean="0"/>
-              <a:t>06/03/2020</a:t>
+              <a:t>08/03/2020</a:t>
             </a:fld>
             <a:endParaRPr lang="fr-FR"/>
           </a:p>
@@ -2271,7 +5445,7 @@
           <a:p>
             <a:fld id="{C270C715-F1D2-4F86-ACC2-5B0EE326C35C}" type="datetime1">
               <a:rPr lang="fr-FR" smtClean="0"/>
-              <a:t>06/03/2020</a:t>
+              <a:t>08/03/2020</a:t>
             </a:fld>
             <a:endParaRPr lang="fr-FR"/>
           </a:p>
@@ -2423,7 +5597,7 @@
           <a:p>
             <a:fld id="{90A36232-79AA-4ED7-837B-3FDEE0A7470C}" type="datetime1">
               <a:rPr lang="fr-FR" smtClean="0"/>
-              <a:t>06/03/2020</a:t>
+              <a:t>08/03/2020</a:t>
             </a:fld>
             <a:endParaRPr lang="fr-FR"/>
           </a:p>
@@ -2547,7 +5721,7 @@
           <a:p>
             <a:fld id="{2F0A5300-F5CE-4770-A4CB-B72564FF9B9D}" type="datetime1">
               <a:rPr lang="fr-FR" smtClean="0"/>
-              <a:t>06/03/2020</a:t>
+              <a:t>08/03/2020</a:t>
             </a:fld>
             <a:endParaRPr lang="fr-FR"/>
           </a:p>
@@ -2869,7 +6043,7 @@
           <a:p>
             <a:fld id="{D833E657-2527-4147-A496-77D76680930E}" type="datetime1">
               <a:rPr lang="fr-FR" smtClean="0"/>
-              <a:t>06/03/2020</a:t>
+              <a:t>08/03/2020</a:t>
             </a:fld>
             <a:endParaRPr lang="fr-FR"/>
           </a:p>
@@ -3168,7 +6342,7 @@
           <a:p>
             <a:fld id="{3A3BE854-0303-4AE7-A6B0-F41B4F279F95}" type="datetime1">
               <a:rPr lang="fr-FR" smtClean="0"/>
-              <a:t>06/03/2020</a:t>
+              <a:t>08/03/2020</a:t>
             </a:fld>
             <a:endParaRPr lang="fr-FR"/>
           </a:p>
@@ -3970,6 +7144,821 @@
 </p:sld>
 </file>
 
+<file path=ppt/slides/slide10.xml><?xml version="1.0" encoding="utf-8"?>
+<p:sld xmlns:a="http://schemas.openxmlformats.org/drawingml/2006/main" xmlns:r="http://schemas.openxmlformats.org/officeDocument/2006/relationships" xmlns:p="http://schemas.openxmlformats.org/presentationml/2006/main">
+  <p:cSld>
+    <p:spTree>
+      <p:nvGrpSpPr>
+        <p:cNvPr id="1" name=""/>
+        <p:cNvGrpSpPr/>
+        <p:nvPr/>
+      </p:nvGrpSpPr>
+      <p:grpSpPr>
+        <a:xfrm>
+          <a:off x="0" y="0"/>
+          <a:ext cx="0" cy="0"/>
+          <a:chOff x="0" y="0"/>
+          <a:chExt cx="0" cy="0"/>
+        </a:xfrm>
+      </p:grpSpPr>
+      <p:sp>
+        <p:nvSpPr>
+          <p:cNvPr id="2" name="Titre 1">
+            <a:extLst>
+              <a:ext uri="{FF2B5EF4-FFF2-40B4-BE49-F238E27FC236}">
+                <a16:creationId xmlns:a16="http://schemas.microsoft.com/office/drawing/2014/main" id="{CB0AC380-E0AE-4618-A842-609242362220}"/>
+              </a:ext>
+            </a:extLst>
+          </p:cNvPr>
+          <p:cNvSpPr>
+            <a:spLocks noGrp="1"/>
+          </p:cNvSpPr>
+          <p:nvPr>
+            <p:ph type="title"/>
+          </p:nvPr>
+        </p:nvSpPr>
+        <p:spPr/>
+        <p:txBody>
+          <a:bodyPr/>
+          <a:lstStyle/>
+          <a:p>
+            <a:pPr algn="r"/>
+            <a:r>
+              <a:rPr lang="fr-FR" dirty="0">
+                <a:latin typeface="Bahnschrift" panose="020B0502040204020203" pitchFamily="34" charset="0"/>
+              </a:rPr>
+              <a:t>Seconde maquette</a:t>
+            </a:r>
+          </a:p>
+        </p:txBody>
+      </p:sp>
+      <p:pic>
+        <p:nvPicPr>
+          <p:cNvPr id="7" name="Espace réservé du contenu 6" descr="Une image contenant capture d’écran&#10;&#10;Description générée automatiquement">
+            <a:extLst>
+              <a:ext uri="{FF2B5EF4-FFF2-40B4-BE49-F238E27FC236}">
+                <a16:creationId xmlns:a16="http://schemas.microsoft.com/office/drawing/2014/main" id="{ECCDCB37-69CB-42FF-9F1D-A4BFBBAE9334}"/>
+              </a:ext>
+            </a:extLst>
+          </p:cNvPr>
+          <p:cNvPicPr>
+            <a:picLocks noGrp="1" noChangeAspect="1"/>
+          </p:cNvPicPr>
+          <p:nvPr>
+            <p:ph idx="1"/>
+          </p:nvPr>
+        </p:nvPicPr>
+        <p:blipFill>
+          <a:blip r:embed="rId2">
+            <a:extLst>
+              <a:ext uri="{28A0092B-C50C-407E-A947-70E740481C1C}">
+                <a14:useLocalDpi xmlns:a14="http://schemas.microsoft.com/office/drawing/2010/main" val="0"/>
+              </a:ext>
+            </a:extLst>
+          </a:blip>
+          <a:stretch>
+            <a:fillRect/>
+          </a:stretch>
+        </p:blipFill>
+        <p:spPr>
+          <a:xfrm>
+            <a:off x="1405128" y="1472012"/>
+            <a:ext cx="9381743" cy="4855386"/>
+          </a:xfrm>
+        </p:spPr>
+      </p:pic>
+      <p:sp>
+        <p:nvSpPr>
+          <p:cNvPr id="4" name="Espace réservé du pied de page 3">
+            <a:extLst>
+              <a:ext uri="{FF2B5EF4-FFF2-40B4-BE49-F238E27FC236}">
+                <a16:creationId xmlns:a16="http://schemas.microsoft.com/office/drawing/2014/main" id="{9FBDD93B-312E-4EEA-A7FD-4C7A96242AA9}"/>
+              </a:ext>
+            </a:extLst>
+          </p:cNvPr>
+          <p:cNvSpPr>
+            <a:spLocks noGrp="1"/>
+          </p:cNvSpPr>
+          <p:nvPr>
+            <p:ph type="ftr" sz="quarter" idx="11"/>
+          </p:nvPr>
+        </p:nvSpPr>
+        <p:spPr/>
+        <p:txBody>
+          <a:bodyPr/>
+          <a:lstStyle/>
+          <a:p>
+            <a:r>
+              <a:rPr lang="fr-FR"/>
+              <a:t>Projet tutoré s2</a:t>
+            </a:r>
+          </a:p>
+        </p:txBody>
+      </p:sp>
+      <p:sp>
+        <p:nvSpPr>
+          <p:cNvPr id="5" name="Espace réservé du numéro de diapositive 4">
+            <a:extLst>
+              <a:ext uri="{FF2B5EF4-FFF2-40B4-BE49-F238E27FC236}">
+                <a16:creationId xmlns:a16="http://schemas.microsoft.com/office/drawing/2014/main" id="{73EDB2D4-3EF7-4224-98F6-9E5DEF56B829}"/>
+              </a:ext>
+            </a:extLst>
+          </p:cNvPr>
+          <p:cNvSpPr>
+            <a:spLocks noGrp="1"/>
+          </p:cNvSpPr>
+          <p:nvPr>
+            <p:ph type="sldNum" sz="quarter" idx="12"/>
+          </p:nvPr>
+        </p:nvSpPr>
+        <p:spPr/>
+        <p:txBody>
+          <a:bodyPr/>
+          <a:lstStyle/>
+          <a:p>
+            <a:fld id="{2C13A817-8AED-4F61-AD87-56EE9DC6BB4C}" type="slidenum">
+              <a:rPr lang="fr-FR" smtClean="0"/>
+              <a:t>10</a:t>
+            </a:fld>
+            <a:endParaRPr lang="fr-FR"/>
+          </a:p>
+        </p:txBody>
+      </p:sp>
+    </p:spTree>
+    <p:extLst>
+      <p:ext uri="{BB962C8B-B14F-4D97-AF65-F5344CB8AC3E}">
+        <p14:creationId xmlns:p14="http://schemas.microsoft.com/office/powerpoint/2010/main" val="2890861342"/>
+      </p:ext>
+    </p:extLst>
+  </p:cSld>
+  <p:clrMapOvr>
+    <a:masterClrMapping/>
+  </p:clrMapOvr>
+</p:sld>
+</file>
+
+<file path=ppt/slides/slide11.xml><?xml version="1.0" encoding="utf-8"?>
+<p:sld xmlns:a="http://schemas.openxmlformats.org/drawingml/2006/main" xmlns:r="http://schemas.openxmlformats.org/officeDocument/2006/relationships" xmlns:p="http://schemas.openxmlformats.org/presentationml/2006/main">
+  <p:cSld>
+    <p:spTree>
+      <p:nvGrpSpPr>
+        <p:cNvPr id="1" name=""/>
+        <p:cNvGrpSpPr/>
+        <p:nvPr/>
+      </p:nvGrpSpPr>
+      <p:grpSpPr>
+        <a:xfrm>
+          <a:off x="0" y="0"/>
+          <a:ext cx="0" cy="0"/>
+          <a:chOff x="0" y="0"/>
+          <a:chExt cx="0" cy="0"/>
+        </a:xfrm>
+      </p:grpSpPr>
+      <p:sp>
+        <p:nvSpPr>
+          <p:cNvPr id="2" name="Titre 1">
+            <a:extLst>
+              <a:ext uri="{FF2B5EF4-FFF2-40B4-BE49-F238E27FC236}">
+                <a16:creationId xmlns:a16="http://schemas.microsoft.com/office/drawing/2014/main" id="{D755D6B1-2B60-40BF-A2A5-313AD9DA990B}"/>
+              </a:ext>
+            </a:extLst>
+          </p:cNvPr>
+          <p:cNvSpPr>
+            <a:spLocks noGrp="1"/>
+          </p:cNvSpPr>
+          <p:nvPr>
+            <p:ph type="title"/>
+          </p:nvPr>
+        </p:nvSpPr>
+        <p:spPr/>
+        <p:txBody>
+          <a:bodyPr/>
+          <a:lstStyle/>
+          <a:p>
+            <a:r>
+              <a:rPr lang="fr-FR" dirty="0">
+                <a:latin typeface="Bahnschrift" panose="020B0502040204020203" pitchFamily="34" charset="0"/>
+              </a:rPr>
+              <a:t>Notre répartition des tâches</a:t>
+            </a:r>
+          </a:p>
+        </p:txBody>
+      </p:sp>
+      <p:sp>
+        <p:nvSpPr>
+          <p:cNvPr id="3" name="Espace réservé du texte 2">
+            <a:extLst>
+              <a:ext uri="{FF2B5EF4-FFF2-40B4-BE49-F238E27FC236}">
+                <a16:creationId xmlns:a16="http://schemas.microsoft.com/office/drawing/2014/main" id="{F3A62A69-ABDE-4FFC-9C10-97E2AE904075}"/>
+              </a:ext>
+            </a:extLst>
+          </p:cNvPr>
+          <p:cNvSpPr>
+            <a:spLocks noGrp="1"/>
+          </p:cNvSpPr>
+          <p:nvPr>
+            <p:ph type="body" idx="1"/>
+          </p:nvPr>
+        </p:nvSpPr>
+        <p:spPr/>
+        <p:txBody>
+          <a:bodyPr/>
+          <a:lstStyle/>
+          <a:p>
+            <a:endParaRPr lang="fr-FR"/>
+          </a:p>
+        </p:txBody>
+      </p:sp>
+      <p:sp>
+        <p:nvSpPr>
+          <p:cNvPr id="4" name="Espace réservé du pied de page 3">
+            <a:extLst>
+              <a:ext uri="{FF2B5EF4-FFF2-40B4-BE49-F238E27FC236}">
+                <a16:creationId xmlns:a16="http://schemas.microsoft.com/office/drawing/2014/main" id="{71AE414F-A0F0-4DDE-8297-0E0D3FE0B520}"/>
+              </a:ext>
+            </a:extLst>
+          </p:cNvPr>
+          <p:cNvSpPr>
+            <a:spLocks noGrp="1"/>
+          </p:cNvSpPr>
+          <p:nvPr>
+            <p:ph type="ftr" sz="quarter" idx="11"/>
+          </p:nvPr>
+        </p:nvSpPr>
+        <p:spPr/>
+        <p:txBody>
+          <a:bodyPr/>
+          <a:lstStyle/>
+          <a:p>
+            <a:r>
+              <a:rPr lang="fr-FR"/>
+              <a:t>Projet tutoré s2</a:t>
+            </a:r>
+          </a:p>
+        </p:txBody>
+      </p:sp>
+      <p:sp>
+        <p:nvSpPr>
+          <p:cNvPr id="5" name="Espace réservé du numéro de diapositive 4">
+            <a:extLst>
+              <a:ext uri="{FF2B5EF4-FFF2-40B4-BE49-F238E27FC236}">
+                <a16:creationId xmlns:a16="http://schemas.microsoft.com/office/drawing/2014/main" id="{B6B1C177-E841-4F2F-8A03-8043A4495737}"/>
+              </a:ext>
+            </a:extLst>
+          </p:cNvPr>
+          <p:cNvSpPr>
+            <a:spLocks noGrp="1"/>
+          </p:cNvSpPr>
+          <p:nvPr>
+            <p:ph type="sldNum" sz="quarter" idx="12"/>
+          </p:nvPr>
+        </p:nvSpPr>
+        <p:spPr/>
+        <p:txBody>
+          <a:bodyPr/>
+          <a:lstStyle/>
+          <a:p>
+            <a:fld id="{2C13A817-8AED-4F61-AD87-56EE9DC6BB4C}" type="slidenum">
+              <a:rPr lang="fr-FR" smtClean="0"/>
+              <a:t>11</a:t>
+            </a:fld>
+            <a:endParaRPr lang="fr-FR"/>
+          </a:p>
+        </p:txBody>
+      </p:sp>
+    </p:spTree>
+    <p:extLst>
+      <p:ext uri="{BB962C8B-B14F-4D97-AF65-F5344CB8AC3E}">
+        <p14:creationId xmlns:p14="http://schemas.microsoft.com/office/powerpoint/2010/main" val="1385454609"/>
+      </p:ext>
+    </p:extLst>
+  </p:cSld>
+  <p:clrMapOvr>
+    <a:masterClrMapping/>
+  </p:clrMapOvr>
+</p:sld>
+</file>
+
+<file path=ppt/slides/slide12.xml><?xml version="1.0" encoding="utf-8"?>
+<p:sld xmlns:a="http://schemas.openxmlformats.org/drawingml/2006/main" xmlns:r="http://schemas.openxmlformats.org/officeDocument/2006/relationships" xmlns:p="http://schemas.openxmlformats.org/presentationml/2006/main">
+  <p:cSld>
+    <p:spTree>
+      <p:nvGrpSpPr>
+        <p:cNvPr id="1" name=""/>
+        <p:cNvGrpSpPr/>
+        <p:nvPr/>
+      </p:nvGrpSpPr>
+      <p:grpSpPr>
+        <a:xfrm>
+          <a:off x="0" y="0"/>
+          <a:ext cx="0" cy="0"/>
+          <a:chOff x="0" y="0"/>
+          <a:chExt cx="0" cy="0"/>
+        </a:xfrm>
+      </p:grpSpPr>
+      <p:sp>
+        <p:nvSpPr>
+          <p:cNvPr id="2" name="Titre 1">
+            <a:extLst>
+              <a:ext uri="{FF2B5EF4-FFF2-40B4-BE49-F238E27FC236}">
+                <a16:creationId xmlns:a16="http://schemas.microsoft.com/office/drawing/2014/main" id="{DB316BD2-63A4-4C1E-ACFE-FA3AED92C1FE}"/>
+              </a:ext>
+            </a:extLst>
+          </p:cNvPr>
+          <p:cNvSpPr>
+            <a:spLocks noGrp="1"/>
+          </p:cNvSpPr>
+          <p:nvPr>
+            <p:ph type="title"/>
+          </p:nvPr>
+        </p:nvSpPr>
+        <p:spPr/>
+        <p:txBody>
+          <a:bodyPr/>
+          <a:lstStyle/>
+          <a:p>
+            <a:pPr algn="r"/>
+            <a:r>
+              <a:rPr lang="fr-FR" dirty="0">
+                <a:latin typeface="Bahnschrift" panose="020B0502040204020203" pitchFamily="34" charset="0"/>
+              </a:rPr>
+              <a:t>Répartition des tâches</a:t>
+            </a:r>
+          </a:p>
+        </p:txBody>
+      </p:sp>
+      <p:sp>
+        <p:nvSpPr>
+          <p:cNvPr id="6" name="Espace réservé du texte 5">
+            <a:extLst>
+              <a:ext uri="{FF2B5EF4-FFF2-40B4-BE49-F238E27FC236}">
+                <a16:creationId xmlns:a16="http://schemas.microsoft.com/office/drawing/2014/main" id="{38013110-C677-4839-B4D8-712DB5FE97AF}"/>
+              </a:ext>
+            </a:extLst>
+          </p:cNvPr>
+          <p:cNvSpPr>
+            <a:spLocks noGrp="1"/>
+          </p:cNvSpPr>
+          <p:nvPr>
+            <p:ph type="body" idx="1"/>
+          </p:nvPr>
+        </p:nvSpPr>
+        <p:spPr/>
+        <p:txBody>
+          <a:bodyPr/>
+          <a:lstStyle/>
+          <a:p>
+            <a:pPr algn="ctr"/>
+            <a:r>
+              <a:rPr lang="fr-FR" dirty="0"/>
+              <a:t>Excel</a:t>
+            </a:r>
+          </a:p>
+        </p:txBody>
+      </p:sp>
+      <p:sp>
+        <p:nvSpPr>
+          <p:cNvPr id="8" name="Espace réservé du texte 7">
+            <a:extLst>
+              <a:ext uri="{FF2B5EF4-FFF2-40B4-BE49-F238E27FC236}">
+                <a16:creationId xmlns:a16="http://schemas.microsoft.com/office/drawing/2014/main" id="{1005FF41-BAF7-4568-AA03-3C3227505E7A}"/>
+              </a:ext>
+            </a:extLst>
+          </p:cNvPr>
+          <p:cNvSpPr>
+            <a:spLocks noGrp="1"/>
+          </p:cNvSpPr>
+          <p:nvPr>
+            <p:ph type="body" sz="quarter" idx="3"/>
+          </p:nvPr>
+        </p:nvSpPr>
+        <p:spPr/>
+        <p:txBody>
+          <a:bodyPr/>
+          <a:lstStyle/>
+          <a:p>
+            <a:pPr algn="ctr"/>
+            <a:r>
+              <a:rPr lang="fr-FR" dirty="0"/>
+              <a:t>Microsoft planner</a:t>
+            </a:r>
+          </a:p>
+        </p:txBody>
+      </p:sp>
+      <p:sp>
+        <p:nvSpPr>
+          <p:cNvPr id="4" name="Espace réservé du pied de page 3">
+            <a:extLst>
+              <a:ext uri="{FF2B5EF4-FFF2-40B4-BE49-F238E27FC236}">
+                <a16:creationId xmlns:a16="http://schemas.microsoft.com/office/drawing/2014/main" id="{CAC8E167-AB95-40D1-BD44-1BC0F4B334FC}"/>
+              </a:ext>
+            </a:extLst>
+          </p:cNvPr>
+          <p:cNvSpPr>
+            <a:spLocks noGrp="1"/>
+          </p:cNvSpPr>
+          <p:nvPr>
+            <p:ph type="ftr" sz="quarter" idx="11"/>
+          </p:nvPr>
+        </p:nvSpPr>
+        <p:spPr/>
+        <p:txBody>
+          <a:bodyPr/>
+          <a:lstStyle/>
+          <a:p>
+            <a:r>
+              <a:rPr lang="fr-FR"/>
+              <a:t>Projet tutoré s2</a:t>
+            </a:r>
+          </a:p>
+        </p:txBody>
+      </p:sp>
+      <p:sp>
+        <p:nvSpPr>
+          <p:cNvPr id="5" name="Espace réservé du numéro de diapositive 4">
+            <a:extLst>
+              <a:ext uri="{FF2B5EF4-FFF2-40B4-BE49-F238E27FC236}">
+                <a16:creationId xmlns:a16="http://schemas.microsoft.com/office/drawing/2014/main" id="{65D78C59-8763-485B-9DFE-DDD2488E2782}"/>
+              </a:ext>
+            </a:extLst>
+          </p:cNvPr>
+          <p:cNvSpPr>
+            <a:spLocks noGrp="1"/>
+          </p:cNvSpPr>
+          <p:nvPr>
+            <p:ph type="sldNum" sz="quarter" idx="12"/>
+          </p:nvPr>
+        </p:nvSpPr>
+        <p:spPr/>
+        <p:txBody>
+          <a:bodyPr/>
+          <a:lstStyle/>
+          <a:p>
+            <a:fld id="{2C13A817-8AED-4F61-AD87-56EE9DC6BB4C}" type="slidenum">
+              <a:rPr lang="fr-FR" smtClean="0"/>
+              <a:t>12</a:t>
+            </a:fld>
+            <a:endParaRPr lang="fr-FR"/>
+          </a:p>
+        </p:txBody>
+      </p:sp>
+      <p:pic>
+        <p:nvPicPr>
+          <p:cNvPr id="21" name="Espace réservé du contenu 20" descr="Une image contenant dessin, rue, signe, horloge&#10;&#10;Description générée automatiquement">
+            <a:hlinkClick r:id="rId2" action="ppaction://hlinkfile"/>
+            <a:extLst>
+              <a:ext uri="{FF2B5EF4-FFF2-40B4-BE49-F238E27FC236}">
+                <a16:creationId xmlns:a16="http://schemas.microsoft.com/office/drawing/2014/main" id="{DFD1A9F9-A08E-4561-AD80-760F8A570AFA}"/>
+              </a:ext>
+            </a:extLst>
+          </p:cNvPr>
+          <p:cNvPicPr>
+            <a:picLocks noGrp="1" noChangeAspect="1"/>
+          </p:cNvPicPr>
+          <p:nvPr>
+            <p:ph sz="half" idx="2"/>
+          </p:nvPr>
+        </p:nvPicPr>
+        <p:blipFill>
+          <a:blip r:embed="rId3">
+            <a:extLst>
+              <a:ext uri="{BEBA8EAE-BF5A-486C-A8C5-ECC9F3942E4B}">
+                <a14:imgProps xmlns:a14="http://schemas.microsoft.com/office/drawing/2010/main">
+                  <a14:imgLayer r:embed="rId4">
+                    <a14:imgEffect>
+                      <a14:backgroundRemoval t="10000" b="90000" l="10000" r="90000">
+                        <a14:foregroundMark x1="28889" y1="48444" x2="28889" y2="48444"/>
+                        <a14:foregroundMark x1="29778" y1="50222" x2="29778" y2="50222"/>
+                        <a14:foregroundMark x1="26222" y1="47556" x2="26222" y2="47556"/>
+                      </a14:backgroundRemoval>
+                    </a14:imgEffect>
+                  </a14:imgLayer>
+                </a14:imgProps>
+              </a:ext>
+              <a:ext uri="{28A0092B-C50C-407E-A947-70E740481C1C}">
+                <a14:useLocalDpi xmlns:a14="http://schemas.microsoft.com/office/drawing/2010/main" val="0"/>
+              </a:ext>
+            </a:extLst>
+          </a:blip>
+          <a:stretch>
+            <a:fillRect/>
+          </a:stretch>
+        </p:blipFill>
+        <p:spPr>
+          <a:xfrm>
+            <a:off x="1999131" y="3084981"/>
+            <a:ext cx="2377980" cy="2377980"/>
+          </a:xfrm>
+        </p:spPr>
+      </p:pic>
+      <p:pic>
+        <p:nvPicPr>
+          <p:cNvPr id="25" name="Espace réservé du contenu 24" descr="Une image contenant table, dessin, horloge&#10;&#10;Description générée automatiquement">
+            <a:hlinkClick r:id="rId5"/>
+            <a:extLst>
+              <a:ext uri="{FF2B5EF4-FFF2-40B4-BE49-F238E27FC236}">
+                <a16:creationId xmlns:a16="http://schemas.microsoft.com/office/drawing/2014/main" id="{02221C4E-4602-42E2-B8F5-F59AE91F03B1}"/>
+              </a:ext>
+            </a:extLst>
+          </p:cNvPr>
+          <p:cNvPicPr>
+            <a:picLocks noGrp="1" noChangeAspect="1"/>
+          </p:cNvPicPr>
+          <p:nvPr>
+            <p:ph sz="quarter" idx="4"/>
+          </p:nvPr>
+        </p:nvPicPr>
+        <p:blipFill>
+          <a:blip r:embed="rId6">
+            <a:extLst>
+              <a:ext uri="{BEBA8EAE-BF5A-486C-A8C5-ECC9F3942E4B}">
+                <a14:imgProps xmlns:a14="http://schemas.microsoft.com/office/drawing/2010/main">
+                  <a14:imgLayer r:embed="rId7">
+                    <a14:imgEffect>
+                      <a14:backgroundRemoval t="10000" b="90000" l="10000" r="90000"/>
+                    </a14:imgEffect>
+                  </a14:imgLayer>
+                </a14:imgProps>
+              </a:ext>
+              <a:ext uri="{28A0092B-C50C-407E-A947-70E740481C1C}">
+                <a14:useLocalDpi xmlns:a14="http://schemas.microsoft.com/office/drawing/2010/main" val="0"/>
+              </a:ext>
+            </a:extLst>
+          </a:blip>
+          <a:stretch>
+            <a:fillRect/>
+          </a:stretch>
+        </p:blipFill>
+        <p:spPr>
+          <a:xfrm>
+            <a:off x="7334718" y="2918293"/>
+            <a:ext cx="2858151" cy="2858151"/>
+          </a:xfrm>
+        </p:spPr>
+      </p:pic>
+    </p:spTree>
+    <p:extLst>
+      <p:ext uri="{BB962C8B-B14F-4D97-AF65-F5344CB8AC3E}">
+        <p14:creationId xmlns:p14="http://schemas.microsoft.com/office/powerpoint/2010/main" val="1957217393"/>
+      </p:ext>
+    </p:extLst>
+  </p:cSld>
+  <p:clrMapOvr>
+    <a:masterClrMapping/>
+  </p:clrMapOvr>
+</p:sld>
+</file>
+
+<file path=ppt/slides/slide13.xml><?xml version="1.0" encoding="utf-8"?>
+<p:sld xmlns:a="http://schemas.openxmlformats.org/drawingml/2006/main" xmlns:r="http://schemas.openxmlformats.org/officeDocument/2006/relationships" xmlns:p="http://schemas.openxmlformats.org/presentationml/2006/main">
+  <p:cSld>
+    <p:spTree>
+      <p:nvGrpSpPr>
+        <p:cNvPr id="1" name=""/>
+        <p:cNvGrpSpPr/>
+        <p:nvPr/>
+      </p:nvGrpSpPr>
+      <p:grpSpPr>
+        <a:xfrm>
+          <a:off x="0" y="0"/>
+          <a:ext cx="0" cy="0"/>
+          <a:chOff x="0" y="0"/>
+          <a:chExt cx="0" cy="0"/>
+        </a:xfrm>
+      </p:grpSpPr>
+      <p:sp>
+        <p:nvSpPr>
+          <p:cNvPr id="2" name="Titre 1">
+            <a:extLst>
+              <a:ext uri="{FF2B5EF4-FFF2-40B4-BE49-F238E27FC236}">
+                <a16:creationId xmlns:a16="http://schemas.microsoft.com/office/drawing/2014/main" id="{60895E2E-F831-4C8F-84F5-6BE144EE5C74}"/>
+              </a:ext>
+            </a:extLst>
+          </p:cNvPr>
+          <p:cNvSpPr>
+            <a:spLocks noGrp="1"/>
+          </p:cNvSpPr>
+          <p:nvPr>
+            <p:ph type="title"/>
+          </p:nvPr>
+        </p:nvSpPr>
+        <p:spPr>
+          <a:xfrm>
+            <a:off x="838200" y="2277814"/>
+            <a:ext cx="10515600" cy="1903165"/>
+          </a:xfrm>
+        </p:spPr>
+        <p:txBody>
+          <a:bodyPr>
+            <a:normAutofit/>
+          </a:bodyPr>
+          <a:lstStyle/>
+          <a:p>
+            <a:pPr algn="ctr"/>
+            <a:r>
+              <a:rPr lang="fr-FR" sz="9600" dirty="0">
+                <a:latin typeface="Bahnschrift" panose="020B0502040204020203" pitchFamily="34" charset="0"/>
+              </a:rPr>
+              <a:t>Conclusion</a:t>
+            </a:r>
+          </a:p>
+        </p:txBody>
+      </p:sp>
+      <p:sp>
+        <p:nvSpPr>
+          <p:cNvPr id="4" name="Espace réservé du pied de page 3">
+            <a:extLst>
+              <a:ext uri="{FF2B5EF4-FFF2-40B4-BE49-F238E27FC236}">
+                <a16:creationId xmlns:a16="http://schemas.microsoft.com/office/drawing/2014/main" id="{36A25CCE-7C42-4974-B0AF-A9A80EDCB5D8}"/>
+              </a:ext>
+            </a:extLst>
+          </p:cNvPr>
+          <p:cNvSpPr>
+            <a:spLocks noGrp="1"/>
+          </p:cNvSpPr>
+          <p:nvPr>
+            <p:ph type="ftr" sz="quarter" idx="11"/>
+          </p:nvPr>
+        </p:nvSpPr>
+        <p:spPr/>
+        <p:txBody>
+          <a:bodyPr/>
+          <a:lstStyle/>
+          <a:p>
+            <a:r>
+              <a:rPr lang="fr-FR"/>
+              <a:t>Projet tutoré s2</a:t>
+            </a:r>
+          </a:p>
+        </p:txBody>
+      </p:sp>
+      <p:sp>
+        <p:nvSpPr>
+          <p:cNvPr id="5" name="Espace réservé du numéro de diapositive 4">
+            <a:extLst>
+              <a:ext uri="{FF2B5EF4-FFF2-40B4-BE49-F238E27FC236}">
+                <a16:creationId xmlns:a16="http://schemas.microsoft.com/office/drawing/2014/main" id="{893CC4DE-B3C9-45B4-B74C-90DCBFB54FC9}"/>
+              </a:ext>
+            </a:extLst>
+          </p:cNvPr>
+          <p:cNvSpPr>
+            <a:spLocks noGrp="1"/>
+          </p:cNvSpPr>
+          <p:nvPr>
+            <p:ph type="sldNum" sz="quarter" idx="12"/>
+          </p:nvPr>
+        </p:nvSpPr>
+        <p:spPr/>
+        <p:txBody>
+          <a:bodyPr/>
+          <a:lstStyle/>
+          <a:p>
+            <a:fld id="{2C13A817-8AED-4F61-AD87-56EE9DC6BB4C}" type="slidenum">
+              <a:rPr lang="fr-FR" smtClean="0"/>
+              <a:t>13</a:t>
+            </a:fld>
+            <a:endParaRPr lang="fr-FR"/>
+          </a:p>
+        </p:txBody>
+      </p:sp>
+    </p:spTree>
+    <p:extLst>
+      <p:ext uri="{BB962C8B-B14F-4D97-AF65-F5344CB8AC3E}">
+        <p14:creationId xmlns:p14="http://schemas.microsoft.com/office/powerpoint/2010/main" val="3879895281"/>
+      </p:ext>
+    </p:extLst>
+  </p:cSld>
+  <p:clrMapOvr>
+    <a:masterClrMapping/>
+  </p:clrMapOvr>
+</p:sld>
+</file>
+
+<file path=ppt/slides/slide14.xml><?xml version="1.0" encoding="utf-8"?>
+<p:sld xmlns:a="http://schemas.openxmlformats.org/drawingml/2006/main" xmlns:r="http://schemas.openxmlformats.org/officeDocument/2006/relationships" xmlns:p="http://schemas.openxmlformats.org/presentationml/2006/main">
+  <p:cSld>
+    <p:spTree>
+      <p:nvGrpSpPr>
+        <p:cNvPr id="1" name=""/>
+        <p:cNvGrpSpPr/>
+        <p:nvPr/>
+      </p:nvGrpSpPr>
+      <p:grpSpPr>
+        <a:xfrm>
+          <a:off x="0" y="0"/>
+          <a:ext cx="0" cy="0"/>
+          <a:chOff x="0" y="0"/>
+          <a:chExt cx="0" cy="0"/>
+        </a:xfrm>
+      </p:grpSpPr>
+      <p:sp>
+        <p:nvSpPr>
+          <p:cNvPr id="2" name="Titre 1">
+            <a:extLst>
+              <a:ext uri="{FF2B5EF4-FFF2-40B4-BE49-F238E27FC236}">
+                <a16:creationId xmlns:a16="http://schemas.microsoft.com/office/drawing/2014/main" id="{60895E2E-F831-4C8F-84F5-6BE144EE5C74}"/>
+              </a:ext>
+            </a:extLst>
+          </p:cNvPr>
+          <p:cNvSpPr>
+            <a:spLocks noGrp="1"/>
+          </p:cNvSpPr>
+          <p:nvPr>
+            <p:ph type="title"/>
+          </p:nvPr>
+        </p:nvSpPr>
+        <p:spPr>
+          <a:xfrm>
+            <a:off x="838200" y="2277814"/>
+            <a:ext cx="10515600" cy="1903165"/>
+          </a:xfrm>
+        </p:spPr>
+        <p:txBody>
+          <a:bodyPr>
+            <a:noAutofit/>
+          </a:bodyPr>
+          <a:lstStyle/>
+          <a:p>
+            <a:pPr algn="ctr"/>
+            <a:r>
+              <a:rPr lang="fr-FR" sz="7200" dirty="0">
+                <a:latin typeface="Bahnschrift" panose="020B0502040204020203" pitchFamily="34" charset="0"/>
+              </a:rPr>
+              <a:t>Merci de votre attention</a:t>
+            </a:r>
+          </a:p>
+        </p:txBody>
+      </p:sp>
+      <p:sp>
+        <p:nvSpPr>
+          <p:cNvPr id="4" name="Espace réservé du pied de page 3">
+            <a:extLst>
+              <a:ext uri="{FF2B5EF4-FFF2-40B4-BE49-F238E27FC236}">
+                <a16:creationId xmlns:a16="http://schemas.microsoft.com/office/drawing/2014/main" id="{36A25CCE-7C42-4974-B0AF-A9A80EDCB5D8}"/>
+              </a:ext>
+            </a:extLst>
+          </p:cNvPr>
+          <p:cNvSpPr>
+            <a:spLocks noGrp="1"/>
+          </p:cNvSpPr>
+          <p:nvPr>
+            <p:ph type="ftr" sz="quarter" idx="11"/>
+          </p:nvPr>
+        </p:nvSpPr>
+        <p:spPr/>
+        <p:txBody>
+          <a:bodyPr/>
+          <a:lstStyle/>
+          <a:p>
+            <a:r>
+              <a:rPr lang="fr-FR"/>
+              <a:t>Projet tutoré s2</a:t>
+            </a:r>
+          </a:p>
+        </p:txBody>
+      </p:sp>
+      <p:sp>
+        <p:nvSpPr>
+          <p:cNvPr id="5" name="Espace réservé du numéro de diapositive 4">
+            <a:extLst>
+              <a:ext uri="{FF2B5EF4-FFF2-40B4-BE49-F238E27FC236}">
+                <a16:creationId xmlns:a16="http://schemas.microsoft.com/office/drawing/2014/main" id="{893CC4DE-B3C9-45B4-B74C-90DCBFB54FC9}"/>
+              </a:ext>
+            </a:extLst>
+          </p:cNvPr>
+          <p:cNvSpPr>
+            <a:spLocks noGrp="1"/>
+          </p:cNvSpPr>
+          <p:nvPr>
+            <p:ph type="sldNum" sz="quarter" idx="12"/>
+          </p:nvPr>
+        </p:nvSpPr>
+        <p:spPr/>
+        <p:txBody>
+          <a:bodyPr/>
+          <a:lstStyle/>
+          <a:p>
+            <a:fld id="{2C13A817-8AED-4F61-AD87-56EE9DC6BB4C}" type="slidenum">
+              <a:rPr lang="fr-FR" smtClean="0"/>
+              <a:t>14</a:t>
+            </a:fld>
+            <a:endParaRPr lang="fr-FR"/>
+          </a:p>
+        </p:txBody>
+      </p:sp>
+    </p:spTree>
+    <p:extLst>
+      <p:ext uri="{BB962C8B-B14F-4D97-AF65-F5344CB8AC3E}">
+        <p14:creationId xmlns:p14="http://schemas.microsoft.com/office/powerpoint/2010/main" val="3795134284"/>
+      </p:ext>
+    </p:extLst>
+  </p:cSld>
+  <p:clrMapOvr>
+    <a:masterClrMapping/>
+  </p:clrMapOvr>
+</p:sld>
+</file>
+
 <file path=ppt/slides/slide2.xml><?xml version="1.0" encoding="utf-8"?>
 <p:sld xmlns:a="http://schemas.openxmlformats.org/drawingml/2006/main" xmlns:r="http://schemas.openxmlformats.org/officeDocument/2006/relationships" xmlns:p="http://schemas.openxmlformats.org/presentationml/2006/main">
   <p:cSld>
@@ -4018,33 +8007,37 @@
           </a:p>
         </p:txBody>
       </p:sp>
-      <p:sp>
-        <p:nvSpPr>
-          <p:cNvPr id="3" name="Espace réservé du contenu 2">
-            <a:extLst>
-              <a:ext uri="{FF2B5EF4-FFF2-40B4-BE49-F238E27FC236}">
-                <a16:creationId xmlns:a16="http://schemas.microsoft.com/office/drawing/2014/main" id="{EAC706D1-25CB-4D37-8B39-B6F6226A849D}"/>
-              </a:ext>
-            </a:extLst>
-          </p:cNvPr>
-          <p:cNvSpPr>
-            <a:spLocks noGrp="1"/>
-          </p:cNvSpPr>
+      <p:graphicFrame>
+        <p:nvGraphicFramePr>
+          <p:cNvPr id="6" name="Espace réservé du contenu 5">
+            <a:extLst>
+              <a:ext uri="{FF2B5EF4-FFF2-40B4-BE49-F238E27FC236}">
+                <a16:creationId xmlns:a16="http://schemas.microsoft.com/office/drawing/2014/main" id="{CD9DE695-472A-4041-8701-B33BBB8ECD9D}"/>
+              </a:ext>
+            </a:extLst>
+          </p:cNvPr>
+          <p:cNvGraphicFramePr>
+            <a:graphicFrameLocks noGrp="1"/>
+          </p:cNvGraphicFramePr>
           <p:nvPr>
             <p:ph idx="1"/>
-          </p:nvPr>
-        </p:nvSpPr>
-        <p:spPr/>
-        <p:txBody>
-          <a:bodyPr/>
-          <a:lstStyle/>
-          <a:p>
-            <a:endParaRPr lang="fr-FR" dirty="0">
-              <a:latin typeface="Bahnschrift" panose="020B0502040204020203" pitchFamily="34" charset="0"/>
-            </a:endParaRPr>
-          </a:p>
-        </p:txBody>
-      </p:sp>
+            <p:extLst>
+              <p:ext uri="{D42A27DB-BD31-4B8C-83A1-F6EECF244321}">
+                <p14:modId xmlns:p14="http://schemas.microsoft.com/office/powerpoint/2010/main" val="4211671471"/>
+              </p:ext>
+            </p:extLst>
+          </p:nvPr>
+        </p:nvGraphicFramePr>
+        <p:xfrm>
+          <a:off x="838200" y="1825625"/>
+          <a:ext cx="10515600" cy="4351338"/>
+        </p:xfrm>
+        <a:graphic>
+          <a:graphicData uri="http://schemas.openxmlformats.org/drawingml/2006/diagram">
+            <dgm:relIds xmlns:dgm="http://schemas.openxmlformats.org/drawingml/2006/diagram" xmlns:r="http://schemas.openxmlformats.org/officeDocument/2006/relationships" r:dm="rId2" r:lo="rId3" r:qs="rId4" r:cs="rId5"/>
+          </a:graphicData>
+        </a:graphic>
+      </p:graphicFrame>
       <p:sp>
         <p:nvSpPr>
           <p:cNvPr id="4" name="Espace réservé du pied de page 3">
@@ -4153,9 +8146,12 @@
           <a:bodyPr/>
           <a:lstStyle/>
           <a:p>
-            <a:endParaRPr lang="fr-FR">
-              <a:latin typeface="Bahnschrift" panose="020B0502040204020203" pitchFamily="34" charset="0"/>
-            </a:endParaRPr>
+            <a:r>
+              <a:rPr lang="fr-FR" dirty="0">
+                <a:latin typeface="Bahnschrift" panose="020B0502040204020203" pitchFamily="34" charset="0"/>
+              </a:rPr>
+              <a:t>Choix de la technologie</a:t>
+            </a:r>
           </a:p>
         </p:txBody>
       </p:sp>
@@ -4278,7 +8274,7 @@
           <p:cNvPr id="2" name="Titre 1">
             <a:extLst>
               <a:ext uri="{FF2B5EF4-FFF2-40B4-BE49-F238E27FC236}">
-                <a16:creationId xmlns:a16="http://schemas.microsoft.com/office/drawing/2014/main" id="{2DBED1FB-2DEF-45A3-A645-E1DE01781C38}"/>
+                <a16:creationId xmlns:a16="http://schemas.microsoft.com/office/drawing/2014/main" id="{3A2AF3BC-13C2-4C59-AB5C-C98F8D119983}"/>
               </a:ext>
             </a:extLst>
           </p:cNvPr>
@@ -4289,41 +8285,77 @@
             <p:ph type="title"/>
           </p:nvPr>
         </p:nvSpPr>
-        <p:spPr/>
+        <p:spPr>
+          <a:xfrm>
+            <a:off x="839788" y="365125"/>
+            <a:ext cx="10515600" cy="1325563"/>
+          </a:xfrm>
+        </p:spPr>
         <p:txBody>
           <a:bodyPr/>
           <a:lstStyle/>
           <a:p>
-            <a:endParaRPr lang="fr-FR">
-              <a:latin typeface="Bahnschrift" panose="020B0502040204020203" pitchFamily="34" charset="0"/>
-            </a:endParaRPr>
-          </a:p>
-        </p:txBody>
-      </p:sp>
-      <p:sp>
-        <p:nvSpPr>
-          <p:cNvPr id="3" name="Espace réservé du texte 2">
-            <a:extLst>
-              <a:ext uri="{FF2B5EF4-FFF2-40B4-BE49-F238E27FC236}">
-                <a16:creationId xmlns:a16="http://schemas.microsoft.com/office/drawing/2014/main" id="{712A72DA-293E-4BA8-96A9-891B3D72BB63}"/>
-              </a:ext>
-            </a:extLst>
-          </p:cNvPr>
-          <p:cNvSpPr>
-            <a:spLocks noGrp="1"/>
-          </p:cNvSpPr>
-          <p:nvPr>
-            <p:ph type="body" idx="1"/>
-          </p:nvPr>
-        </p:nvSpPr>
-        <p:spPr/>
+            <a:pPr algn="r"/>
+            <a:r>
+              <a:rPr lang="fr-FR" dirty="0">
+                <a:latin typeface="Bahnschrift" panose="020B0502040204020203" pitchFamily="34" charset="0"/>
+              </a:rPr>
+              <a:t>La technologie</a:t>
+            </a:r>
+          </a:p>
+        </p:txBody>
+      </p:sp>
+      <p:sp>
+        <p:nvSpPr>
+          <p:cNvPr id="9" name="Espace réservé du contenu 8">
+            <a:extLst>
+              <a:ext uri="{FF2B5EF4-FFF2-40B4-BE49-F238E27FC236}">
+                <a16:creationId xmlns:a16="http://schemas.microsoft.com/office/drawing/2014/main" id="{A275FEFB-7365-46E6-ABC3-98A21DEE3A11}"/>
+              </a:ext>
+            </a:extLst>
+          </p:cNvPr>
+          <p:cNvSpPr>
+            <a:spLocks noGrp="1"/>
+          </p:cNvSpPr>
+          <p:nvPr>
+            <p:ph sz="quarter" idx="4"/>
+          </p:nvPr>
+        </p:nvSpPr>
+        <p:spPr>
+          <a:xfrm>
+            <a:off x="6604793" y="2528855"/>
+            <a:ext cx="5183188" cy="3684588"/>
+          </a:xfrm>
+        </p:spPr>
         <p:txBody>
           <a:bodyPr/>
           <a:lstStyle/>
           <a:p>
-            <a:endParaRPr lang="fr-FR" dirty="0">
-              <a:latin typeface="Bahnschrift" panose="020B0502040204020203" pitchFamily="34" charset="0"/>
-            </a:endParaRPr>
+            <a:endParaRPr lang="fr-FR" dirty="0"/>
+          </a:p>
+          <a:p>
+            <a:r>
+              <a:rPr lang="fr-FR" dirty="0"/>
+              <a:t>Langage plus récent</a:t>
+            </a:r>
+          </a:p>
+          <a:p>
+            <a:endParaRPr lang="fr-FR" dirty="0"/>
+          </a:p>
+          <a:p>
+            <a:r>
+              <a:rPr lang="fr-FR" dirty="0"/>
+              <a:t>Dérivé du java</a:t>
+            </a:r>
+          </a:p>
+          <a:p>
+            <a:endParaRPr lang="fr-FR" dirty="0"/>
+          </a:p>
+          <a:p>
+            <a:r>
+              <a:rPr lang="fr-FR" dirty="0"/>
+              <a:t>Plus compliqué pour l’exportation</a:t>
+            </a:r>
           </a:p>
         </p:txBody>
       </p:sp>
@@ -4332,7 +8364,7 @@
           <p:cNvPr id="4" name="Espace réservé du pied de page 3">
             <a:extLst>
               <a:ext uri="{FF2B5EF4-FFF2-40B4-BE49-F238E27FC236}">
-                <a16:creationId xmlns:a16="http://schemas.microsoft.com/office/drawing/2014/main" id="{012B713B-27A2-4EC9-A8C9-829BAF975EE6}"/>
+                <a16:creationId xmlns:a16="http://schemas.microsoft.com/office/drawing/2014/main" id="{AB676792-5FE4-4066-A782-04369723A5BD}"/>
               </a:ext>
             </a:extLst>
           </p:cNvPr>
@@ -4360,7 +8392,7 @@
           <p:cNvPr id="5" name="Espace réservé du numéro de diapositive 4">
             <a:extLst>
               <a:ext uri="{FF2B5EF4-FFF2-40B4-BE49-F238E27FC236}">
-                <a16:creationId xmlns:a16="http://schemas.microsoft.com/office/drawing/2014/main" id="{27300186-8C2A-4208-B5CD-D7294BC335EB}"/>
+                <a16:creationId xmlns:a16="http://schemas.microsoft.com/office/drawing/2014/main" id="{C3FE829E-8408-4382-8ED9-AF956CB6D2B6}"/>
               </a:ext>
             </a:extLst>
           </p:cNvPr>
@@ -4384,10 +8416,141 @@
           </a:p>
         </p:txBody>
       </p:sp>
+      <p:sp>
+        <p:nvSpPr>
+          <p:cNvPr id="27" name="Espace réservé du contenu 26">
+            <a:extLst>
+              <a:ext uri="{FF2B5EF4-FFF2-40B4-BE49-F238E27FC236}">
+                <a16:creationId xmlns:a16="http://schemas.microsoft.com/office/drawing/2014/main" id="{51880307-96E1-4085-8762-C3AB306EC45F}"/>
+              </a:ext>
+            </a:extLst>
+          </p:cNvPr>
+          <p:cNvSpPr>
+            <a:spLocks noGrp="1"/>
+          </p:cNvSpPr>
+          <p:nvPr>
+            <p:ph sz="half" idx="2"/>
+          </p:nvPr>
+        </p:nvSpPr>
+        <p:spPr>
+          <a:xfrm>
+            <a:off x="282613" y="2528855"/>
+            <a:ext cx="5157787" cy="3684588"/>
+          </a:xfrm>
+        </p:spPr>
+        <p:txBody>
+          <a:bodyPr/>
+          <a:lstStyle/>
+          <a:p>
+            <a:endParaRPr lang="fr-FR" dirty="0"/>
+          </a:p>
+          <a:p>
+            <a:r>
+              <a:rPr lang="fr-FR" dirty="0"/>
+              <a:t>Langage très populaire</a:t>
+            </a:r>
+          </a:p>
+          <a:p>
+            <a:endParaRPr lang="fr-FR" dirty="0"/>
+          </a:p>
+          <a:p>
+            <a:r>
+              <a:rPr lang="fr-FR" dirty="0"/>
+              <a:t>Davantage d’aide disponible</a:t>
+            </a:r>
+          </a:p>
+          <a:p>
+            <a:endParaRPr lang="fr-FR" dirty="0"/>
+          </a:p>
+          <a:p>
+            <a:r>
+              <a:rPr lang="fr-FR" dirty="0"/>
+              <a:t>Facilité d’exportation sur différentes plateformes</a:t>
+            </a:r>
+          </a:p>
+          <a:p>
+            <a:endParaRPr lang="fr-FR" dirty="0"/>
+          </a:p>
+          <a:p>
+            <a:endParaRPr lang="fr-FR" dirty="0"/>
+          </a:p>
+        </p:txBody>
+      </p:sp>
+      <p:pic>
+        <p:nvPicPr>
+          <p:cNvPr id="31" name="Image 30" descr="Une image contenant dessin&#10;&#10;Description générée automatiquement">
+            <a:extLst>
+              <a:ext uri="{FF2B5EF4-FFF2-40B4-BE49-F238E27FC236}">
+                <a16:creationId xmlns:a16="http://schemas.microsoft.com/office/drawing/2014/main" id="{A6A15A59-7BC4-4D2D-A7A5-53BF7A1F1298}"/>
+              </a:ext>
+            </a:extLst>
+          </p:cNvPr>
+          <p:cNvPicPr>
+            <a:picLocks noChangeAspect="1"/>
+          </p:cNvPicPr>
+          <p:nvPr/>
+        </p:nvPicPr>
+        <p:blipFill>
+          <a:blip r:embed="rId2">
+            <a:extLst>
+              <a:ext uri="{28A0092B-C50C-407E-A947-70E740481C1C}">
+                <a14:useLocalDpi xmlns:a14="http://schemas.microsoft.com/office/drawing/2010/main" val="0"/>
+              </a:ext>
+            </a:extLst>
+          </a:blip>
+          <a:stretch>
+            <a:fillRect/>
+          </a:stretch>
+        </p:blipFill>
+        <p:spPr>
+          <a:xfrm>
+            <a:off x="9966356" y="1914525"/>
+            <a:ext cx="1570331" cy="1686116"/>
+          </a:xfrm>
+          <a:prstGeom prst="rect">
+            <a:avLst/>
+          </a:prstGeom>
+        </p:spPr>
+      </p:pic>
+      <p:pic>
+        <p:nvPicPr>
+          <p:cNvPr id="35" name="Image 34" descr="Une image contenant dessin&#10;&#10;Description générée automatiquement">
+            <a:extLst>
+              <a:ext uri="{FF2B5EF4-FFF2-40B4-BE49-F238E27FC236}">
+                <a16:creationId xmlns:a16="http://schemas.microsoft.com/office/drawing/2014/main" id="{97289764-848B-4E88-B039-714C6DC98542}"/>
+              </a:ext>
+            </a:extLst>
+          </p:cNvPr>
+          <p:cNvPicPr>
+            <a:picLocks noChangeAspect="1"/>
+          </p:cNvPicPr>
+          <p:nvPr/>
+        </p:nvPicPr>
+        <p:blipFill rotWithShape="1">
+          <a:blip r:embed="rId3">
+            <a:extLst>
+              <a:ext uri="{28A0092B-C50C-407E-A947-70E740481C1C}">
+                <a14:useLocalDpi xmlns:a14="http://schemas.microsoft.com/office/drawing/2010/main" val="0"/>
+              </a:ext>
+            </a:extLst>
+          </a:blip>
+          <a:srcRect l="19408" r="28747"/>
+          <a:stretch/>
+        </p:blipFill>
+        <p:spPr>
+          <a:xfrm>
+            <a:off x="4212336" y="1954625"/>
+            <a:ext cx="1570331" cy="1605915"/>
+          </a:xfrm>
+          <a:prstGeom prst="rect">
+            <a:avLst/>
+          </a:prstGeom>
+        </p:spPr>
+      </p:pic>
     </p:spTree>
     <p:extLst>
       <p:ext uri="{BB962C8B-B14F-4D97-AF65-F5344CB8AC3E}">
-        <p14:creationId xmlns:p14="http://schemas.microsoft.com/office/powerpoint/2010/main" val="3664973540"/>
+        <p14:creationId xmlns:p14="http://schemas.microsoft.com/office/powerpoint/2010/main" val="3156056242"/>
       </p:ext>
     </p:extLst>
   </p:cSld>
@@ -4435,9 +8598,12 @@
           <a:bodyPr/>
           <a:lstStyle/>
           <a:p>
-            <a:endParaRPr lang="fr-FR">
-              <a:latin typeface="Bahnschrift" panose="020B0502040204020203" pitchFamily="34" charset="0"/>
-            </a:endParaRPr>
+            <a:r>
+              <a:rPr lang="fr-FR" dirty="0">
+                <a:latin typeface="Bahnschrift" panose="020B0502040204020203" pitchFamily="34" charset="0"/>
+              </a:rPr>
+              <a:t>Les premières applications</a:t>
+            </a:r>
           </a:p>
         </p:txBody>
       </p:sp>
@@ -4528,7 +8694,7 @@
     </p:spTree>
     <p:extLst>
       <p:ext uri="{BB962C8B-B14F-4D97-AF65-F5344CB8AC3E}">
-        <p14:creationId xmlns:p14="http://schemas.microsoft.com/office/powerpoint/2010/main" val="2795031585"/>
+        <p14:creationId xmlns:p14="http://schemas.microsoft.com/office/powerpoint/2010/main" val="3664973540"/>
       </p:ext>
     </p:extLst>
   </p:cSld>
@@ -4560,7 +8726,7 @@
           <p:cNvPr id="2" name="Titre 1">
             <a:extLst>
               <a:ext uri="{FF2B5EF4-FFF2-40B4-BE49-F238E27FC236}">
-                <a16:creationId xmlns:a16="http://schemas.microsoft.com/office/drawing/2014/main" id="{60895E2E-F831-4C8F-84F5-6BE144EE5C74}"/>
+                <a16:creationId xmlns:a16="http://schemas.microsoft.com/office/drawing/2014/main" id="{AB1CFF00-D205-47FD-BB48-B67C639AA763}"/>
               </a:ext>
             </a:extLst>
           </p:cNvPr>
@@ -4571,25 +8737,43 @@
             <p:ph type="title"/>
           </p:nvPr>
         </p:nvSpPr>
-        <p:spPr>
-          <a:xfrm>
-            <a:off x="838200" y="2277814"/>
-            <a:ext cx="10515600" cy="1903165"/>
-          </a:xfrm>
-        </p:spPr>
-        <p:txBody>
-          <a:bodyPr>
-            <a:normAutofit/>
-          </a:bodyPr>
-          <a:lstStyle/>
-          <a:p>
-            <a:pPr algn="ctr"/>
-            <a:r>
-              <a:rPr lang="fr-FR" sz="9600" dirty="0">
+        <p:spPr/>
+        <p:txBody>
+          <a:bodyPr/>
+          <a:lstStyle/>
+          <a:p>
+            <a:pPr algn="r"/>
+            <a:r>
+              <a:rPr lang="fr-FR" dirty="0">
                 <a:latin typeface="Bahnschrift" panose="020B0502040204020203" pitchFamily="34" charset="0"/>
               </a:rPr>
-              <a:t>Conclusion</a:t>
-            </a:r>
+              <a:t>Java</a:t>
+            </a:r>
+          </a:p>
+        </p:txBody>
+      </p:sp>
+      <p:sp>
+        <p:nvSpPr>
+          <p:cNvPr id="3" name="Espace réservé du contenu 2">
+            <a:extLst>
+              <a:ext uri="{FF2B5EF4-FFF2-40B4-BE49-F238E27FC236}">
+                <a16:creationId xmlns:a16="http://schemas.microsoft.com/office/drawing/2014/main" id="{9A54EF98-F87E-4198-A90A-AFCB00C96FB7}"/>
+              </a:ext>
+            </a:extLst>
+          </p:cNvPr>
+          <p:cNvSpPr>
+            <a:spLocks noGrp="1"/>
+          </p:cNvSpPr>
+          <p:nvPr>
+            <p:ph idx="1"/>
+          </p:nvPr>
+        </p:nvSpPr>
+        <p:spPr/>
+        <p:txBody>
+          <a:bodyPr/>
+          <a:lstStyle/>
+          <a:p>
+            <a:endParaRPr lang="fr-FR"/>
           </a:p>
         </p:txBody>
       </p:sp>
@@ -4598,7 +8782,7 @@
           <p:cNvPr id="4" name="Espace réservé du pied de page 3">
             <a:extLst>
               <a:ext uri="{FF2B5EF4-FFF2-40B4-BE49-F238E27FC236}">
-                <a16:creationId xmlns:a16="http://schemas.microsoft.com/office/drawing/2014/main" id="{36A25CCE-7C42-4974-B0AF-A9A80EDCB5D8}"/>
+                <a16:creationId xmlns:a16="http://schemas.microsoft.com/office/drawing/2014/main" id="{0DF4CA00-E5C8-4E9F-99FD-5CBA195A9823}"/>
               </a:ext>
             </a:extLst>
           </p:cNvPr>
@@ -4626,7 +8810,7 @@
           <p:cNvPr id="5" name="Espace réservé du numéro de diapositive 4">
             <a:extLst>
               <a:ext uri="{FF2B5EF4-FFF2-40B4-BE49-F238E27FC236}">
-                <a16:creationId xmlns:a16="http://schemas.microsoft.com/office/drawing/2014/main" id="{893CC4DE-B3C9-45B4-B74C-90DCBFB54FC9}"/>
+                <a16:creationId xmlns:a16="http://schemas.microsoft.com/office/drawing/2014/main" id="{CF950C26-FBA4-422B-A4EF-7360DCF6916D}"/>
               </a:ext>
             </a:extLst>
           </p:cNvPr>
@@ -4653,7 +8837,7 @@
     </p:spTree>
     <p:extLst>
       <p:ext uri="{BB962C8B-B14F-4D97-AF65-F5344CB8AC3E}">
-        <p14:creationId xmlns:p14="http://schemas.microsoft.com/office/powerpoint/2010/main" val="3879895281"/>
+        <p14:creationId xmlns:p14="http://schemas.microsoft.com/office/powerpoint/2010/main" val="502793609"/>
       </p:ext>
     </p:extLst>
   </p:cSld>
@@ -4685,7 +8869,7 @@
           <p:cNvPr id="2" name="Titre 1">
             <a:extLst>
               <a:ext uri="{FF2B5EF4-FFF2-40B4-BE49-F238E27FC236}">
-                <a16:creationId xmlns:a16="http://schemas.microsoft.com/office/drawing/2014/main" id="{60895E2E-F831-4C8F-84F5-6BE144EE5C74}"/>
+                <a16:creationId xmlns:a16="http://schemas.microsoft.com/office/drawing/2014/main" id="{C1BE58C1-B1EB-4537-AEFA-2EBAB4DF1836}"/>
               </a:ext>
             </a:extLst>
           </p:cNvPr>
@@ -4696,25 +8880,43 @@
             <p:ph type="title"/>
           </p:nvPr>
         </p:nvSpPr>
-        <p:spPr>
-          <a:xfrm>
-            <a:off x="838200" y="2277814"/>
-            <a:ext cx="10515600" cy="1903165"/>
-          </a:xfrm>
-        </p:spPr>
-        <p:txBody>
-          <a:bodyPr>
-            <a:noAutofit/>
-          </a:bodyPr>
-          <a:lstStyle/>
-          <a:p>
-            <a:pPr algn="ctr"/>
-            <a:r>
-              <a:rPr lang="fr-FR" sz="7200" dirty="0">
+        <p:spPr/>
+        <p:txBody>
+          <a:bodyPr/>
+          <a:lstStyle/>
+          <a:p>
+            <a:pPr algn="r"/>
+            <a:r>
+              <a:rPr lang="fr-FR" dirty="0">
                 <a:latin typeface="Bahnschrift" panose="020B0502040204020203" pitchFamily="34" charset="0"/>
               </a:rPr>
-              <a:t>Merci de votre attention</a:t>
-            </a:r>
+              <a:t>C#</a:t>
+            </a:r>
+          </a:p>
+        </p:txBody>
+      </p:sp>
+      <p:sp>
+        <p:nvSpPr>
+          <p:cNvPr id="3" name="Espace réservé du contenu 2">
+            <a:extLst>
+              <a:ext uri="{FF2B5EF4-FFF2-40B4-BE49-F238E27FC236}">
+                <a16:creationId xmlns:a16="http://schemas.microsoft.com/office/drawing/2014/main" id="{5EF275F0-BFF9-4DEB-9C48-642A5951CC2E}"/>
+              </a:ext>
+            </a:extLst>
+          </p:cNvPr>
+          <p:cNvSpPr>
+            <a:spLocks noGrp="1"/>
+          </p:cNvSpPr>
+          <p:nvPr>
+            <p:ph idx="1"/>
+          </p:nvPr>
+        </p:nvSpPr>
+        <p:spPr/>
+        <p:txBody>
+          <a:bodyPr/>
+          <a:lstStyle/>
+          <a:p>
+            <a:endParaRPr lang="fr-FR"/>
           </a:p>
         </p:txBody>
       </p:sp>
@@ -4723,7 +8925,7 @@
           <p:cNvPr id="4" name="Espace réservé du pied de page 3">
             <a:extLst>
               <a:ext uri="{FF2B5EF4-FFF2-40B4-BE49-F238E27FC236}">
-                <a16:creationId xmlns:a16="http://schemas.microsoft.com/office/drawing/2014/main" id="{36A25CCE-7C42-4974-B0AF-A9A80EDCB5D8}"/>
+                <a16:creationId xmlns:a16="http://schemas.microsoft.com/office/drawing/2014/main" id="{CA9A62FE-BEF9-4188-BF40-47FD690ED9D3}"/>
               </a:ext>
             </a:extLst>
           </p:cNvPr>
@@ -4751,7 +8953,7 @@
           <p:cNvPr id="5" name="Espace réservé du numéro de diapositive 4">
             <a:extLst>
               <a:ext uri="{FF2B5EF4-FFF2-40B4-BE49-F238E27FC236}">
-                <a16:creationId xmlns:a16="http://schemas.microsoft.com/office/drawing/2014/main" id="{893CC4DE-B3C9-45B4-B74C-90DCBFB54FC9}"/>
+                <a16:creationId xmlns:a16="http://schemas.microsoft.com/office/drawing/2014/main" id="{F7F657A1-4688-4A8F-AB37-F3775E891603}"/>
               </a:ext>
             </a:extLst>
           </p:cNvPr>
@@ -4778,7 +8980,304 @@
     </p:spTree>
     <p:extLst>
       <p:ext uri="{BB962C8B-B14F-4D97-AF65-F5344CB8AC3E}">
-        <p14:creationId xmlns:p14="http://schemas.microsoft.com/office/powerpoint/2010/main" val="3795134284"/>
+        <p14:creationId xmlns:p14="http://schemas.microsoft.com/office/powerpoint/2010/main" val="649820980"/>
+      </p:ext>
+    </p:extLst>
+  </p:cSld>
+  <p:clrMapOvr>
+    <a:masterClrMapping/>
+  </p:clrMapOvr>
+</p:sld>
+</file>
+
+<file path=ppt/slides/slide8.xml><?xml version="1.0" encoding="utf-8"?>
+<p:sld xmlns:a="http://schemas.openxmlformats.org/drawingml/2006/main" xmlns:r="http://schemas.openxmlformats.org/officeDocument/2006/relationships" xmlns:p="http://schemas.openxmlformats.org/presentationml/2006/main">
+  <p:cSld>
+    <p:spTree>
+      <p:nvGrpSpPr>
+        <p:cNvPr id="1" name=""/>
+        <p:cNvGrpSpPr/>
+        <p:nvPr/>
+      </p:nvGrpSpPr>
+      <p:grpSpPr>
+        <a:xfrm>
+          <a:off x="0" y="0"/>
+          <a:ext cx="0" cy="0"/>
+          <a:chOff x="0" y="0"/>
+          <a:chExt cx="0" cy="0"/>
+        </a:xfrm>
+      </p:grpSpPr>
+      <p:sp>
+        <p:nvSpPr>
+          <p:cNvPr id="2" name="Titre 1">
+            <a:extLst>
+              <a:ext uri="{FF2B5EF4-FFF2-40B4-BE49-F238E27FC236}">
+                <a16:creationId xmlns:a16="http://schemas.microsoft.com/office/drawing/2014/main" id="{2DBED1FB-2DEF-45A3-A645-E1DE01781C38}"/>
+              </a:ext>
+            </a:extLst>
+          </p:cNvPr>
+          <p:cNvSpPr>
+            <a:spLocks noGrp="1"/>
+          </p:cNvSpPr>
+          <p:nvPr>
+            <p:ph type="title"/>
+          </p:nvPr>
+        </p:nvSpPr>
+        <p:spPr/>
+        <p:txBody>
+          <a:bodyPr/>
+          <a:lstStyle/>
+          <a:p>
+            <a:r>
+              <a:rPr lang="fr-FR" dirty="0">
+                <a:latin typeface="Bahnschrift" panose="020B0502040204020203" pitchFamily="34" charset="0"/>
+              </a:rPr>
+              <a:t>Les choix graphiques</a:t>
+            </a:r>
+          </a:p>
+        </p:txBody>
+      </p:sp>
+      <p:sp>
+        <p:nvSpPr>
+          <p:cNvPr id="3" name="Espace réservé du texte 2">
+            <a:extLst>
+              <a:ext uri="{FF2B5EF4-FFF2-40B4-BE49-F238E27FC236}">
+                <a16:creationId xmlns:a16="http://schemas.microsoft.com/office/drawing/2014/main" id="{712A72DA-293E-4BA8-96A9-891B3D72BB63}"/>
+              </a:ext>
+            </a:extLst>
+          </p:cNvPr>
+          <p:cNvSpPr>
+            <a:spLocks noGrp="1"/>
+          </p:cNvSpPr>
+          <p:nvPr>
+            <p:ph type="body" idx="1"/>
+          </p:nvPr>
+        </p:nvSpPr>
+        <p:spPr/>
+        <p:txBody>
+          <a:bodyPr/>
+          <a:lstStyle/>
+          <a:p>
+            <a:endParaRPr lang="fr-FR" dirty="0">
+              <a:latin typeface="Bahnschrift" panose="020B0502040204020203" pitchFamily="34" charset="0"/>
+            </a:endParaRPr>
+          </a:p>
+        </p:txBody>
+      </p:sp>
+      <p:sp>
+        <p:nvSpPr>
+          <p:cNvPr id="4" name="Espace réservé du pied de page 3">
+            <a:extLst>
+              <a:ext uri="{FF2B5EF4-FFF2-40B4-BE49-F238E27FC236}">
+                <a16:creationId xmlns:a16="http://schemas.microsoft.com/office/drawing/2014/main" id="{012B713B-27A2-4EC9-A8C9-829BAF975EE6}"/>
+              </a:ext>
+            </a:extLst>
+          </p:cNvPr>
+          <p:cNvSpPr>
+            <a:spLocks noGrp="1"/>
+          </p:cNvSpPr>
+          <p:nvPr>
+            <p:ph type="ftr" sz="quarter" idx="11"/>
+          </p:nvPr>
+        </p:nvSpPr>
+        <p:spPr/>
+        <p:txBody>
+          <a:bodyPr/>
+          <a:lstStyle/>
+          <a:p>
+            <a:r>
+              <a:rPr lang="fr-FR"/>
+              <a:t>Projet tutoré s2</a:t>
+            </a:r>
+          </a:p>
+        </p:txBody>
+      </p:sp>
+      <p:sp>
+        <p:nvSpPr>
+          <p:cNvPr id="5" name="Espace réservé du numéro de diapositive 4">
+            <a:extLst>
+              <a:ext uri="{FF2B5EF4-FFF2-40B4-BE49-F238E27FC236}">
+                <a16:creationId xmlns:a16="http://schemas.microsoft.com/office/drawing/2014/main" id="{27300186-8C2A-4208-B5CD-D7294BC335EB}"/>
+              </a:ext>
+            </a:extLst>
+          </p:cNvPr>
+          <p:cNvSpPr>
+            <a:spLocks noGrp="1"/>
+          </p:cNvSpPr>
+          <p:nvPr>
+            <p:ph type="sldNum" sz="quarter" idx="12"/>
+          </p:nvPr>
+        </p:nvSpPr>
+        <p:spPr/>
+        <p:txBody>
+          <a:bodyPr/>
+          <a:lstStyle/>
+          <a:p>
+            <a:fld id="{2C13A817-8AED-4F61-AD87-56EE9DC6BB4C}" type="slidenum">
+              <a:rPr lang="fr-FR" smtClean="0"/>
+              <a:t>8</a:t>
+            </a:fld>
+            <a:endParaRPr lang="fr-FR"/>
+          </a:p>
+        </p:txBody>
+      </p:sp>
+    </p:spTree>
+    <p:extLst>
+      <p:ext uri="{BB962C8B-B14F-4D97-AF65-F5344CB8AC3E}">
+        <p14:creationId xmlns:p14="http://schemas.microsoft.com/office/powerpoint/2010/main" val="2795031585"/>
+      </p:ext>
+    </p:extLst>
+  </p:cSld>
+  <p:clrMapOvr>
+    <a:masterClrMapping/>
+  </p:clrMapOvr>
+</p:sld>
+</file>
+
+<file path=ppt/slides/slide9.xml><?xml version="1.0" encoding="utf-8"?>
+<p:sld xmlns:a="http://schemas.openxmlformats.org/drawingml/2006/main" xmlns:r="http://schemas.openxmlformats.org/officeDocument/2006/relationships" xmlns:p="http://schemas.openxmlformats.org/presentationml/2006/main">
+  <p:cSld>
+    <p:spTree>
+      <p:nvGrpSpPr>
+        <p:cNvPr id="1" name=""/>
+        <p:cNvGrpSpPr/>
+        <p:nvPr/>
+      </p:nvGrpSpPr>
+      <p:grpSpPr>
+        <a:xfrm>
+          <a:off x="0" y="0"/>
+          <a:ext cx="0" cy="0"/>
+          <a:chOff x="0" y="0"/>
+          <a:chExt cx="0" cy="0"/>
+        </a:xfrm>
+      </p:grpSpPr>
+      <p:sp>
+        <p:nvSpPr>
+          <p:cNvPr id="2" name="Titre 1">
+            <a:extLst>
+              <a:ext uri="{FF2B5EF4-FFF2-40B4-BE49-F238E27FC236}">
+                <a16:creationId xmlns:a16="http://schemas.microsoft.com/office/drawing/2014/main" id="{2275CF92-94EF-4B15-BF8A-0443296DFECB}"/>
+              </a:ext>
+            </a:extLst>
+          </p:cNvPr>
+          <p:cNvSpPr>
+            <a:spLocks noGrp="1"/>
+          </p:cNvSpPr>
+          <p:nvPr>
+            <p:ph type="title"/>
+          </p:nvPr>
+        </p:nvSpPr>
+        <p:spPr/>
+        <p:txBody>
+          <a:bodyPr/>
+          <a:lstStyle/>
+          <a:p>
+            <a:pPr algn="r"/>
+            <a:r>
+              <a:rPr lang="fr-FR" dirty="0">
+                <a:latin typeface="Bahnschrift" panose="020B0502040204020203" pitchFamily="34" charset="0"/>
+              </a:rPr>
+              <a:t>Première maquette</a:t>
+            </a:r>
+          </a:p>
+        </p:txBody>
+      </p:sp>
+      <p:pic>
+        <p:nvPicPr>
+          <p:cNvPr id="7" name="Espace réservé du contenu 6" descr="Une image contenant capture d’écran, moniteur&#10;&#10;Description générée automatiquement">
+            <a:extLst>
+              <a:ext uri="{FF2B5EF4-FFF2-40B4-BE49-F238E27FC236}">
+                <a16:creationId xmlns:a16="http://schemas.microsoft.com/office/drawing/2014/main" id="{B1567779-F766-4522-BA0A-7EF1888E04B8}"/>
+              </a:ext>
+            </a:extLst>
+          </p:cNvPr>
+          <p:cNvPicPr>
+            <a:picLocks noGrp="1" noChangeAspect="1"/>
+          </p:cNvPicPr>
+          <p:nvPr>
+            <p:ph idx="1"/>
+          </p:nvPr>
+        </p:nvPicPr>
+        <p:blipFill>
+          <a:blip r:embed="rId2">
+            <a:extLst>
+              <a:ext uri="{28A0092B-C50C-407E-A947-70E740481C1C}">
+                <a14:useLocalDpi xmlns:a14="http://schemas.microsoft.com/office/drawing/2010/main" val="0"/>
+              </a:ext>
+            </a:extLst>
+          </a:blip>
+          <a:stretch>
+            <a:fillRect/>
+          </a:stretch>
+        </p:blipFill>
+        <p:spPr>
+          <a:xfrm>
+            <a:off x="73571" y="1609344"/>
+            <a:ext cx="12040861" cy="4687606"/>
+          </a:xfrm>
+        </p:spPr>
+      </p:pic>
+      <p:sp>
+        <p:nvSpPr>
+          <p:cNvPr id="4" name="Espace réservé du pied de page 3">
+            <a:extLst>
+              <a:ext uri="{FF2B5EF4-FFF2-40B4-BE49-F238E27FC236}">
+                <a16:creationId xmlns:a16="http://schemas.microsoft.com/office/drawing/2014/main" id="{D194CDA7-D40F-4147-985F-FE146E8EA4F9}"/>
+              </a:ext>
+            </a:extLst>
+          </p:cNvPr>
+          <p:cNvSpPr>
+            <a:spLocks noGrp="1"/>
+          </p:cNvSpPr>
+          <p:nvPr>
+            <p:ph type="ftr" sz="quarter" idx="11"/>
+          </p:nvPr>
+        </p:nvSpPr>
+        <p:spPr/>
+        <p:txBody>
+          <a:bodyPr/>
+          <a:lstStyle/>
+          <a:p>
+            <a:r>
+              <a:rPr lang="fr-FR"/>
+              <a:t>Projet tutoré s2</a:t>
+            </a:r>
+          </a:p>
+        </p:txBody>
+      </p:sp>
+      <p:sp>
+        <p:nvSpPr>
+          <p:cNvPr id="5" name="Espace réservé du numéro de diapositive 4">
+            <a:extLst>
+              <a:ext uri="{FF2B5EF4-FFF2-40B4-BE49-F238E27FC236}">
+                <a16:creationId xmlns:a16="http://schemas.microsoft.com/office/drawing/2014/main" id="{2846FA23-F82B-4E3A-8183-1082EBCED995}"/>
+              </a:ext>
+            </a:extLst>
+          </p:cNvPr>
+          <p:cNvSpPr>
+            <a:spLocks noGrp="1"/>
+          </p:cNvSpPr>
+          <p:nvPr>
+            <p:ph type="sldNum" sz="quarter" idx="12"/>
+          </p:nvPr>
+        </p:nvSpPr>
+        <p:spPr/>
+        <p:txBody>
+          <a:bodyPr/>
+          <a:lstStyle/>
+          <a:p>
+            <a:fld id="{2C13A817-8AED-4F61-AD87-56EE9DC6BB4C}" type="slidenum">
+              <a:rPr lang="fr-FR" smtClean="0"/>
+              <a:t>9</a:t>
+            </a:fld>
+            <a:endParaRPr lang="fr-FR"/>
+          </a:p>
+        </p:txBody>
+      </p:sp>
+    </p:spTree>
+    <p:extLst>
+      <p:ext uri="{BB962C8B-B14F-4D97-AF65-F5344CB8AC3E}">
+        <p14:creationId xmlns:p14="http://schemas.microsoft.com/office/powerpoint/2010/main" val="102914376"/>
       </p:ext>
     </p:extLst>
   </p:cSld>

--- a/RDV/RDV1/EASYTASKS.pptx
+++ b/RDV/RDV1/EASYTASKS.pptx
@@ -11,7 +11,7 @@
     <p:sldId id="256" r:id="rId2"/>
     <p:sldId id="257" r:id="rId3"/>
     <p:sldId id="258" r:id="rId4"/>
-    <p:sldId id="264" r:id="rId5"/>
+    <p:sldId id="270" r:id="rId5"/>
     <p:sldId id="259" r:id="rId6"/>
     <p:sldId id="265" r:id="rId7"/>
     <p:sldId id="266" r:id="rId8"/>
@@ -132,7 +132,7 @@
         <p14:section name="Technologie" id="{D3DB0E6D-C169-4990-AABF-65AFDAC2436A}">
           <p14:sldIdLst>
             <p14:sldId id="258"/>
-            <p14:sldId id="264"/>
+            <p14:sldId id="270"/>
           </p14:sldIdLst>
         </p14:section>
         <p14:section name="Applis" id="{DAAD97A4-FAC0-4DDB-9958-1E61A02B934E}">
@@ -3401,7 +3401,7 @@
           <a:p>
             <a:fld id="{6CCEAF19-C289-49A9-AE28-039FAE88DAB0}" type="datetimeFigureOut">
               <a:rPr lang="fr-FR" smtClean="0"/>
-              <a:t>08/03/2020</a:t>
+              <a:t>09/03/2020</a:t>
             </a:fld>
             <a:endParaRPr lang="fr-FR"/>
           </a:p>
@@ -3823,7 +3823,7 @@
           <a:p>
             <a:fld id="{BAE9156C-F553-41F1-BD31-99D6DEC88182}" type="datetime1">
               <a:rPr lang="fr-FR" smtClean="0"/>
-              <a:t>08/03/2020</a:t>
+              <a:t>09/03/2020</a:t>
             </a:fld>
             <a:endParaRPr lang="fr-FR" dirty="0"/>
           </a:p>
@@ -4032,7 +4032,7 @@
           <a:p>
             <a:fld id="{9DE9F97E-D9D7-4ED4-981D-5BB0E021D1E3}" type="datetime1">
               <a:rPr lang="fr-FR" smtClean="0"/>
-              <a:t>08/03/2020</a:t>
+              <a:t>09/03/2020</a:t>
             </a:fld>
             <a:endParaRPr lang="fr-FR"/>
           </a:p>
@@ -4251,7 +4251,7 @@
           <a:p>
             <a:fld id="{2E59099B-870D-4337-A683-A815E78FFECD}" type="datetime1">
               <a:rPr lang="fr-FR" smtClean="0"/>
-              <a:t>08/03/2020</a:t>
+              <a:t>09/03/2020</a:t>
             </a:fld>
             <a:endParaRPr lang="fr-FR"/>
           </a:p>
@@ -4460,7 +4460,7 @@
           <a:p>
             <a:fld id="{C92B0687-3B2B-4F31-98D2-2FC49092FD42}" type="datetime1">
               <a:rPr lang="fr-FR" smtClean="0"/>
-              <a:t>08/03/2020</a:t>
+              <a:t>09/03/2020</a:t>
             </a:fld>
             <a:endParaRPr lang="fr-FR"/>
           </a:p>
@@ -4746,7 +4746,7 @@
           <a:p>
             <a:fld id="{D7F9D2F2-5976-4FF5-9548-0A2A8BF692C7}" type="datetime1">
               <a:rPr lang="fr-FR" smtClean="0"/>
-              <a:t>08/03/2020</a:t>
+              <a:t>09/03/2020</a:t>
             </a:fld>
             <a:endParaRPr lang="fr-FR"/>
           </a:p>
@@ -5022,7 +5022,7 @@
           <a:p>
             <a:fld id="{6827929E-FB81-4D6D-AC37-21CBADBF2A78}" type="datetime1">
               <a:rPr lang="fr-FR" smtClean="0"/>
-              <a:t>08/03/2020</a:t>
+              <a:t>09/03/2020</a:t>
             </a:fld>
             <a:endParaRPr lang="fr-FR"/>
           </a:p>
@@ -5445,7 +5445,7 @@
           <a:p>
             <a:fld id="{C270C715-F1D2-4F86-ACC2-5B0EE326C35C}" type="datetime1">
               <a:rPr lang="fr-FR" smtClean="0"/>
-              <a:t>08/03/2020</a:t>
+              <a:t>09/03/2020</a:t>
             </a:fld>
             <a:endParaRPr lang="fr-FR"/>
           </a:p>
@@ -5597,7 +5597,7 @@
           <a:p>
             <a:fld id="{90A36232-79AA-4ED7-837B-3FDEE0A7470C}" type="datetime1">
               <a:rPr lang="fr-FR" smtClean="0"/>
-              <a:t>08/03/2020</a:t>
+              <a:t>09/03/2020</a:t>
             </a:fld>
             <a:endParaRPr lang="fr-FR"/>
           </a:p>
@@ -5721,7 +5721,7 @@
           <a:p>
             <a:fld id="{2F0A5300-F5CE-4770-A4CB-B72564FF9B9D}" type="datetime1">
               <a:rPr lang="fr-FR" smtClean="0"/>
-              <a:t>08/03/2020</a:t>
+              <a:t>09/03/2020</a:t>
             </a:fld>
             <a:endParaRPr lang="fr-FR"/>
           </a:p>
@@ -6043,7 +6043,7 @@
           <a:p>
             <a:fld id="{D833E657-2527-4147-A496-77D76680930E}" type="datetime1">
               <a:rPr lang="fr-FR" smtClean="0"/>
-              <a:t>08/03/2020</a:t>
+              <a:t>09/03/2020</a:t>
             </a:fld>
             <a:endParaRPr lang="fr-FR"/>
           </a:p>
@@ -6342,7 +6342,7 @@
           <a:p>
             <a:fld id="{3A3BE854-0303-4AE7-A6B0-F41B4F279F95}" type="datetime1">
               <a:rPr lang="fr-FR" smtClean="0"/>
-              <a:t>08/03/2020</a:t>
+              <a:t>09/03/2020</a:t>
             </a:fld>
             <a:endParaRPr lang="fr-FR"/>
           </a:p>
@@ -8274,7 +8274,7 @@
           <p:cNvPr id="2" name="Titre 1">
             <a:extLst>
               <a:ext uri="{FF2B5EF4-FFF2-40B4-BE49-F238E27FC236}">
-                <a16:creationId xmlns:a16="http://schemas.microsoft.com/office/drawing/2014/main" id="{3A2AF3BC-13C2-4C59-AB5C-C98F8D119983}"/>
+                <a16:creationId xmlns:a16="http://schemas.microsoft.com/office/drawing/2014/main" id="{63754092-9486-4D93-9FFD-807B50EFAD55}"/>
               </a:ext>
             </a:extLst>
           </p:cNvPr>
@@ -8285,103 +8285,41 @@
             <p:ph type="title"/>
           </p:nvPr>
         </p:nvSpPr>
-        <p:spPr>
-          <a:xfrm>
-            <a:off x="839788" y="365125"/>
-            <a:ext cx="10515600" cy="1325563"/>
-          </a:xfrm>
-        </p:spPr>
+        <p:spPr/>
         <p:txBody>
           <a:bodyPr/>
           <a:lstStyle/>
           <a:p>
-            <a:pPr algn="r"/>
-            <a:r>
-              <a:rPr lang="fr-FR" dirty="0">
-                <a:latin typeface="Bahnschrift" panose="020B0502040204020203" pitchFamily="34" charset="0"/>
-              </a:rPr>
-              <a:t>La technologie</a:t>
-            </a:r>
-          </a:p>
-        </p:txBody>
-      </p:sp>
-      <p:sp>
-        <p:nvSpPr>
-          <p:cNvPr id="9" name="Espace réservé du contenu 8">
-            <a:extLst>
-              <a:ext uri="{FF2B5EF4-FFF2-40B4-BE49-F238E27FC236}">
-                <a16:creationId xmlns:a16="http://schemas.microsoft.com/office/drawing/2014/main" id="{A275FEFB-7365-46E6-ABC3-98A21DEE3A11}"/>
-              </a:ext>
-            </a:extLst>
-          </p:cNvPr>
-          <p:cNvSpPr>
-            <a:spLocks noGrp="1"/>
-          </p:cNvSpPr>
-          <p:nvPr>
-            <p:ph sz="quarter" idx="4"/>
-          </p:nvPr>
-        </p:nvSpPr>
-        <p:spPr>
-          <a:xfrm>
-            <a:off x="6604793" y="2528855"/>
-            <a:ext cx="5183188" cy="3684588"/>
-          </a:xfrm>
-        </p:spPr>
+            <a:r>
+              <a:rPr lang="fr-FR" dirty="0"/>
+              <a:t>Quelle technologie ?</a:t>
+            </a:r>
+          </a:p>
+        </p:txBody>
+      </p:sp>
+      <p:sp>
+        <p:nvSpPr>
+          <p:cNvPr id="4" name="Espace réservé du pied de page 3">
+            <a:extLst>
+              <a:ext uri="{FF2B5EF4-FFF2-40B4-BE49-F238E27FC236}">
+                <a16:creationId xmlns:a16="http://schemas.microsoft.com/office/drawing/2014/main" id="{859527CE-2A44-40A2-8965-CE18132F6715}"/>
+              </a:ext>
+            </a:extLst>
+          </p:cNvPr>
+          <p:cNvSpPr>
+            <a:spLocks noGrp="1"/>
+          </p:cNvSpPr>
+          <p:nvPr>
+            <p:ph type="ftr" sz="quarter" idx="11"/>
+          </p:nvPr>
+        </p:nvSpPr>
+        <p:spPr/>
         <p:txBody>
           <a:bodyPr/>
           <a:lstStyle/>
           <a:p>
-            <a:endParaRPr lang="fr-FR" dirty="0"/>
-          </a:p>
-          <a:p>
             <a:r>
               <a:rPr lang="fr-FR" dirty="0"/>
-              <a:t>Langage plus récent</a:t>
-            </a:r>
-          </a:p>
-          <a:p>
-            <a:endParaRPr lang="fr-FR" dirty="0"/>
-          </a:p>
-          <a:p>
-            <a:r>
-              <a:rPr lang="fr-FR" dirty="0"/>
-              <a:t>Dérivé du java</a:t>
-            </a:r>
-          </a:p>
-          <a:p>
-            <a:endParaRPr lang="fr-FR" dirty="0"/>
-          </a:p>
-          <a:p>
-            <a:r>
-              <a:rPr lang="fr-FR" dirty="0"/>
-              <a:t>Plus compliqué pour l’exportation</a:t>
-            </a:r>
-          </a:p>
-        </p:txBody>
-      </p:sp>
-      <p:sp>
-        <p:nvSpPr>
-          <p:cNvPr id="4" name="Espace réservé du pied de page 3">
-            <a:extLst>
-              <a:ext uri="{FF2B5EF4-FFF2-40B4-BE49-F238E27FC236}">
-                <a16:creationId xmlns:a16="http://schemas.microsoft.com/office/drawing/2014/main" id="{AB676792-5FE4-4066-A782-04369723A5BD}"/>
-              </a:ext>
-            </a:extLst>
-          </p:cNvPr>
-          <p:cNvSpPr>
-            <a:spLocks noGrp="1"/>
-          </p:cNvSpPr>
-          <p:nvPr>
-            <p:ph type="ftr" sz="quarter" idx="11"/>
-          </p:nvPr>
-        </p:nvSpPr>
-        <p:spPr/>
-        <p:txBody>
-          <a:bodyPr/>
-          <a:lstStyle/>
-          <a:p>
-            <a:r>
-              <a:rPr lang="fr-FR"/>
               <a:t>Projet tutoré s2</a:t>
             </a:r>
           </a:p>
@@ -8392,7 +8330,7 @@
           <p:cNvPr id="5" name="Espace réservé du numéro de diapositive 4">
             <a:extLst>
               <a:ext uri="{FF2B5EF4-FFF2-40B4-BE49-F238E27FC236}">
-                <a16:creationId xmlns:a16="http://schemas.microsoft.com/office/drawing/2014/main" id="{C3FE829E-8408-4382-8ED9-AF956CB6D2B6}"/>
+                <a16:creationId xmlns:a16="http://schemas.microsoft.com/office/drawing/2014/main" id="{2EB5989F-53C7-4299-8ED1-BEC9AAB317CB}"/>
               </a:ext>
             </a:extLst>
           </p:cNvPr>
@@ -8416,72 +8354,12 @@
           </a:p>
         </p:txBody>
       </p:sp>
-      <p:sp>
-        <p:nvSpPr>
-          <p:cNvPr id="27" name="Espace réservé du contenu 26">
-            <a:extLst>
-              <a:ext uri="{FF2B5EF4-FFF2-40B4-BE49-F238E27FC236}">
-                <a16:creationId xmlns:a16="http://schemas.microsoft.com/office/drawing/2014/main" id="{51880307-96E1-4085-8762-C3AB306EC45F}"/>
-              </a:ext>
-            </a:extLst>
-          </p:cNvPr>
-          <p:cNvSpPr>
-            <a:spLocks noGrp="1"/>
-          </p:cNvSpPr>
-          <p:nvPr>
-            <p:ph sz="half" idx="2"/>
-          </p:nvPr>
-        </p:nvSpPr>
-        <p:spPr>
-          <a:xfrm>
-            <a:off x="282613" y="2528855"/>
-            <a:ext cx="5157787" cy="3684588"/>
-          </a:xfrm>
-        </p:spPr>
-        <p:txBody>
-          <a:bodyPr/>
-          <a:lstStyle/>
-          <a:p>
-            <a:endParaRPr lang="fr-FR" dirty="0"/>
-          </a:p>
-          <a:p>
-            <a:r>
-              <a:rPr lang="fr-FR" dirty="0"/>
-              <a:t>Langage très populaire</a:t>
-            </a:r>
-          </a:p>
-          <a:p>
-            <a:endParaRPr lang="fr-FR" dirty="0"/>
-          </a:p>
-          <a:p>
-            <a:r>
-              <a:rPr lang="fr-FR" dirty="0"/>
-              <a:t>Davantage d’aide disponible</a:t>
-            </a:r>
-          </a:p>
-          <a:p>
-            <a:endParaRPr lang="fr-FR" dirty="0"/>
-          </a:p>
-          <a:p>
-            <a:r>
-              <a:rPr lang="fr-FR" dirty="0"/>
-              <a:t>Facilité d’exportation sur différentes plateformes</a:t>
-            </a:r>
-          </a:p>
-          <a:p>
-            <a:endParaRPr lang="fr-FR" dirty="0"/>
-          </a:p>
-          <a:p>
-            <a:endParaRPr lang="fr-FR" dirty="0"/>
-          </a:p>
-        </p:txBody>
-      </p:sp>
       <p:pic>
         <p:nvPicPr>
-          <p:cNvPr id="31" name="Image 30" descr="Une image contenant dessin&#10;&#10;Description générée automatiquement">
-            <a:extLst>
-              <a:ext uri="{FF2B5EF4-FFF2-40B4-BE49-F238E27FC236}">
-                <a16:creationId xmlns:a16="http://schemas.microsoft.com/office/drawing/2014/main" id="{A6A15A59-7BC4-4D2D-A7A5-53BF7A1F1298}"/>
+          <p:cNvPr id="7" name="Image 6" descr="Une image contenant horloge&#10;&#10;Description générée automatiquement">
+            <a:extLst>
+              <a:ext uri="{FF2B5EF4-FFF2-40B4-BE49-F238E27FC236}">
+                <a16:creationId xmlns:a16="http://schemas.microsoft.com/office/drawing/2014/main" id="{F226D064-B1BD-4259-A432-D859B8BDAEB3}"/>
               </a:ext>
             </a:extLst>
           </p:cNvPr>
@@ -8504,20 +8382,268 @@
         </p:blipFill>
         <p:spPr>
           <a:xfrm>
-            <a:off x="9966356" y="1914525"/>
-            <a:ext cx="1570331" cy="1686116"/>
+            <a:off x="3062484" y="2050182"/>
+            <a:ext cx="1440000" cy="1440000"/>
           </a:xfrm>
           <a:prstGeom prst="rect">
             <a:avLst/>
           </a:prstGeom>
         </p:spPr>
       </p:pic>
+      <p:sp>
+        <p:nvSpPr>
+          <p:cNvPr id="8" name="ZoneTexte 7">
+            <a:extLst>
+              <a:ext uri="{FF2B5EF4-FFF2-40B4-BE49-F238E27FC236}">
+                <a16:creationId xmlns:a16="http://schemas.microsoft.com/office/drawing/2014/main" id="{772000E8-C06D-4803-97E8-BB9C9C873FB9}"/>
+              </a:ext>
+            </a:extLst>
+          </p:cNvPr>
+          <p:cNvSpPr txBox="1"/>
+          <p:nvPr/>
+        </p:nvSpPr>
+        <p:spPr>
+          <a:xfrm>
+            <a:off x="3356278" y="3556624"/>
+            <a:ext cx="852413" cy="369332"/>
+          </a:xfrm>
+          <a:prstGeom prst="rect">
+            <a:avLst/>
+          </a:prstGeom>
+          <a:noFill/>
+        </p:spPr>
+        <p:txBody>
+          <a:bodyPr wrap="none" rtlCol="0">
+            <a:spAutoFit/>
+          </a:bodyPr>
+          <a:lstStyle/>
+          <a:p>
+            <a:r>
+              <a:rPr lang="fr-FR" dirty="0"/>
+              <a:t>Python</a:t>
+            </a:r>
+          </a:p>
+        </p:txBody>
+      </p:sp>
       <p:pic>
         <p:nvPicPr>
-          <p:cNvPr id="35" name="Image 34" descr="Une image contenant dessin&#10;&#10;Description générée automatiquement">
-            <a:extLst>
-              <a:ext uri="{FF2B5EF4-FFF2-40B4-BE49-F238E27FC236}">
-                <a16:creationId xmlns:a16="http://schemas.microsoft.com/office/drawing/2014/main" id="{97289764-848B-4E88-B039-714C6DC98542}"/>
+          <p:cNvPr id="12" name="Image 11" descr="Une image contenant blanc, debout, peint, afficher&#10;&#10;Description générée automatiquement">
+            <a:extLst>
+              <a:ext uri="{FF2B5EF4-FFF2-40B4-BE49-F238E27FC236}">
+                <a16:creationId xmlns:a16="http://schemas.microsoft.com/office/drawing/2014/main" id="{BD1675C4-E82F-416A-8862-EA15D0A520B9}"/>
+              </a:ext>
+            </a:extLst>
+          </p:cNvPr>
+          <p:cNvPicPr>
+            <a:picLocks noChangeAspect="1"/>
+          </p:cNvPicPr>
+          <p:nvPr/>
+        </p:nvPicPr>
+        <p:blipFill>
+          <a:blip r:embed="rId3">
+            <a:extLst>
+              <a:ext uri="{28A0092B-C50C-407E-A947-70E740481C1C}">
+                <a14:useLocalDpi xmlns:a14="http://schemas.microsoft.com/office/drawing/2010/main" val="0"/>
+              </a:ext>
+            </a:extLst>
+          </a:blip>
+          <a:stretch>
+            <a:fillRect/>
+          </a:stretch>
+        </p:blipFill>
+        <p:spPr>
+          <a:xfrm>
+            <a:off x="5376000" y="1989000"/>
+            <a:ext cx="1440000" cy="1440000"/>
+          </a:xfrm>
+          <a:prstGeom prst="rect">
+            <a:avLst/>
+          </a:prstGeom>
+        </p:spPr>
+      </p:pic>
+      <p:sp>
+        <p:nvSpPr>
+          <p:cNvPr id="13" name="ZoneTexte 12">
+            <a:extLst>
+              <a:ext uri="{FF2B5EF4-FFF2-40B4-BE49-F238E27FC236}">
+                <a16:creationId xmlns:a16="http://schemas.microsoft.com/office/drawing/2014/main" id="{96BCCE8E-2399-415F-8D4E-950138608D24}"/>
+              </a:ext>
+            </a:extLst>
+          </p:cNvPr>
+          <p:cNvSpPr txBox="1"/>
+          <p:nvPr/>
+        </p:nvSpPr>
+        <p:spPr>
+          <a:xfrm>
+            <a:off x="5716954" y="3562595"/>
+            <a:ext cx="758093" cy="369332"/>
+          </a:xfrm>
+          <a:prstGeom prst="rect">
+            <a:avLst/>
+          </a:prstGeom>
+          <a:noFill/>
+        </p:spPr>
+        <p:txBody>
+          <a:bodyPr wrap="none" rtlCol="0">
+            <a:spAutoFit/>
+          </a:bodyPr>
+          <a:lstStyle/>
+          <a:p>
+            <a:r>
+              <a:rPr lang="fr-FR" dirty="0"/>
+              <a:t>Pascal</a:t>
+            </a:r>
+          </a:p>
+        </p:txBody>
+      </p:sp>
+      <p:pic>
+        <p:nvPicPr>
+          <p:cNvPr id="15" name="Image 14">
+            <a:extLst>
+              <a:ext uri="{FF2B5EF4-FFF2-40B4-BE49-F238E27FC236}">
+                <a16:creationId xmlns:a16="http://schemas.microsoft.com/office/drawing/2014/main" id="{741E29C2-62F3-46EA-868B-6609358DBF0E}"/>
+              </a:ext>
+            </a:extLst>
+          </p:cNvPr>
+          <p:cNvPicPr>
+            <a:picLocks noChangeAspect="1"/>
+          </p:cNvPicPr>
+          <p:nvPr/>
+        </p:nvPicPr>
+        <p:blipFill>
+          <a:blip r:embed="rId4">
+            <a:extLst>
+              <a:ext uri="{28A0092B-C50C-407E-A947-70E740481C1C}">
+                <a14:useLocalDpi xmlns:a14="http://schemas.microsoft.com/office/drawing/2010/main" val="0"/>
+              </a:ext>
+            </a:extLst>
+          </a:blip>
+          <a:stretch>
+            <a:fillRect/>
+          </a:stretch>
+        </p:blipFill>
+        <p:spPr>
+          <a:xfrm>
+            <a:off x="7613133" y="2050182"/>
+            <a:ext cx="1280950" cy="1440000"/>
+          </a:xfrm>
+          <a:prstGeom prst="rect">
+            <a:avLst/>
+          </a:prstGeom>
+        </p:spPr>
+      </p:pic>
+      <p:sp>
+        <p:nvSpPr>
+          <p:cNvPr id="16" name="ZoneTexte 15">
+            <a:extLst>
+              <a:ext uri="{FF2B5EF4-FFF2-40B4-BE49-F238E27FC236}">
+                <a16:creationId xmlns:a16="http://schemas.microsoft.com/office/drawing/2014/main" id="{195218A2-EE43-4DAF-8887-3BF9F1392282}"/>
+              </a:ext>
+            </a:extLst>
+          </p:cNvPr>
+          <p:cNvSpPr txBox="1"/>
+          <p:nvPr/>
+        </p:nvSpPr>
+        <p:spPr>
+          <a:xfrm>
+            <a:off x="7983310" y="3562595"/>
+            <a:ext cx="540597" cy="369332"/>
+          </a:xfrm>
+          <a:prstGeom prst="rect">
+            <a:avLst/>
+          </a:prstGeom>
+          <a:noFill/>
+        </p:spPr>
+        <p:txBody>
+          <a:bodyPr wrap="square" rtlCol="0">
+            <a:spAutoFit/>
+          </a:bodyPr>
+          <a:lstStyle/>
+          <a:p>
+            <a:r>
+              <a:rPr lang="fr-FR" dirty="0"/>
+              <a:t>C++</a:t>
+            </a:r>
+          </a:p>
+        </p:txBody>
+      </p:sp>
+      <p:pic>
+        <p:nvPicPr>
+          <p:cNvPr id="18" name="Image 17">
+            <a:extLst>
+              <a:ext uri="{FF2B5EF4-FFF2-40B4-BE49-F238E27FC236}">
+                <a16:creationId xmlns:a16="http://schemas.microsoft.com/office/drawing/2014/main" id="{CEA3AF08-13E4-4271-8C6B-51F21082DD15}"/>
+              </a:ext>
+            </a:extLst>
+          </p:cNvPr>
+          <p:cNvPicPr>
+            <a:picLocks noChangeAspect="1"/>
+          </p:cNvPicPr>
+          <p:nvPr/>
+        </p:nvPicPr>
+        <p:blipFill>
+          <a:blip r:embed="rId5">
+            <a:extLst>
+              <a:ext uri="{28A0092B-C50C-407E-A947-70E740481C1C}">
+                <a14:useLocalDpi xmlns:a14="http://schemas.microsoft.com/office/drawing/2010/main" val="0"/>
+              </a:ext>
+            </a:extLst>
+          </a:blip>
+          <a:stretch>
+            <a:fillRect/>
+          </a:stretch>
+        </p:blipFill>
+        <p:spPr>
+          <a:xfrm>
+            <a:off x="3136166" y="4352570"/>
+            <a:ext cx="1304319" cy="1433664"/>
+          </a:xfrm>
+          <a:prstGeom prst="rect">
+            <a:avLst/>
+          </a:prstGeom>
+        </p:spPr>
+      </p:pic>
+      <p:sp>
+        <p:nvSpPr>
+          <p:cNvPr id="19" name="ZoneTexte 18">
+            <a:extLst>
+              <a:ext uri="{FF2B5EF4-FFF2-40B4-BE49-F238E27FC236}">
+                <a16:creationId xmlns:a16="http://schemas.microsoft.com/office/drawing/2014/main" id="{59738EEF-AC46-4142-ADF4-00A6CDF690EC}"/>
+              </a:ext>
+            </a:extLst>
+          </p:cNvPr>
+          <p:cNvSpPr txBox="1"/>
+          <p:nvPr/>
+        </p:nvSpPr>
+        <p:spPr>
+          <a:xfrm>
+            <a:off x="3570727" y="5890400"/>
+            <a:ext cx="423514" cy="369332"/>
+          </a:xfrm>
+          <a:prstGeom prst="rect">
+            <a:avLst/>
+          </a:prstGeom>
+          <a:noFill/>
+        </p:spPr>
+        <p:txBody>
+          <a:bodyPr wrap="none" rtlCol="0">
+            <a:spAutoFit/>
+          </a:bodyPr>
+          <a:lstStyle/>
+          <a:p>
+            <a:r>
+              <a:rPr lang="fr-FR" dirty="0"/>
+              <a:t>C#</a:t>
+            </a:r>
+          </a:p>
+        </p:txBody>
+      </p:sp>
+      <p:pic>
+        <p:nvPicPr>
+          <p:cNvPr id="21" name="Image 20" descr="Une image contenant dessin&#10;&#10;Description générée automatiquement">
+            <a:extLst>
+              <a:ext uri="{FF2B5EF4-FFF2-40B4-BE49-F238E27FC236}">
+                <a16:creationId xmlns:a16="http://schemas.microsoft.com/office/drawing/2014/main" id="{57CB9066-33BD-4D01-B3E3-A52518DE3B3F}"/>
               </a:ext>
             </a:extLst>
           </p:cNvPr>
@@ -8527,36 +8653,1144 @@
           <p:nvPr/>
         </p:nvPicPr>
         <p:blipFill rotWithShape="1">
-          <a:blip r:embed="rId3">
+          <a:blip r:embed="rId6">
             <a:extLst>
               <a:ext uri="{28A0092B-C50C-407E-A947-70E740481C1C}">
                 <a14:useLocalDpi xmlns:a14="http://schemas.microsoft.com/office/drawing/2010/main" val="0"/>
               </a:ext>
             </a:extLst>
           </a:blip>
-          <a:srcRect l="19408" r="28747"/>
+          <a:srcRect b="29427"/>
           <a:stretch/>
         </p:blipFill>
         <p:spPr>
           <a:xfrm>
-            <a:off x="4212336" y="1954625"/>
-            <a:ext cx="1570331" cy="1605915"/>
+            <a:off x="5443840" y="4113127"/>
+            <a:ext cx="1304319" cy="1713645"/>
           </a:xfrm>
           <a:prstGeom prst="rect">
             <a:avLst/>
           </a:prstGeom>
         </p:spPr>
       </p:pic>
+      <p:sp>
+        <p:nvSpPr>
+          <p:cNvPr id="22" name="ZoneTexte 21">
+            <a:extLst>
+              <a:ext uri="{FF2B5EF4-FFF2-40B4-BE49-F238E27FC236}">
+                <a16:creationId xmlns:a16="http://schemas.microsoft.com/office/drawing/2014/main" id="{58744D52-72DB-4820-A921-14A50122FA50}"/>
+              </a:ext>
+            </a:extLst>
+          </p:cNvPr>
+          <p:cNvSpPr txBox="1"/>
+          <p:nvPr/>
+        </p:nvSpPr>
+        <p:spPr>
+          <a:xfrm>
+            <a:off x="5807715" y="5890400"/>
+            <a:ext cx="576568" cy="369332"/>
+          </a:xfrm>
+          <a:prstGeom prst="rect">
+            <a:avLst/>
+          </a:prstGeom>
+          <a:noFill/>
+        </p:spPr>
+        <p:txBody>
+          <a:bodyPr wrap="none" rtlCol="0">
+            <a:spAutoFit/>
+          </a:bodyPr>
+          <a:lstStyle/>
+          <a:p>
+            <a:r>
+              <a:rPr lang="fr-FR" dirty="0"/>
+              <a:t>Java</a:t>
+            </a:r>
+          </a:p>
+        </p:txBody>
+      </p:sp>
+      <p:pic>
+        <p:nvPicPr>
+          <p:cNvPr id="24" name="Image 23" descr="Une image contenant assiette, dessin&#10;&#10;Description générée automatiquement">
+            <a:extLst>
+              <a:ext uri="{FF2B5EF4-FFF2-40B4-BE49-F238E27FC236}">
+                <a16:creationId xmlns:a16="http://schemas.microsoft.com/office/drawing/2014/main" id="{9E8EB06F-6181-4BBF-BAD8-1645A145BD80}"/>
+              </a:ext>
+            </a:extLst>
+          </p:cNvPr>
+          <p:cNvPicPr>
+            <a:picLocks noChangeAspect="1"/>
+          </p:cNvPicPr>
+          <p:nvPr/>
+        </p:nvPicPr>
+        <p:blipFill>
+          <a:blip r:embed="rId7">
+            <a:extLst>
+              <a:ext uri="{28A0092B-C50C-407E-A947-70E740481C1C}">
+                <a14:useLocalDpi xmlns:a14="http://schemas.microsoft.com/office/drawing/2010/main" val="0"/>
+              </a:ext>
+            </a:extLst>
+          </a:blip>
+          <a:stretch>
+            <a:fillRect/>
+          </a:stretch>
+        </p:blipFill>
+        <p:spPr>
+          <a:xfrm>
+            <a:off x="7488414" y="4724046"/>
+            <a:ext cx="1683153" cy="908968"/>
+          </a:xfrm>
+          <a:prstGeom prst="rect">
+            <a:avLst/>
+          </a:prstGeom>
+        </p:spPr>
+      </p:pic>
+      <p:sp>
+        <p:nvSpPr>
+          <p:cNvPr id="25" name="ZoneTexte 24">
+            <a:extLst>
+              <a:ext uri="{FF2B5EF4-FFF2-40B4-BE49-F238E27FC236}">
+                <a16:creationId xmlns:a16="http://schemas.microsoft.com/office/drawing/2014/main" id="{9D77944A-4147-42DC-A52C-6FF6591CCDBA}"/>
+              </a:ext>
+            </a:extLst>
+          </p:cNvPr>
+          <p:cNvSpPr txBox="1"/>
+          <p:nvPr/>
+        </p:nvSpPr>
+        <p:spPr>
+          <a:xfrm>
+            <a:off x="8046899" y="5902832"/>
+            <a:ext cx="566181" cy="369332"/>
+          </a:xfrm>
+          <a:prstGeom prst="rect">
+            <a:avLst/>
+          </a:prstGeom>
+          <a:noFill/>
+        </p:spPr>
+        <p:txBody>
+          <a:bodyPr wrap="none" rtlCol="0">
+            <a:spAutoFit/>
+          </a:bodyPr>
+          <a:lstStyle/>
+          <a:p>
+            <a:r>
+              <a:rPr lang="fr-FR" dirty="0"/>
+              <a:t>PHP</a:t>
+            </a:r>
+          </a:p>
+        </p:txBody>
+      </p:sp>
+      <p:sp>
+        <p:nvSpPr>
+          <p:cNvPr id="26" name="Ellipse 25">
+            <a:extLst>
+              <a:ext uri="{FF2B5EF4-FFF2-40B4-BE49-F238E27FC236}">
+                <a16:creationId xmlns:a16="http://schemas.microsoft.com/office/drawing/2014/main" id="{8941E5E5-5D48-42AD-820B-3F39DB6402C0}"/>
+              </a:ext>
+            </a:extLst>
+          </p:cNvPr>
+          <p:cNvSpPr/>
+          <p:nvPr/>
+        </p:nvSpPr>
+        <p:spPr>
+          <a:xfrm>
+            <a:off x="2882484" y="1837773"/>
+            <a:ext cx="1800000" cy="1800000"/>
+          </a:xfrm>
+          <a:prstGeom prst="ellipse">
+            <a:avLst/>
+          </a:prstGeom>
+          <a:noFill/>
+          <a:ln w="76200">
+            <a:solidFill>
+              <a:srgbClr val="00B050"/>
+            </a:solidFill>
+          </a:ln>
+        </p:spPr>
+        <p:style>
+          <a:lnRef idx="2">
+            <a:schemeClr val="accent1">
+              <a:shade val="50000"/>
+            </a:schemeClr>
+          </a:lnRef>
+          <a:fillRef idx="1">
+            <a:schemeClr val="accent1"/>
+          </a:fillRef>
+          <a:effectRef idx="0">
+            <a:schemeClr val="accent1"/>
+          </a:effectRef>
+          <a:fontRef idx="minor">
+            <a:schemeClr val="lt1"/>
+          </a:fontRef>
+        </p:style>
+        <p:txBody>
+          <a:bodyPr rtlCol="0" anchor="ctr"/>
+          <a:lstStyle/>
+          <a:p>
+            <a:pPr algn="just"/>
+            <a:endParaRPr lang="fr-FR" dirty="0"/>
+          </a:p>
+        </p:txBody>
+      </p:sp>
+      <p:sp>
+        <p:nvSpPr>
+          <p:cNvPr id="27" name="Ellipse 26">
+            <a:extLst>
+              <a:ext uri="{FF2B5EF4-FFF2-40B4-BE49-F238E27FC236}">
+                <a16:creationId xmlns:a16="http://schemas.microsoft.com/office/drawing/2014/main" id="{895AECB5-0C18-42CC-AB20-A13683951AAE}"/>
+              </a:ext>
+            </a:extLst>
+          </p:cNvPr>
+          <p:cNvSpPr/>
+          <p:nvPr/>
+        </p:nvSpPr>
+        <p:spPr>
+          <a:xfrm>
+            <a:off x="5195999" y="1783549"/>
+            <a:ext cx="1800000" cy="1800000"/>
+          </a:xfrm>
+          <a:prstGeom prst="ellipse">
+            <a:avLst/>
+          </a:prstGeom>
+          <a:noFill/>
+          <a:ln w="76200">
+            <a:solidFill>
+              <a:srgbClr val="00B050"/>
+            </a:solidFill>
+          </a:ln>
+        </p:spPr>
+        <p:style>
+          <a:lnRef idx="2">
+            <a:schemeClr val="accent1">
+              <a:shade val="50000"/>
+            </a:schemeClr>
+          </a:lnRef>
+          <a:fillRef idx="1">
+            <a:schemeClr val="accent1"/>
+          </a:fillRef>
+          <a:effectRef idx="0">
+            <a:schemeClr val="accent1"/>
+          </a:effectRef>
+          <a:fontRef idx="minor">
+            <a:schemeClr val="lt1"/>
+          </a:fontRef>
+        </p:style>
+        <p:txBody>
+          <a:bodyPr rtlCol="0" anchor="ctr"/>
+          <a:lstStyle/>
+          <a:p>
+            <a:pPr algn="just"/>
+            <a:endParaRPr lang="fr-FR" dirty="0"/>
+          </a:p>
+        </p:txBody>
+      </p:sp>
+      <p:sp>
+        <p:nvSpPr>
+          <p:cNvPr id="28" name="Ellipse 27">
+            <a:extLst>
+              <a:ext uri="{FF2B5EF4-FFF2-40B4-BE49-F238E27FC236}">
+                <a16:creationId xmlns:a16="http://schemas.microsoft.com/office/drawing/2014/main" id="{A0FE652E-B02A-4176-8AEE-4C581EB73DE5}"/>
+              </a:ext>
+            </a:extLst>
+          </p:cNvPr>
+          <p:cNvSpPr/>
+          <p:nvPr/>
+        </p:nvSpPr>
+        <p:spPr>
+          <a:xfrm>
+            <a:off x="7353608" y="1823404"/>
+            <a:ext cx="1800000" cy="1800000"/>
+          </a:xfrm>
+          <a:prstGeom prst="ellipse">
+            <a:avLst/>
+          </a:prstGeom>
+          <a:noFill/>
+          <a:ln w="76200">
+            <a:solidFill>
+              <a:srgbClr val="00B050"/>
+            </a:solidFill>
+          </a:ln>
+        </p:spPr>
+        <p:style>
+          <a:lnRef idx="2">
+            <a:schemeClr val="accent1">
+              <a:shade val="50000"/>
+            </a:schemeClr>
+          </a:lnRef>
+          <a:fillRef idx="1">
+            <a:schemeClr val="accent1"/>
+          </a:fillRef>
+          <a:effectRef idx="0">
+            <a:schemeClr val="accent1"/>
+          </a:effectRef>
+          <a:fontRef idx="minor">
+            <a:schemeClr val="lt1"/>
+          </a:fontRef>
+        </p:style>
+        <p:txBody>
+          <a:bodyPr rtlCol="0" anchor="ctr"/>
+          <a:lstStyle/>
+          <a:p>
+            <a:pPr algn="just"/>
+            <a:endParaRPr lang="fr-FR" dirty="0"/>
+          </a:p>
+        </p:txBody>
+      </p:sp>
+      <p:sp>
+        <p:nvSpPr>
+          <p:cNvPr id="29" name="Ellipse 28">
+            <a:extLst>
+              <a:ext uri="{FF2B5EF4-FFF2-40B4-BE49-F238E27FC236}">
+                <a16:creationId xmlns:a16="http://schemas.microsoft.com/office/drawing/2014/main" id="{663CA4C6-C4AD-4F71-A8BC-6964638B4D0E}"/>
+              </a:ext>
+            </a:extLst>
+          </p:cNvPr>
+          <p:cNvSpPr/>
+          <p:nvPr/>
+        </p:nvSpPr>
+        <p:spPr>
+          <a:xfrm>
+            <a:off x="2882484" y="4113127"/>
+            <a:ext cx="1800000" cy="1800000"/>
+          </a:xfrm>
+          <a:prstGeom prst="ellipse">
+            <a:avLst/>
+          </a:prstGeom>
+          <a:noFill/>
+          <a:ln w="76200">
+            <a:solidFill>
+              <a:srgbClr val="00B050"/>
+            </a:solidFill>
+          </a:ln>
+        </p:spPr>
+        <p:style>
+          <a:lnRef idx="2">
+            <a:schemeClr val="accent1">
+              <a:shade val="50000"/>
+            </a:schemeClr>
+          </a:lnRef>
+          <a:fillRef idx="1">
+            <a:schemeClr val="accent1"/>
+          </a:fillRef>
+          <a:effectRef idx="0">
+            <a:schemeClr val="accent1"/>
+          </a:effectRef>
+          <a:fontRef idx="minor">
+            <a:schemeClr val="lt1"/>
+          </a:fontRef>
+        </p:style>
+        <p:txBody>
+          <a:bodyPr rtlCol="0" anchor="ctr"/>
+          <a:lstStyle/>
+          <a:p>
+            <a:pPr algn="just"/>
+            <a:endParaRPr lang="fr-FR" dirty="0"/>
+          </a:p>
+        </p:txBody>
+      </p:sp>
+      <p:sp>
+        <p:nvSpPr>
+          <p:cNvPr id="30" name="Ellipse 29">
+            <a:extLst>
+              <a:ext uri="{FF2B5EF4-FFF2-40B4-BE49-F238E27FC236}">
+                <a16:creationId xmlns:a16="http://schemas.microsoft.com/office/drawing/2014/main" id="{C7FD6A19-B23A-4F21-8304-B1F82AF991F3}"/>
+              </a:ext>
+            </a:extLst>
+          </p:cNvPr>
+          <p:cNvSpPr/>
+          <p:nvPr/>
+        </p:nvSpPr>
+        <p:spPr>
+          <a:xfrm>
+            <a:off x="5203101" y="4152336"/>
+            <a:ext cx="1800000" cy="1800000"/>
+          </a:xfrm>
+          <a:prstGeom prst="ellipse">
+            <a:avLst/>
+          </a:prstGeom>
+          <a:noFill/>
+          <a:ln w="76200">
+            <a:solidFill>
+              <a:srgbClr val="00B050"/>
+            </a:solidFill>
+          </a:ln>
+        </p:spPr>
+        <p:style>
+          <a:lnRef idx="2">
+            <a:schemeClr val="accent1">
+              <a:shade val="50000"/>
+            </a:schemeClr>
+          </a:lnRef>
+          <a:fillRef idx="1">
+            <a:schemeClr val="accent1"/>
+          </a:fillRef>
+          <a:effectRef idx="0">
+            <a:schemeClr val="accent1"/>
+          </a:effectRef>
+          <a:fontRef idx="minor">
+            <a:schemeClr val="lt1"/>
+          </a:fontRef>
+        </p:style>
+        <p:txBody>
+          <a:bodyPr rtlCol="0" anchor="ctr"/>
+          <a:lstStyle/>
+          <a:p>
+            <a:pPr algn="just"/>
+            <a:endParaRPr lang="fr-FR" dirty="0"/>
+          </a:p>
+        </p:txBody>
+      </p:sp>
+      <p:sp>
+        <p:nvSpPr>
+          <p:cNvPr id="31" name="Ellipse 30">
+            <a:extLst>
+              <a:ext uri="{FF2B5EF4-FFF2-40B4-BE49-F238E27FC236}">
+                <a16:creationId xmlns:a16="http://schemas.microsoft.com/office/drawing/2014/main" id="{B68A4E51-561C-429E-A0AB-6414F4820B48}"/>
+              </a:ext>
+            </a:extLst>
+          </p:cNvPr>
+          <p:cNvSpPr/>
+          <p:nvPr/>
+        </p:nvSpPr>
+        <p:spPr>
+          <a:xfrm>
+            <a:off x="7429989" y="4152336"/>
+            <a:ext cx="1800000" cy="1800000"/>
+          </a:xfrm>
+          <a:prstGeom prst="ellipse">
+            <a:avLst/>
+          </a:prstGeom>
+          <a:noFill/>
+          <a:ln w="76200">
+            <a:solidFill>
+              <a:srgbClr val="00B050"/>
+            </a:solidFill>
+          </a:ln>
+        </p:spPr>
+        <p:style>
+          <a:lnRef idx="2">
+            <a:schemeClr val="accent1">
+              <a:shade val="50000"/>
+            </a:schemeClr>
+          </a:lnRef>
+          <a:fillRef idx="1">
+            <a:schemeClr val="accent1"/>
+          </a:fillRef>
+          <a:effectRef idx="0">
+            <a:schemeClr val="accent1"/>
+          </a:effectRef>
+          <a:fontRef idx="minor">
+            <a:schemeClr val="lt1"/>
+          </a:fontRef>
+        </p:style>
+        <p:txBody>
+          <a:bodyPr rtlCol="0" anchor="ctr"/>
+          <a:lstStyle/>
+          <a:p>
+            <a:pPr algn="just"/>
+            <a:endParaRPr lang="fr-FR" dirty="0"/>
+          </a:p>
+        </p:txBody>
+      </p:sp>
+      <p:sp>
+        <p:nvSpPr>
+          <p:cNvPr id="32" name="Signe de multiplication 31">
+            <a:extLst>
+              <a:ext uri="{FF2B5EF4-FFF2-40B4-BE49-F238E27FC236}">
+                <a16:creationId xmlns:a16="http://schemas.microsoft.com/office/drawing/2014/main" id="{F94FCF25-69FF-4AD8-AEED-79689046927B}"/>
+              </a:ext>
+            </a:extLst>
+          </p:cNvPr>
+          <p:cNvSpPr/>
+          <p:nvPr/>
+        </p:nvSpPr>
+        <p:spPr>
+          <a:xfrm>
+            <a:off x="5389749" y="1288235"/>
+            <a:ext cx="1406740" cy="2815202"/>
+          </a:xfrm>
+          <a:prstGeom prst="mathMultiply">
+            <a:avLst/>
+          </a:prstGeom>
+          <a:solidFill>
+            <a:srgbClr val="FF0000"/>
+          </a:solidFill>
+          <a:ln>
+            <a:solidFill>
+              <a:srgbClr val="C00000"/>
+            </a:solidFill>
+          </a:ln>
+        </p:spPr>
+        <p:style>
+          <a:lnRef idx="2">
+            <a:schemeClr val="accent1">
+              <a:shade val="50000"/>
+            </a:schemeClr>
+          </a:lnRef>
+          <a:fillRef idx="1">
+            <a:schemeClr val="accent1"/>
+          </a:fillRef>
+          <a:effectRef idx="0">
+            <a:schemeClr val="accent1"/>
+          </a:effectRef>
+          <a:fontRef idx="minor">
+            <a:schemeClr val="lt1"/>
+          </a:fontRef>
+        </p:style>
+        <p:txBody>
+          <a:bodyPr rtlCol="0" anchor="ctr"/>
+          <a:lstStyle/>
+          <a:p>
+            <a:pPr algn="just"/>
+            <a:endParaRPr lang="fr-FR" dirty="0"/>
+          </a:p>
+        </p:txBody>
+      </p:sp>
+      <p:sp>
+        <p:nvSpPr>
+          <p:cNvPr id="36" name="Signe de multiplication 35">
+            <a:extLst>
+              <a:ext uri="{FF2B5EF4-FFF2-40B4-BE49-F238E27FC236}">
+                <a16:creationId xmlns:a16="http://schemas.microsoft.com/office/drawing/2014/main" id="{54039FC3-811B-451D-9B64-6D22DD12F3C9}"/>
+              </a:ext>
+            </a:extLst>
+          </p:cNvPr>
+          <p:cNvSpPr/>
+          <p:nvPr/>
+        </p:nvSpPr>
+        <p:spPr>
+          <a:xfrm>
+            <a:off x="3087086" y="1330172"/>
+            <a:ext cx="1406740" cy="2815202"/>
+          </a:xfrm>
+          <a:prstGeom prst="mathMultiply">
+            <a:avLst/>
+          </a:prstGeom>
+          <a:solidFill>
+            <a:srgbClr val="FF0000"/>
+          </a:solidFill>
+          <a:ln>
+            <a:solidFill>
+              <a:srgbClr val="C00000"/>
+            </a:solidFill>
+          </a:ln>
+        </p:spPr>
+        <p:style>
+          <a:lnRef idx="2">
+            <a:schemeClr val="accent1">
+              <a:shade val="50000"/>
+            </a:schemeClr>
+          </a:lnRef>
+          <a:fillRef idx="1">
+            <a:schemeClr val="accent1"/>
+          </a:fillRef>
+          <a:effectRef idx="0">
+            <a:schemeClr val="accent1"/>
+          </a:effectRef>
+          <a:fontRef idx="minor">
+            <a:schemeClr val="lt1"/>
+          </a:fontRef>
+        </p:style>
+        <p:txBody>
+          <a:bodyPr rtlCol="0" anchor="ctr"/>
+          <a:lstStyle/>
+          <a:p>
+            <a:pPr algn="just"/>
+            <a:endParaRPr lang="fr-FR" dirty="0"/>
+          </a:p>
+        </p:txBody>
+      </p:sp>
+      <p:sp>
+        <p:nvSpPr>
+          <p:cNvPr id="37" name="Signe de multiplication 36">
+            <a:extLst>
+              <a:ext uri="{FF2B5EF4-FFF2-40B4-BE49-F238E27FC236}">
+                <a16:creationId xmlns:a16="http://schemas.microsoft.com/office/drawing/2014/main" id="{C9C0B021-B57C-4D2C-9862-5CFFB6079379}"/>
+              </a:ext>
+            </a:extLst>
+          </p:cNvPr>
+          <p:cNvSpPr/>
+          <p:nvPr/>
+        </p:nvSpPr>
+        <p:spPr>
+          <a:xfrm>
+            <a:off x="7523265" y="1330172"/>
+            <a:ext cx="1406740" cy="2815202"/>
+          </a:xfrm>
+          <a:prstGeom prst="mathMultiply">
+            <a:avLst/>
+          </a:prstGeom>
+          <a:solidFill>
+            <a:srgbClr val="FF0000"/>
+          </a:solidFill>
+          <a:ln>
+            <a:solidFill>
+              <a:srgbClr val="C00000"/>
+            </a:solidFill>
+          </a:ln>
+        </p:spPr>
+        <p:style>
+          <a:lnRef idx="2">
+            <a:schemeClr val="accent1">
+              <a:shade val="50000"/>
+            </a:schemeClr>
+          </a:lnRef>
+          <a:fillRef idx="1">
+            <a:schemeClr val="accent1"/>
+          </a:fillRef>
+          <a:effectRef idx="0">
+            <a:schemeClr val="accent1"/>
+          </a:effectRef>
+          <a:fontRef idx="minor">
+            <a:schemeClr val="lt1"/>
+          </a:fontRef>
+        </p:style>
+        <p:txBody>
+          <a:bodyPr rtlCol="0" anchor="ctr"/>
+          <a:lstStyle/>
+          <a:p>
+            <a:pPr algn="just"/>
+            <a:endParaRPr lang="fr-FR" dirty="0"/>
+          </a:p>
+        </p:txBody>
+      </p:sp>
+      <p:sp>
+        <p:nvSpPr>
+          <p:cNvPr id="38" name="Signe de multiplication 37">
+            <a:extLst>
+              <a:ext uri="{FF2B5EF4-FFF2-40B4-BE49-F238E27FC236}">
+                <a16:creationId xmlns:a16="http://schemas.microsoft.com/office/drawing/2014/main" id="{6E03EA88-534F-455D-9708-CAE87AB92DF9}"/>
+              </a:ext>
+            </a:extLst>
+          </p:cNvPr>
+          <p:cNvSpPr/>
+          <p:nvPr/>
+        </p:nvSpPr>
+        <p:spPr>
+          <a:xfrm>
+            <a:off x="7607715" y="3623404"/>
+            <a:ext cx="1406740" cy="2815202"/>
+          </a:xfrm>
+          <a:prstGeom prst="mathMultiply">
+            <a:avLst/>
+          </a:prstGeom>
+          <a:solidFill>
+            <a:srgbClr val="FF0000"/>
+          </a:solidFill>
+          <a:ln>
+            <a:solidFill>
+              <a:srgbClr val="C00000"/>
+            </a:solidFill>
+          </a:ln>
+        </p:spPr>
+        <p:style>
+          <a:lnRef idx="2">
+            <a:schemeClr val="accent1">
+              <a:shade val="50000"/>
+            </a:schemeClr>
+          </a:lnRef>
+          <a:fillRef idx="1">
+            <a:schemeClr val="accent1"/>
+          </a:fillRef>
+          <a:effectRef idx="0">
+            <a:schemeClr val="accent1"/>
+          </a:effectRef>
+          <a:fontRef idx="minor">
+            <a:schemeClr val="lt1"/>
+          </a:fontRef>
+        </p:style>
+        <p:txBody>
+          <a:bodyPr rtlCol="0" anchor="ctr"/>
+          <a:lstStyle/>
+          <a:p>
+            <a:pPr algn="just"/>
+            <a:endParaRPr lang="fr-FR" dirty="0"/>
+          </a:p>
+        </p:txBody>
+      </p:sp>
     </p:spTree>
     <p:extLst>
       <p:ext uri="{BB962C8B-B14F-4D97-AF65-F5344CB8AC3E}">
-        <p14:creationId xmlns:p14="http://schemas.microsoft.com/office/powerpoint/2010/main" val="3156056242"/>
+        <p14:creationId xmlns:p14="http://schemas.microsoft.com/office/powerpoint/2010/main" val="2863337435"/>
       </p:ext>
     </p:extLst>
   </p:cSld>
   <p:clrMapOvr>
     <a:masterClrMapping/>
   </p:clrMapOvr>
+  <p:timing>
+    <p:tnLst>
+      <p:par>
+        <p:cTn id="1" dur="indefinite" restart="never" nodeType="tmRoot">
+          <p:childTnLst>
+            <p:seq concurrent="1" nextAc="seek">
+              <p:cTn id="2" dur="indefinite" nodeType="mainSeq">
+                <p:childTnLst>
+                  <p:par>
+                    <p:cTn id="3" fill="hold">
+                      <p:stCondLst>
+                        <p:cond delay="indefinite"/>
+                      </p:stCondLst>
+                      <p:childTnLst>
+                        <p:par>
+                          <p:cTn id="4" fill="hold">
+                            <p:stCondLst>
+                              <p:cond delay="0"/>
+                            </p:stCondLst>
+                            <p:childTnLst>
+                              <p:par>
+                                <p:cTn id="5" presetID="1" presetClass="entr" presetSubtype="0" fill="hold" grpId="0" nodeType="clickEffect">
+                                  <p:stCondLst>
+                                    <p:cond delay="0"/>
+                                  </p:stCondLst>
+                                  <p:childTnLst>
+                                    <p:set>
+                                      <p:cBhvr>
+                                        <p:cTn id="6" dur="1" fill="hold">
+                                          <p:stCondLst>
+                                            <p:cond delay="0"/>
+                                          </p:stCondLst>
+                                        </p:cTn>
+                                        <p:tgtEl>
+                                          <p:spTgt spid="27"/>
+                                        </p:tgtEl>
+                                        <p:attrNameLst>
+                                          <p:attrName>style.visibility</p:attrName>
+                                        </p:attrNameLst>
+                                      </p:cBhvr>
+                                      <p:to>
+                                        <p:strVal val="visible"/>
+                                      </p:to>
+                                    </p:set>
+                                  </p:childTnLst>
+                                </p:cTn>
+                              </p:par>
+                            </p:childTnLst>
+                          </p:cTn>
+                        </p:par>
+                      </p:childTnLst>
+                    </p:cTn>
+                  </p:par>
+                  <p:par>
+                    <p:cTn id="7" fill="hold">
+                      <p:stCondLst>
+                        <p:cond delay="indefinite"/>
+                      </p:stCondLst>
+                      <p:childTnLst>
+                        <p:par>
+                          <p:cTn id="8" fill="hold">
+                            <p:stCondLst>
+                              <p:cond delay="0"/>
+                            </p:stCondLst>
+                            <p:childTnLst>
+                              <p:par>
+                                <p:cTn id="9" presetID="1" presetClass="entr" presetSubtype="0" fill="hold" grpId="0" nodeType="clickEffect">
+                                  <p:stCondLst>
+                                    <p:cond delay="0"/>
+                                  </p:stCondLst>
+                                  <p:childTnLst>
+                                    <p:set>
+                                      <p:cBhvr>
+                                        <p:cTn id="10" dur="1" fill="hold">
+                                          <p:stCondLst>
+                                            <p:cond delay="0"/>
+                                          </p:stCondLst>
+                                        </p:cTn>
+                                        <p:tgtEl>
+                                          <p:spTgt spid="32"/>
+                                        </p:tgtEl>
+                                        <p:attrNameLst>
+                                          <p:attrName>style.visibility</p:attrName>
+                                        </p:attrNameLst>
+                                      </p:cBhvr>
+                                      <p:to>
+                                        <p:strVal val="visible"/>
+                                      </p:to>
+                                    </p:set>
+                                  </p:childTnLst>
+                                </p:cTn>
+                              </p:par>
+                            </p:childTnLst>
+                          </p:cTn>
+                        </p:par>
+                      </p:childTnLst>
+                    </p:cTn>
+                  </p:par>
+                  <p:par>
+                    <p:cTn id="11" fill="hold">
+                      <p:stCondLst>
+                        <p:cond delay="indefinite"/>
+                      </p:stCondLst>
+                      <p:childTnLst>
+                        <p:par>
+                          <p:cTn id="12" fill="hold">
+                            <p:stCondLst>
+                              <p:cond delay="0"/>
+                            </p:stCondLst>
+                            <p:childTnLst>
+                              <p:par>
+                                <p:cTn id="13" presetID="1" presetClass="entr" presetSubtype="0" fill="hold" grpId="0" nodeType="clickEffect">
+                                  <p:stCondLst>
+                                    <p:cond delay="0"/>
+                                  </p:stCondLst>
+                                  <p:childTnLst>
+                                    <p:set>
+                                      <p:cBhvr>
+                                        <p:cTn id="14" dur="1" fill="hold">
+                                          <p:stCondLst>
+                                            <p:cond delay="0"/>
+                                          </p:stCondLst>
+                                        </p:cTn>
+                                        <p:tgtEl>
+                                          <p:spTgt spid="28"/>
+                                        </p:tgtEl>
+                                        <p:attrNameLst>
+                                          <p:attrName>style.visibility</p:attrName>
+                                        </p:attrNameLst>
+                                      </p:cBhvr>
+                                      <p:to>
+                                        <p:strVal val="visible"/>
+                                      </p:to>
+                                    </p:set>
+                                  </p:childTnLst>
+                                </p:cTn>
+                              </p:par>
+                            </p:childTnLst>
+                          </p:cTn>
+                        </p:par>
+                      </p:childTnLst>
+                    </p:cTn>
+                  </p:par>
+                  <p:par>
+                    <p:cTn id="15" fill="hold">
+                      <p:stCondLst>
+                        <p:cond delay="indefinite"/>
+                      </p:stCondLst>
+                      <p:childTnLst>
+                        <p:par>
+                          <p:cTn id="16" fill="hold">
+                            <p:stCondLst>
+                              <p:cond delay="0"/>
+                            </p:stCondLst>
+                            <p:childTnLst>
+                              <p:par>
+                                <p:cTn id="17" presetID="1" presetClass="entr" presetSubtype="0" fill="hold" grpId="0" nodeType="clickEffect">
+                                  <p:stCondLst>
+                                    <p:cond delay="0"/>
+                                  </p:stCondLst>
+                                  <p:childTnLst>
+                                    <p:set>
+                                      <p:cBhvr>
+                                        <p:cTn id="18" dur="1" fill="hold">
+                                          <p:stCondLst>
+                                            <p:cond delay="0"/>
+                                          </p:stCondLst>
+                                        </p:cTn>
+                                        <p:tgtEl>
+                                          <p:spTgt spid="37"/>
+                                        </p:tgtEl>
+                                        <p:attrNameLst>
+                                          <p:attrName>style.visibility</p:attrName>
+                                        </p:attrNameLst>
+                                      </p:cBhvr>
+                                      <p:to>
+                                        <p:strVal val="visible"/>
+                                      </p:to>
+                                    </p:set>
+                                  </p:childTnLst>
+                                </p:cTn>
+                              </p:par>
+                            </p:childTnLst>
+                          </p:cTn>
+                        </p:par>
+                      </p:childTnLst>
+                    </p:cTn>
+                  </p:par>
+                  <p:par>
+                    <p:cTn id="19" fill="hold">
+                      <p:stCondLst>
+                        <p:cond delay="indefinite"/>
+                      </p:stCondLst>
+                      <p:childTnLst>
+                        <p:par>
+                          <p:cTn id="20" fill="hold">
+                            <p:stCondLst>
+                              <p:cond delay="0"/>
+                            </p:stCondLst>
+                            <p:childTnLst>
+                              <p:par>
+                                <p:cTn id="21" presetID="1" presetClass="entr" presetSubtype="0" fill="hold" grpId="0" nodeType="clickEffect">
+                                  <p:stCondLst>
+                                    <p:cond delay="0"/>
+                                  </p:stCondLst>
+                                  <p:childTnLst>
+                                    <p:set>
+                                      <p:cBhvr>
+                                        <p:cTn id="22" dur="1" fill="hold">
+                                          <p:stCondLst>
+                                            <p:cond delay="0"/>
+                                          </p:stCondLst>
+                                        </p:cTn>
+                                        <p:tgtEl>
+                                          <p:spTgt spid="31"/>
+                                        </p:tgtEl>
+                                        <p:attrNameLst>
+                                          <p:attrName>style.visibility</p:attrName>
+                                        </p:attrNameLst>
+                                      </p:cBhvr>
+                                      <p:to>
+                                        <p:strVal val="visible"/>
+                                      </p:to>
+                                    </p:set>
+                                  </p:childTnLst>
+                                </p:cTn>
+                              </p:par>
+                            </p:childTnLst>
+                          </p:cTn>
+                        </p:par>
+                      </p:childTnLst>
+                    </p:cTn>
+                  </p:par>
+                  <p:par>
+                    <p:cTn id="23" fill="hold">
+                      <p:stCondLst>
+                        <p:cond delay="indefinite"/>
+                      </p:stCondLst>
+                      <p:childTnLst>
+                        <p:par>
+                          <p:cTn id="24" fill="hold">
+                            <p:stCondLst>
+                              <p:cond delay="0"/>
+                            </p:stCondLst>
+                            <p:childTnLst>
+                              <p:par>
+                                <p:cTn id="25" presetID="1" presetClass="entr" presetSubtype="0" fill="hold" grpId="0" nodeType="clickEffect">
+                                  <p:stCondLst>
+                                    <p:cond delay="0"/>
+                                  </p:stCondLst>
+                                  <p:childTnLst>
+                                    <p:set>
+                                      <p:cBhvr>
+                                        <p:cTn id="26" dur="1" fill="hold">
+                                          <p:stCondLst>
+                                            <p:cond delay="0"/>
+                                          </p:stCondLst>
+                                        </p:cTn>
+                                        <p:tgtEl>
+                                          <p:spTgt spid="38"/>
+                                        </p:tgtEl>
+                                        <p:attrNameLst>
+                                          <p:attrName>style.visibility</p:attrName>
+                                        </p:attrNameLst>
+                                      </p:cBhvr>
+                                      <p:to>
+                                        <p:strVal val="visible"/>
+                                      </p:to>
+                                    </p:set>
+                                  </p:childTnLst>
+                                </p:cTn>
+                              </p:par>
+                            </p:childTnLst>
+                          </p:cTn>
+                        </p:par>
+                      </p:childTnLst>
+                    </p:cTn>
+                  </p:par>
+                  <p:par>
+                    <p:cTn id="27" fill="hold">
+                      <p:stCondLst>
+                        <p:cond delay="indefinite"/>
+                      </p:stCondLst>
+                      <p:childTnLst>
+                        <p:par>
+                          <p:cTn id="28" fill="hold">
+                            <p:stCondLst>
+                              <p:cond delay="0"/>
+                            </p:stCondLst>
+                            <p:childTnLst>
+                              <p:par>
+                                <p:cTn id="29" presetID="1" presetClass="entr" presetSubtype="0" fill="hold" grpId="0" nodeType="clickEffect">
+                                  <p:stCondLst>
+                                    <p:cond delay="0"/>
+                                  </p:stCondLst>
+                                  <p:childTnLst>
+                                    <p:set>
+                                      <p:cBhvr>
+                                        <p:cTn id="30" dur="1" fill="hold">
+                                          <p:stCondLst>
+                                            <p:cond delay="0"/>
+                                          </p:stCondLst>
+                                        </p:cTn>
+                                        <p:tgtEl>
+                                          <p:spTgt spid="26"/>
+                                        </p:tgtEl>
+                                        <p:attrNameLst>
+                                          <p:attrName>style.visibility</p:attrName>
+                                        </p:attrNameLst>
+                                      </p:cBhvr>
+                                      <p:to>
+                                        <p:strVal val="visible"/>
+                                      </p:to>
+                                    </p:set>
+                                  </p:childTnLst>
+                                </p:cTn>
+                              </p:par>
+                            </p:childTnLst>
+                          </p:cTn>
+                        </p:par>
+                      </p:childTnLst>
+                    </p:cTn>
+                  </p:par>
+                  <p:par>
+                    <p:cTn id="31" fill="hold">
+                      <p:stCondLst>
+                        <p:cond delay="indefinite"/>
+                      </p:stCondLst>
+                      <p:childTnLst>
+                        <p:par>
+                          <p:cTn id="32" fill="hold">
+                            <p:stCondLst>
+                              <p:cond delay="0"/>
+                            </p:stCondLst>
+                            <p:childTnLst>
+                              <p:par>
+                                <p:cTn id="33" presetID="1" presetClass="entr" presetSubtype="0" fill="hold" grpId="0" nodeType="clickEffect">
+                                  <p:stCondLst>
+                                    <p:cond delay="0"/>
+                                  </p:stCondLst>
+                                  <p:childTnLst>
+                                    <p:set>
+                                      <p:cBhvr>
+                                        <p:cTn id="34" dur="1" fill="hold">
+                                          <p:stCondLst>
+                                            <p:cond delay="0"/>
+                                          </p:stCondLst>
+                                        </p:cTn>
+                                        <p:tgtEl>
+                                          <p:spTgt spid="36"/>
+                                        </p:tgtEl>
+                                        <p:attrNameLst>
+                                          <p:attrName>style.visibility</p:attrName>
+                                        </p:attrNameLst>
+                                      </p:cBhvr>
+                                      <p:to>
+                                        <p:strVal val="visible"/>
+                                      </p:to>
+                                    </p:set>
+                                  </p:childTnLst>
+                                </p:cTn>
+                              </p:par>
+                            </p:childTnLst>
+                          </p:cTn>
+                        </p:par>
+                      </p:childTnLst>
+                    </p:cTn>
+                  </p:par>
+                  <p:par>
+                    <p:cTn id="35" fill="hold">
+                      <p:stCondLst>
+                        <p:cond delay="indefinite"/>
+                      </p:stCondLst>
+                      <p:childTnLst>
+                        <p:par>
+                          <p:cTn id="36" fill="hold">
+                            <p:stCondLst>
+                              <p:cond delay="0"/>
+                            </p:stCondLst>
+                            <p:childTnLst>
+                              <p:par>
+                                <p:cTn id="37" presetID="1" presetClass="entr" presetSubtype="0" fill="hold" grpId="0" nodeType="clickEffect">
+                                  <p:stCondLst>
+                                    <p:cond delay="0"/>
+                                  </p:stCondLst>
+                                  <p:childTnLst>
+                                    <p:set>
+                                      <p:cBhvr>
+                                        <p:cTn id="38" dur="1" fill="hold">
+                                          <p:stCondLst>
+                                            <p:cond delay="0"/>
+                                          </p:stCondLst>
+                                        </p:cTn>
+                                        <p:tgtEl>
+                                          <p:spTgt spid="29"/>
+                                        </p:tgtEl>
+                                        <p:attrNameLst>
+                                          <p:attrName>style.visibility</p:attrName>
+                                        </p:attrNameLst>
+                                      </p:cBhvr>
+                                      <p:to>
+                                        <p:strVal val="visible"/>
+                                      </p:to>
+                                    </p:set>
+                                  </p:childTnLst>
+                                </p:cTn>
+                              </p:par>
+                              <p:par>
+                                <p:cTn id="39" presetID="1" presetClass="entr" presetSubtype="0" fill="hold" grpId="0" nodeType="withEffect">
+                                  <p:stCondLst>
+                                    <p:cond delay="0"/>
+                                  </p:stCondLst>
+                                  <p:childTnLst>
+                                    <p:set>
+                                      <p:cBhvr>
+                                        <p:cTn id="40" dur="1" fill="hold">
+                                          <p:stCondLst>
+                                            <p:cond delay="0"/>
+                                          </p:stCondLst>
+                                        </p:cTn>
+                                        <p:tgtEl>
+                                          <p:spTgt spid="30"/>
+                                        </p:tgtEl>
+                                        <p:attrNameLst>
+                                          <p:attrName>style.visibility</p:attrName>
+                                        </p:attrNameLst>
+                                      </p:cBhvr>
+                                      <p:to>
+                                        <p:strVal val="visible"/>
+                                      </p:to>
+                                    </p:set>
+                                  </p:childTnLst>
+                                </p:cTn>
+                              </p:par>
+                            </p:childTnLst>
+                          </p:cTn>
+                        </p:par>
+                      </p:childTnLst>
+                    </p:cTn>
+                  </p:par>
+                </p:childTnLst>
+              </p:cTn>
+              <p:prevCondLst>
+                <p:cond evt="onPrev" delay="0">
+                  <p:tgtEl>
+                    <p:sldTgt/>
+                  </p:tgtEl>
+                </p:cond>
+              </p:prevCondLst>
+              <p:nextCondLst>
+                <p:cond evt="onNext" delay="0">
+                  <p:tgtEl>
+                    <p:sldTgt/>
+                  </p:tgtEl>
+                </p:cond>
+              </p:nextCondLst>
+            </p:seq>
+          </p:childTnLst>
+        </p:cTn>
+      </p:par>
+    </p:tnLst>
+    <p:bldLst>
+      <p:bldP spid="26" grpId="0" animBg="1"/>
+      <p:bldP spid="27" grpId="0" animBg="1"/>
+      <p:bldP spid="28" grpId="0" animBg="1"/>
+      <p:bldP spid="29" grpId="0" animBg="1"/>
+      <p:bldP spid="30" grpId="0" animBg="1"/>
+      <p:bldP spid="31" grpId="0" animBg="1"/>
+      <p:bldP spid="32" grpId="0" animBg="1"/>
+      <p:bldP spid="36" grpId="0" animBg="1"/>
+      <p:bldP spid="37" grpId="0" animBg="1"/>
+      <p:bldP spid="38" grpId="0" animBg="1"/>
+    </p:bldLst>
+  </p:timing>
 </p:sld>
 </file>
 
@@ -8880,43 +10114,25 @@
             <p:ph type="title"/>
           </p:nvPr>
         </p:nvSpPr>
-        <p:spPr/>
-        <p:txBody>
-          <a:bodyPr/>
-          <a:lstStyle/>
-          <a:p>
-            <a:pPr algn="r"/>
-            <a:r>
-              <a:rPr lang="fr-FR" dirty="0">
+        <p:spPr>
+          <a:xfrm>
+            <a:off x="838200" y="365125"/>
+            <a:ext cx="10515600" cy="5642136"/>
+          </a:xfrm>
+        </p:spPr>
+        <p:txBody>
+          <a:bodyPr>
+            <a:normAutofit/>
+          </a:bodyPr>
+          <a:lstStyle/>
+          <a:p>
+            <a:pPr algn="ctr"/>
+            <a:r>
+              <a:rPr lang="fr-FR" sz="9600" dirty="0">
                 <a:latin typeface="Bahnschrift" panose="020B0502040204020203" pitchFamily="34" charset="0"/>
               </a:rPr>
               <a:t>C#</a:t>
             </a:r>
-          </a:p>
-        </p:txBody>
-      </p:sp>
-      <p:sp>
-        <p:nvSpPr>
-          <p:cNvPr id="3" name="Espace réservé du contenu 2">
-            <a:extLst>
-              <a:ext uri="{FF2B5EF4-FFF2-40B4-BE49-F238E27FC236}">
-                <a16:creationId xmlns:a16="http://schemas.microsoft.com/office/drawing/2014/main" id="{5EF275F0-BFF9-4DEB-9C48-642A5951CC2E}"/>
-              </a:ext>
-            </a:extLst>
-          </p:cNvPr>
-          <p:cNvSpPr>
-            <a:spLocks noGrp="1"/>
-          </p:cNvSpPr>
-          <p:nvPr>
-            <p:ph idx="1"/>
-          </p:nvPr>
-        </p:nvSpPr>
-        <p:spPr/>
-        <p:txBody>
-          <a:bodyPr/>
-          <a:lstStyle/>
-          <a:p>
-            <a:endParaRPr lang="fr-FR"/>
           </a:p>
         </p:txBody>
       </p:sp>
